--- a/SSL1.pptx
+++ b/SSL1.pptx
@@ -4,11 +4,17 @@
   <p:sldMasterIdLst>
     <p:sldMasterId id="2147483648" r:id="rId1"/>
   </p:sldMasterIdLst>
+  <p:notesMasterIdLst>
+    <p:notesMasterId r:id="rId8"/>
+  </p:notesMasterIdLst>
   <p:sldIdLst>
     <p:sldId id="256" r:id="rId3"/>
     <p:sldId id="258" r:id="rId4"/>
     <p:sldId id="259" r:id="rId5"/>
     <p:sldId id="260" r:id="rId6"/>
+    <p:sldId id="262" r:id="rId7"/>
+    <p:sldId id="264" r:id="rId9"/>
+    <p:sldId id="265" r:id="rId10"/>
   </p:sldIdLst>
   <p:sldSz cx="12192000" cy="6858000"/>
   <p:notesSz cx="6858000" cy="9144000"/>
@@ -108,6 +114,485 @@
     </a:lvl9pPr>
   </p:defaultTextStyle>
 </p:presentation>
+</file>
+
+<file path=ppt/notesMasters/notesMaster1.xml><?xml version="1.0" encoding="utf-8"?>
+<p:notesMaster xmlns:a="http://schemas.openxmlformats.org/drawingml/2006/main" xmlns:r="http://schemas.openxmlformats.org/officeDocument/2006/relationships" xmlns:p="http://schemas.openxmlformats.org/presentationml/2006/main">
+  <p:cSld>
+    <p:bg>
+      <p:bgRef idx="1001">
+        <a:schemeClr val="bg1"/>
+      </p:bgRef>
+    </p:bg>
+    <p:spTree>
+      <p:nvGrpSpPr>
+        <p:cNvPr id="1" name=""/>
+        <p:cNvGrpSpPr/>
+        <p:nvPr/>
+      </p:nvGrpSpPr>
+      <p:grpSpPr>
+        <a:xfrm>
+          <a:off x="0" y="0"/>
+          <a:ext cx="0" cy="0"/>
+          <a:chOff x="0" y="0"/>
+          <a:chExt cx="0" cy="0"/>
+        </a:xfrm>
+      </p:grpSpPr>
+      <p:sp>
+        <p:nvSpPr>
+          <p:cNvPr id="2" name="Header Placeholder 1"/>
+          <p:cNvSpPr>
+            <a:spLocks noGrp="1"/>
+          </p:cNvSpPr>
+          <p:nvPr>
+            <p:ph type="hdr" sz="quarter"/>
+          </p:nvPr>
+        </p:nvSpPr>
+        <p:spPr>
+          <a:xfrm>
+            <a:off x="0" y="0"/>
+            <a:ext cx="2971800" cy="458788"/>
+          </a:xfrm>
+          <a:prstGeom prst="rect">
+            <a:avLst/>
+          </a:prstGeom>
+        </p:spPr>
+        <p:txBody>
+          <a:bodyPr vert="horz" lIns="91440" tIns="45720" rIns="91440" bIns="45720" rtlCol="0"/>
+          <a:lstStyle>
+            <a:lvl1pPr algn="l">
+              <a:defRPr sz="1200"/>
+            </a:lvl1pPr>
+          </a:lstStyle>
+          <a:p>
+            <a:endParaRPr lang="en-US"/>
+          </a:p>
+        </p:txBody>
+      </p:sp>
+      <p:sp>
+        <p:nvSpPr>
+          <p:cNvPr id="3" name="Date Placeholder 2"/>
+          <p:cNvSpPr>
+            <a:spLocks noGrp="1"/>
+          </p:cNvSpPr>
+          <p:nvPr>
+            <p:ph type="dt" idx="1"/>
+          </p:nvPr>
+        </p:nvSpPr>
+        <p:spPr>
+          <a:xfrm>
+            <a:off x="3884613" y="0"/>
+            <a:ext cx="2971800" cy="458788"/>
+          </a:xfrm>
+          <a:prstGeom prst="rect">
+            <a:avLst/>
+          </a:prstGeom>
+        </p:spPr>
+        <p:txBody>
+          <a:bodyPr vert="horz" lIns="91440" tIns="45720" rIns="91440" bIns="45720" rtlCol="0"/>
+          <a:lstStyle>
+            <a:lvl1pPr algn="r">
+              <a:defRPr sz="1200"/>
+            </a:lvl1pPr>
+          </a:lstStyle>
+          <a:p>
+            <a:fld id="{3EFD42F7-718C-4B98-AAEC-167E6DDD60A7}" type="datetimeFigureOut">
+              <a:rPr lang="en-US" smtClean="0"/>
+            </a:fld>
+            <a:endParaRPr lang="en-US"/>
+          </a:p>
+        </p:txBody>
+      </p:sp>
+      <p:sp>
+        <p:nvSpPr>
+          <p:cNvPr id="4" name="Slide Image Placeholder 3"/>
+          <p:cNvSpPr>
+            <a:spLocks noGrp="1" noRot="1" noChangeAspect="1"/>
+          </p:cNvSpPr>
+          <p:nvPr>
+            <p:ph type="sldImg" idx="2"/>
+          </p:nvPr>
+        </p:nvSpPr>
+        <p:spPr>
+          <a:xfrm>
+            <a:off x="685800" y="1143000"/>
+            <a:ext cx="5486400" cy="3086100"/>
+          </a:xfrm>
+          <a:prstGeom prst="rect">
+            <a:avLst/>
+          </a:prstGeom>
+          <a:noFill/>
+          <a:ln w="12700">
+            <a:solidFill>
+              <a:prstClr val="black"/>
+            </a:solidFill>
+          </a:ln>
+        </p:spPr>
+        <p:txBody>
+          <a:bodyPr vert="horz" lIns="91440" tIns="45720" rIns="91440" bIns="45720" rtlCol="0" anchor="ctr"/>
+          <a:lstStyle/>
+          <a:p>
+            <a:endParaRPr lang="en-US"/>
+          </a:p>
+        </p:txBody>
+      </p:sp>
+      <p:sp>
+        <p:nvSpPr>
+          <p:cNvPr id="5" name="Notes Placeholder 4"/>
+          <p:cNvSpPr>
+            <a:spLocks noGrp="1"/>
+          </p:cNvSpPr>
+          <p:nvPr>
+            <p:ph type="body" sz="quarter" idx="3"/>
+          </p:nvPr>
+        </p:nvSpPr>
+        <p:spPr>
+          <a:xfrm>
+            <a:off x="685800" y="4400550"/>
+            <a:ext cx="5486400" cy="3600450"/>
+          </a:xfrm>
+          <a:prstGeom prst="rect">
+            <a:avLst/>
+          </a:prstGeom>
+        </p:spPr>
+        <p:txBody>
+          <a:bodyPr vert="horz" lIns="91440" tIns="45720" rIns="91440" bIns="45720" rtlCol="0"/>
+          <a:lstStyle/>
+          <a:p>
+            <a:pPr lvl="0"/>
+            <a:r>
+              <a:rPr lang="en-US" smtClean="0"/>
+              <a:t>Click to edit Master text styles</a:t>
+            </a:r>
+            <a:endParaRPr lang="en-US" smtClean="0"/>
+          </a:p>
+          <a:p>
+            <a:pPr lvl="1"/>
+            <a:r>
+              <a:rPr lang="en-US" smtClean="0"/>
+              <a:t>Second level</a:t>
+            </a:r>
+            <a:endParaRPr lang="en-US" smtClean="0"/>
+          </a:p>
+          <a:p>
+            <a:pPr lvl="2"/>
+            <a:r>
+              <a:rPr lang="en-US" smtClean="0"/>
+              <a:t>Third level</a:t>
+            </a:r>
+            <a:endParaRPr lang="en-US" smtClean="0"/>
+          </a:p>
+          <a:p>
+            <a:pPr lvl="3"/>
+            <a:r>
+              <a:rPr lang="en-US" smtClean="0"/>
+              <a:t>Fourth level</a:t>
+            </a:r>
+            <a:endParaRPr lang="en-US" smtClean="0"/>
+          </a:p>
+          <a:p>
+            <a:pPr lvl="4"/>
+            <a:r>
+              <a:rPr lang="en-US" smtClean="0"/>
+              <a:t>Fifth level</a:t>
+            </a:r>
+            <a:endParaRPr lang="en-US"/>
+          </a:p>
+        </p:txBody>
+      </p:sp>
+      <p:sp>
+        <p:nvSpPr>
+          <p:cNvPr id="6" name="Footer Placeholder 5"/>
+          <p:cNvSpPr>
+            <a:spLocks noGrp="1"/>
+          </p:cNvSpPr>
+          <p:nvPr>
+            <p:ph type="ftr" sz="quarter" idx="4"/>
+          </p:nvPr>
+        </p:nvSpPr>
+        <p:spPr>
+          <a:xfrm>
+            <a:off x="0" y="8685213"/>
+            <a:ext cx="2971800" cy="458787"/>
+          </a:xfrm>
+          <a:prstGeom prst="rect">
+            <a:avLst/>
+          </a:prstGeom>
+        </p:spPr>
+        <p:txBody>
+          <a:bodyPr vert="horz" lIns="91440" tIns="45720" rIns="91440" bIns="45720" rtlCol="0" anchor="b"/>
+          <a:lstStyle>
+            <a:lvl1pPr algn="l">
+              <a:defRPr sz="1200"/>
+            </a:lvl1pPr>
+          </a:lstStyle>
+          <a:p>
+            <a:endParaRPr lang="en-US"/>
+          </a:p>
+        </p:txBody>
+      </p:sp>
+      <p:sp>
+        <p:nvSpPr>
+          <p:cNvPr id="7" name="Slide Number Placeholder 6"/>
+          <p:cNvSpPr>
+            <a:spLocks noGrp="1"/>
+          </p:cNvSpPr>
+          <p:nvPr>
+            <p:ph type="sldNum" sz="quarter" idx="5"/>
+          </p:nvPr>
+        </p:nvSpPr>
+        <p:spPr>
+          <a:xfrm>
+            <a:off x="3884613" y="8685213"/>
+            <a:ext cx="2971800" cy="458787"/>
+          </a:xfrm>
+          <a:prstGeom prst="rect">
+            <a:avLst/>
+          </a:prstGeom>
+        </p:spPr>
+        <p:txBody>
+          <a:bodyPr vert="horz" lIns="91440" tIns="45720" rIns="91440" bIns="45720" rtlCol="0" anchor="b"/>
+          <a:lstStyle>
+            <a:lvl1pPr algn="r">
+              <a:defRPr sz="1200"/>
+            </a:lvl1pPr>
+          </a:lstStyle>
+          <a:p>
+            <a:fld id="{21B2AA4F-B828-4D7C-AFD3-893933DAFCB4}" type="slidenum">
+              <a:rPr lang="en-US" smtClean="0"/>
+            </a:fld>
+            <a:endParaRPr lang="en-US"/>
+          </a:p>
+        </p:txBody>
+      </p:sp>
+    </p:spTree>
+  </p:cSld>
+  <p:clrMap bg1="lt1" tx1="dk1" bg2="lt2" tx2="dk2" accent1="accent1" accent2="accent2" accent3="accent3" accent4="accent4" accent5="accent5" accent6="accent6" hlink="hlink" folHlink="folHlink"/>
+  <p:notesStyle>
+    <a:lvl1pPr marL="0" algn="l" defTabSz="914400" rtl="0" eaLnBrk="1" latinLnBrk="0" hangingPunct="1">
+      <a:defRPr sz="1200" kern="1200">
+        <a:solidFill>
+          <a:schemeClr val="tx1"/>
+        </a:solidFill>
+        <a:latin typeface="+mn-lt"/>
+        <a:ea typeface="+mn-ea"/>
+        <a:cs typeface="+mn-cs"/>
+      </a:defRPr>
+    </a:lvl1pPr>
+    <a:lvl2pPr marL="457200" algn="l" defTabSz="914400" rtl="0" eaLnBrk="1" latinLnBrk="0" hangingPunct="1">
+      <a:defRPr sz="1200" kern="1200">
+        <a:solidFill>
+          <a:schemeClr val="tx1"/>
+        </a:solidFill>
+        <a:latin typeface="+mn-lt"/>
+        <a:ea typeface="+mn-ea"/>
+        <a:cs typeface="+mn-cs"/>
+      </a:defRPr>
+    </a:lvl2pPr>
+    <a:lvl3pPr marL="914400" algn="l" defTabSz="914400" rtl="0" eaLnBrk="1" latinLnBrk="0" hangingPunct="1">
+      <a:defRPr sz="1200" kern="1200">
+        <a:solidFill>
+          <a:schemeClr val="tx1"/>
+        </a:solidFill>
+        <a:latin typeface="+mn-lt"/>
+        <a:ea typeface="+mn-ea"/>
+        <a:cs typeface="+mn-cs"/>
+      </a:defRPr>
+    </a:lvl3pPr>
+    <a:lvl4pPr marL="1371600" algn="l" defTabSz="914400" rtl="0" eaLnBrk="1" latinLnBrk="0" hangingPunct="1">
+      <a:defRPr sz="1200" kern="1200">
+        <a:solidFill>
+          <a:schemeClr val="tx1"/>
+        </a:solidFill>
+        <a:latin typeface="+mn-lt"/>
+        <a:ea typeface="+mn-ea"/>
+        <a:cs typeface="+mn-cs"/>
+      </a:defRPr>
+    </a:lvl4pPr>
+    <a:lvl5pPr marL="1828800" algn="l" defTabSz="914400" rtl="0" eaLnBrk="1" latinLnBrk="0" hangingPunct="1">
+      <a:defRPr sz="1200" kern="1200">
+        <a:solidFill>
+          <a:schemeClr val="tx1"/>
+        </a:solidFill>
+        <a:latin typeface="+mn-lt"/>
+        <a:ea typeface="+mn-ea"/>
+        <a:cs typeface="+mn-cs"/>
+      </a:defRPr>
+    </a:lvl5pPr>
+    <a:lvl6pPr marL="2286000" algn="l" defTabSz="914400" rtl="0" eaLnBrk="1" latinLnBrk="0" hangingPunct="1">
+      <a:defRPr sz="1200" kern="1200">
+        <a:solidFill>
+          <a:schemeClr val="tx1"/>
+        </a:solidFill>
+        <a:latin typeface="+mn-lt"/>
+        <a:ea typeface="+mn-ea"/>
+        <a:cs typeface="+mn-cs"/>
+      </a:defRPr>
+    </a:lvl6pPr>
+    <a:lvl7pPr marL="2743200" algn="l" defTabSz="914400" rtl="0" eaLnBrk="1" latinLnBrk="0" hangingPunct="1">
+      <a:defRPr sz="1200" kern="1200">
+        <a:solidFill>
+          <a:schemeClr val="tx1"/>
+        </a:solidFill>
+        <a:latin typeface="+mn-lt"/>
+        <a:ea typeface="+mn-ea"/>
+        <a:cs typeface="+mn-cs"/>
+      </a:defRPr>
+    </a:lvl7pPr>
+    <a:lvl8pPr marL="3200400" algn="l" defTabSz="914400" rtl="0" eaLnBrk="1" latinLnBrk="0" hangingPunct="1">
+      <a:defRPr sz="1200" kern="1200">
+        <a:solidFill>
+          <a:schemeClr val="tx1"/>
+        </a:solidFill>
+        <a:latin typeface="+mn-lt"/>
+        <a:ea typeface="+mn-ea"/>
+        <a:cs typeface="+mn-cs"/>
+      </a:defRPr>
+    </a:lvl8pPr>
+    <a:lvl9pPr marL="3657600" algn="l" defTabSz="914400" rtl="0" eaLnBrk="1" latinLnBrk="0" hangingPunct="1">
+      <a:defRPr sz="1200" kern="1200">
+        <a:solidFill>
+          <a:schemeClr val="tx1"/>
+        </a:solidFill>
+        <a:latin typeface="+mn-lt"/>
+        <a:ea typeface="+mn-ea"/>
+        <a:cs typeface="+mn-cs"/>
+      </a:defRPr>
+    </a:lvl9pPr>
+  </p:notesStyle>
+</p:notesMaster>
+</file>
+
+<file path=ppt/notesSlides/notesSlide1.xml><?xml version="1.0" encoding="utf-8"?>
+<p:notes xmlns:a="http://schemas.openxmlformats.org/drawingml/2006/main" xmlns:r="http://schemas.openxmlformats.org/officeDocument/2006/relationships" xmlns:p="http://schemas.openxmlformats.org/presentationml/2006/main">
+  <p:cSld>
+    <p:spTree>
+      <p:nvGrpSpPr>
+        <p:cNvPr id="1" name=""/>
+        <p:cNvGrpSpPr/>
+        <p:nvPr/>
+      </p:nvGrpSpPr>
+      <p:grpSpPr/>
+      <p:sp>
+        <p:nvSpPr>
+          <p:cNvPr id="2" name="Slide Image Placeholder 1"/>
+          <p:cNvSpPr/>
+          <p:nvPr>
+            <p:ph type="sldImg" idx="2"/>
+          </p:nvPr>
+        </p:nvSpPr>
+        <p:spPr/>
+      </p:sp>
+      <p:sp>
+        <p:nvSpPr>
+          <p:cNvPr id="3" name="Text Placeholder 2"/>
+          <p:cNvSpPr/>
+          <p:nvPr>
+            <p:ph type="body" idx="3"/>
+          </p:nvPr>
+        </p:nvSpPr>
+        <p:spPr/>
+        <p:txBody>
+          <a:bodyPr/>
+          <a:p>
+            <a:endParaRPr lang="en-US"/>
+          </a:p>
+        </p:txBody>
+      </p:sp>
+    </p:spTree>
+  </p:cSld>
+  <p:clrMapOvr>
+    <a:masterClrMapping/>
+  </p:clrMapOvr>
+</p:notes>
+</file>
+
+<file path=ppt/notesSlides/notesSlide2.xml><?xml version="1.0" encoding="utf-8"?>
+<p:notes xmlns:a="http://schemas.openxmlformats.org/drawingml/2006/main" xmlns:r="http://schemas.openxmlformats.org/officeDocument/2006/relationships" xmlns:p="http://schemas.openxmlformats.org/presentationml/2006/main">
+  <p:cSld>
+    <p:spTree>
+      <p:nvGrpSpPr>
+        <p:cNvPr id="1" name=""/>
+        <p:cNvGrpSpPr/>
+        <p:nvPr/>
+      </p:nvGrpSpPr>
+      <p:grpSpPr/>
+      <p:sp>
+        <p:nvSpPr>
+          <p:cNvPr id="2" name="Slide Image Placeholder 1"/>
+          <p:cNvSpPr/>
+          <p:nvPr>
+            <p:ph type="sldImg" idx="2"/>
+          </p:nvPr>
+        </p:nvSpPr>
+        <p:spPr/>
+      </p:sp>
+      <p:sp>
+        <p:nvSpPr>
+          <p:cNvPr id="3" name="Text Placeholder 2"/>
+          <p:cNvSpPr/>
+          <p:nvPr>
+            <p:ph type="body" idx="3"/>
+          </p:nvPr>
+        </p:nvSpPr>
+        <p:spPr/>
+        <p:txBody>
+          <a:bodyPr/>
+          <a:p>
+            <a:endParaRPr lang="en-US"/>
+          </a:p>
+        </p:txBody>
+      </p:sp>
+    </p:spTree>
+  </p:cSld>
+  <p:clrMapOvr>
+    <a:masterClrMapping/>
+  </p:clrMapOvr>
+</p:notes>
+</file>
+
+<file path=ppt/notesSlides/notesSlide3.xml><?xml version="1.0" encoding="utf-8"?>
+<p:notes xmlns:a="http://schemas.openxmlformats.org/drawingml/2006/main" xmlns:r="http://schemas.openxmlformats.org/officeDocument/2006/relationships" xmlns:p="http://schemas.openxmlformats.org/presentationml/2006/main">
+  <p:cSld>
+    <p:spTree>
+      <p:nvGrpSpPr>
+        <p:cNvPr id="1" name=""/>
+        <p:cNvGrpSpPr/>
+        <p:nvPr/>
+      </p:nvGrpSpPr>
+      <p:grpSpPr/>
+      <p:sp>
+        <p:nvSpPr>
+          <p:cNvPr id="2" name="Slide Image Placeholder 1"/>
+          <p:cNvSpPr/>
+          <p:nvPr>
+            <p:ph type="sldImg" idx="2"/>
+          </p:nvPr>
+        </p:nvSpPr>
+        <p:spPr/>
+      </p:sp>
+      <p:sp>
+        <p:nvSpPr>
+          <p:cNvPr id="3" name="Text Placeholder 2"/>
+          <p:cNvSpPr/>
+          <p:nvPr>
+            <p:ph type="body" idx="3"/>
+          </p:nvPr>
+        </p:nvSpPr>
+        <p:spPr/>
+        <p:txBody>
+          <a:bodyPr/>
+          <a:p>
+            <a:endParaRPr lang="en-US"/>
+          </a:p>
+        </p:txBody>
+      </p:sp>
+    </p:spTree>
+  </p:cSld>
+  <p:clrMapOvr>
+    <a:masterClrMapping/>
+  </p:clrMapOvr>
+</p:notes>
 </file>
 
 <file path=ppt/slideLayouts/slideLayout1.xml><?xml version="1.0" encoding="utf-8"?>
@@ -4133,7 +4618,6 @@
           <a:p>
             <a:r>
               <a:rPr lang="en-US" sz="1200">
-                <a:ln/>
                 <a:gradFill>
                   <a:gsLst>
                     <a:gs pos="0">
@@ -4160,7 +4644,6 @@
               <a:t>https://arxiv.org/pdf/1805.00385.pdf</a:t>
             </a:r>
             <a:endParaRPr lang="en-US" sz="1200">
-              <a:ln/>
               <a:gradFill>
                 <a:gsLst>
                   <a:gs pos="0">
@@ -9116,6 +9599,180 @@
 </p:sld>
 </file>
 
+<file path=ppt/slides/slide5.xml><?xml version="1.0" encoding="utf-8"?>
+<p:sld xmlns:a="http://schemas.openxmlformats.org/drawingml/2006/main" xmlns:r="http://schemas.openxmlformats.org/officeDocument/2006/relationships" xmlns:p="http://schemas.openxmlformats.org/presentationml/2006/main">
+  <p:cSld>
+    <p:spTree>
+      <p:nvGrpSpPr>
+        <p:cNvPr id="1" name=""/>
+        <p:cNvGrpSpPr/>
+        <p:nvPr/>
+      </p:nvGrpSpPr>
+      <p:grpSpPr>
+        <a:xfrm>
+          <a:off x="0" y="0"/>
+          <a:ext cx="0" cy="0"/>
+          <a:chOff x="0" y="0"/>
+          <a:chExt cx="0" cy="0"/>
+        </a:xfrm>
+      </p:grpSpPr>
+      <p:sp>
+        <p:nvSpPr>
+          <p:cNvPr id="7" name="Text Box 6"/>
+          <p:cNvSpPr txBox="1"/>
+          <p:nvPr/>
+        </p:nvSpPr>
+        <p:spPr>
+          <a:xfrm>
+            <a:off x="1829435" y="1077595"/>
+            <a:ext cx="1088390" cy="460375"/>
+          </a:xfrm>
+          <a:prstGeom prst="rect">
+            <a:avLst/>
+          </a:prstGeom>
+          <a:noFill/>
+        </p:spPr>
+        <p:txBody>
+          <a:bodyPr wrap="none" rtlCol="0">
+            <a:spAutoFit/>
+          </a:bodyPr>
+          <a:p>
+            <a:r>
+              <a:rPr lang="en-IN" altLang="en-US" sz="2400" b="1">
+                <a:latin typeface="Georgia" panose="02040502050405020303" charset="0"/>
+                <a:cs typeface="Georgia" panose="02040502050405020303" charset="0"/>
+              </a:rPr>
+              <a:t>Sbert</a:t>
+            </a:r>
+            <a:r>
+              <a:rPr lang="en-IN" altLang="en-US" sz="2000"/>
+              <a:t> </a:t>
+            </a:r>
+            <a:endParaRPr lang="en-IN" altLang="en-US" sz="2000"/>
+          </a:p>
+        </p:txBody>
+      </p:sp>
+      <p:pic>
+        <p:nvPicPr>
+          <p:cNvPr id="8" name="Picture 7"/>
+          <p:cNvPicPr>
+            <a:picLocks noChangeAspect="1"/>
+          </p:cNvPicPr>
+          <p:nvPr/>
+        </p:nvPicPr>
+        <p:blipFill>
+          <a:blip r:embed="rId1"/>
+          <a:srcRect l="9156" t="22353" r="8125" b="809"/>
+          <a:stretch>
+            <a:fillRect/>
+          </a:stretch>
+        </p:blipFill>
+        <p:spPr>
+          <a:xfrm>
+            <a:off x="1829435" y="2335530"/>
+            <a:ext cx="8584565" cy="4389755"/>
+          </a:xfrm>
+          <a:prstGeom prst="rect">
+            <a:avLst/>
+          </a:prstGeom>
+        </p:spPr>
+      </p:pic>
+    </p:spTree>
+  </p:cSld>
+  <p:clrMapOvr>
+    <a:masterClrMapping/>
+  </p:clrMapOvr>
+</p:sld>
+</file>
+
+<file path=ppt/slides/slide6.xml><?xml version="1.0" encoding="utf-8"?>
+<p:sld xmlns:a="http://schemas.openxmlformats.org/drawingml/2006/main" xmlns:r="http://schemas.openxmlformats.org/officeDocument/2006/relationships" xmlns:p="http://schemas.openxmlformats.org/presentationml/2006/main">
+  <p:cSld>
+    <p:spTree>
+      <p:nvGrpSpPr>
+        <p:cNvPr id="1" name=""/>
+        <p:cNvGrpSpPr/>
+        <p:nvPr/>
+      </p:nvGrpSpPr>
+      <p:grpSpPr/>
+      <p:pic>
+        <p:nvPicPr>
+          <p:cNvPr id="5" name="Content Placeholder 4"/>
+          <p:cNvPicPr>
+            <a:picLocks noChangeAspect="1"/>
+          </p:cNvPicPr>
+          <p:nvPr>
+            <p:ph sz="half" idx="2"/>
+          </p:nvPr>
+        </p:nvPicPr>
+        <p:blipFill>
+          <a:blip r:embed="rId1"/>
+          <a:stretch>
+            <a:fillRect/>
+          </a:stretch>
+        </p:blipFill>
+        <p:spPr>
+          <a:xfrm>
+            <a:off x="213995" y="300990"/>
+            <a:ext cx="11533505" cy="6431915"/>
+          </a:xfrm>
+          <a:prstGeom prst="rect">
+            <a:avLst/>
+          </a:prstGeom>
+        </p:spPr>
+      </p:pic>
+    </p:spTree>
+  </p:cSld>
+  <p:clrMapOvr>
+    <a:masterClrMapping/>
+  </p:clrMapOvr>
+</p:sld>
+</file>
+
+<file path=ppt/slides/slide7.xml><?xml version="1.0" encoding="utf-8"?>
+<p:sld xmlns:a="http://schemas.openxmlformats.org/drawingml/2006/main" xmlns:r="http://schemas.openxmlformats.org/officeDocument/2006/relationships" xmlns:p="http://schemas.openxmlformats.org/presentationml/2006/main">
+  <p:cSld>
+    <p:spTree>
+      <p:nvGrpSpPr>
+        <p:cNvPr id="1" name=""/>
+        <p:cNvGrpSpPr/>
+        <p:nvPr/>
+      </p:nvGrpSpPr>
+      <p:grpSpPr/>
+      <p:pic>
+        <p:nvPicPr>
+          <p:cNvPr id="4" name="Content Placeholder 3"/>
+          <p:cNvPicPr>
+            <a:picLocks noChangeAspect="1"/>
+          </p:cNvPicPr>
+          <p:nvPr>
+            <p:ph idx="1"/>
+          </p:nvPr>
+        </p:nvPicPr>
+        <p:blipFill>
+          <a:blip r:embed="rId1"/>
+          <a:stretch>
+            <a:fillRect/>
+          </a:stretch>
+        </p:blipFill>
+        <p:spPr>
+          <a:xfrm>
+            <a:off x="126365" y="261620"/>
+            <a:ext cx="10757535" cy="6596380"/>
+          </a:xfrm>
+          <a:prstGeom prst="rect">
+            <a:avLst/>
+          </a:prstGeom>
+        </p:spPr>
+      </p:pic>
+    </p:spTree>
+  </p:cSld>
+  <p:clrMapOvr>
+    <a:masterClrMapping/>
+  </p:clrMapOvr>
+</p:sld>
+</file>
+
 <file path=ppt/theme/theme1.xml><?xml version="1.0" encoding="utf-8"?>
 <a:theme xmlns:a="http://schemas.openxmlformats.org/drawingml/2006/main" name="Office Theme">
   <a:themeElements>
@@ -9373,4 +10030,263 @@
     </a:ext>
   </a:extLst>
 </a:theme>
+</file>
+
+<file path=ppt/theme/theme2.xml><?xml version="1.0" encoding="utf-8"?>
+<a:theme xmlns:a="http://schemas.openxmlformats.org/drawingml/2006/main" name="Office Theme">
+  <a:themeElements>
+    <a:clrScheme name="Office">
+      <a:dk1>
+        <a:sysClr val="windowText" lastClr="000000"/>
+      </a:dk1>
+      <a:lt1>
+        <a:sysClr val="window" lastClr="FFFFFF"/>
+      </a:lt1>
+      <a:dk2>
+        <a:srgbClr val="44546A"/>
+      </a:dk2>
+      <a:lt2>
+        <a:srgbClr val="E7E6E6"/>
+      </a:lt2>
+      <a:accent1>
+        <a:srgbClr val="5B9BD5"/>
+      </a:accent1>
+      <a:accent2>
+        <a:srgbClr val="ED7D31"/>
+      </a:accent2>
+      <a:accent3>
+        <a:srgbClr val="A5A5A5"/>
+      </a:accent3>
+      <a:accent4>
+        <a:srgbClr val="FFC000"/>
+      </a:accent4>
+      <a:accent5>
+        <a:srgbClr val="4472C4"/>
+      </a:accent5>
+      <a:accent6>
+        <a:srgbClr val="70AD47"/>
+      </a:accent6>
+      <a:hlink>
+        <a:srgbClr val="0563C1"/>
+      </a:hlink>
+      <a:folHlink>
+        <a:srgbClr val="954F72"/>
+      </a:folHlink>
+    </a:clrScheme>
+    <a:fontScheme name="Office">
+      <a:majorFont>
+        <a:latin typeface="Calibri Light"/>
+        <a:ea typeface=""/>
+        <a:cs typeface=""/>
+        <a:font script="Jpan" typeface="ＭＳ Ｐゴシック"/>
+        <a:font script="Hang" typeface="맑은 고딕"/>
+        <a:font script="Hans" typeface="宋体"/>
+        <a:font script="Hant" typeface="新細明體"/>
+        <a:font script="Arab" typeface="Times New Roman"/>
+        <a:font script="Hebr" typeface="Times New Roman"/>
+        <a:font script="Thai" typeface="Angsana New"/>
+        <a:font script="Ethi" typeface="Nyala"/>
+        <a:font script="Beng" typeface="Vrinda"/>
+        <a:font script="Gujr" typeface="Shruti"/>
+        <a:font script="Khmr" typeface="MoolBoran"/>
+        <a:font script="Knda" typeface="Tunga"/>
+        <a:font script="Guru" typeface="Raavi"/>
+        <a:font script="Cans" typeface="Euphemia"/>
+        <a:font script="Cher" typeface="Plantagenet Cherokee"/>
+        <a:font script="Yiii" typeface="Microsoft Yi Baiti"/>
+        <a:font script="Tibt" typeface="Microsoft Himalaya"/>
+        <a:font script="Thaa" typeface="MV Boli"/>
+        <a:font script="Deva" typeface="Mangal"/>
+        <a:font script="Telu" typeface="Gautami"/>
+        <a:font script="Taml" typeface="Latha"/>
+        <a:font script="Syrc" typeface="Estrangelo Edessa"/>
+        <a:font script="Orya" typeface="Kalinga"/>
+        <a:font script="Mlym" typeface="Kartika"/>
+        <a:font script="Laoo" typeface="DokChampa"/>
+        <a:font script="Sinh" typeface="Iskoola Pota"/>
+        <a:font script="Mong" typeface="Mongolian Baiti"/>
+        <a:font script="Viet" typeface="Times New Roman"/>
+        <a:font script="Uigh" typeface="Microsoft Uighur"/>
+        <a:font script="Geor" typeface="Sylfaen"/>
+      </a:majorFont>
+      <a:minorFont>
+        <a:latin typeface="Calibri"/>
+        <a:ea typeface=""/>
+        <a:cs typeface=""/>
+        <a:font script="Jpan" typeface="ＭＳ Ｐゴシック"/>
+        <a:font script="Hang" typeface="맑은 고딕"/>
+        <a:font script="Hans" typeface="宋体"/>
+        <a:font script="Hant" typeface="新細明體"/>
+        <a:font script="Arab" typeface="Arial"/>
+        <a:font script="Hebr" typeface="Arial"/>
+        <a:font script="Thai" typeface="Cordia New"/>
+        <a:font script="Ethi" typeface="Nyala"/>
+        <a:font script="Beng" typeface="Vrinda"/>
+        <a:font script="Gujr" typeface="Shruti"/>
+        <a:font script="Khmr" typeface="DaunPenh"/>
+        <a:font script="Knda" typeface="Tunga"/>
+        <a:font script="Guru" typeface="Raavi"/>
+        <a:font script="Cans" typeface="Euphemia"/>
+        <a:font script="Cher" typeface="Plantagenet Cherokee"/>
+        <a:font script="Yiii" typeface="Microsoft Yi Baiti"/>
+        <a:font script="Tibt" typeface="Microsoft Himalaya"/>
+        <a:font script="Thaa" typeface="MV Boli"/>
+        <a:font script="Deva" typeface="Mangal"/>
+        <a:font script="Telu" typeface="Gautami"/>
+        <a:font script="Taml" typeface="Latha"/>
+        <a:font script="Syrc" typeface="Estrangelo Edessa"/>
+        <a:font script="Orya" typeface="Kalinga"/>
+        <a:font script="Mlym" typeface="Kartika"/>
+        <a:font script="Laoo" typeface="DokChampa"/>
+        <a:font script="Sinh" typeface="Iskoola Pota"/>
+        <a:font script="Mong" typeface="Mongolian Baiti"/>
+        <a:font script="Viet" typeface="Arial"/>
+        <a:font script="Uigh" typeface="Microsoft Uighur"/>
+        <a:font script="Geor" typeface="Sylfaen"/>
+      </a:minorFont>
+    </a:fontScheme>
+    <a:fmtScheme name="Office">
+      <a:fillStyleLst>
+        <a:solidFill>
+          <a:schemeClr val="phClr"/>
+        </a:solidFill>
+        <a:gradFill rotWithShape="1">
+          <a:gsLst>
+            <a:gs pos="0">
+              <a:schemeClr val="phClr">
+                <a:lumMod val="110000"/>
+                <a:satMod val="105000"/>
+                <a:tint val="67000"/>
+              </a:schemeClr>
+            </a:gs>
+            <a:gs pos="50000">
+              <a:schemeClr val="phClr">
+                <a:lumMod val="105000"/>
+                <a:satMod val="103000"/>
+                <a:tint val="73000"/>
+              </a:schemeClr>
+            </a:gs>
+            <a:gs pos="100000">
+              <a:schemeClr val="phClr">
+                <a:lumMod val="105000"/>
+                <a:satMod val="109000"/>
+                <a:tint val="81000"/>
+              </a:schemeClr>
+            </a:gs>
+          </a:gsLst>
+          <a:lin ang="5400000" scaled="0"/>
+        </a:gradFill>
+        <a:gradFill rotWithShape="1">
+          <a:gsLst>
+            <a:gs pos="0">
+              <a:schemeClr val="phClr">
+                <a:satMod val="103000"/>
+                <a:lumMod val="102000"/>
+                <a:tint val="94000"/>
+              </a:schemeClr>
+            </a:gs>
+            <a:gs pos="50000">
+              <a:schemeClr val="phClr">
+                <a:satMod val="110000"/>
+                <a:lumMod val="100000"/>
+                <a:shade val="100000"/>
+              </a:schemeClr>
+            </a:gs>
+            <a:gs pos="100000">
+              <a:schemeClr val="phClr">
+                <a:lumMod val="99000"/>
+                <a:satMod val="120000"/>
+                <a:shade val="78000"/>
+              </a:schemeClr>
+            </a:gs>
+          </a:gsLst>
+          <a:lin ang="5400000" scaled="0"/>
+        </a:gradFill>
+      </a:fillStyleLst>
+      <a:lnStyleLst>
+        <a:ln w="6350" cap="flat" cmpd="sng" algn="ctr">
+          <a:solidFill>
+            <a:schemeClr val="phClr"/>
+          </a:solidFill>
+          <a:prstDash val="solid"/>
+          <a:miter lim="800000"/>
+        </a:ln>
+        <a:ln w="12700" cap="flat" cmpd="sng" algn="ctr">
+          <a:solidFill>
+            <a:schemeClr val="phClr"/>
+          </a:solidFill>
+          <a:prstDash val="solid"/>
+          <a:miter lim="800000"/>
+        </a:ln>
+        <a:ln w="19050" cap="flat" cmpd="sng" algn="ctr">
+          <a:solidFill>
+            <a:schemeClr val="phClr"/>
+          </a:solidFill>
+          <a:prstDash val="solid"/>
+          <a:miter lim="800000"/>
+        </a:ln>
+      </a:lnStyleLst>
+      <a:effectStyleLst>
+        <a:effectStyle>
+          <a:effectLst/>
+        </a:effectStyle>
+        <a:effectStyle>
+          <a:effectLst/>
+        </a:effectStyle>
+        <a:effectStyle>
+          <a:effectLst>
+            <a:outerShdw blurRad="57150" dist="19050" dir="5400000" algn="ctr" rotWithShape="0">
+              <a:srgbClr val="000000">
+                <a:alpha val="63000"/>
+              </a:srgbClr>
+            </a:outerShdw>
+          </a:effectLst>
+        </a:effectStyle>
+      </a:effectStyleLst>
+      <a:bgFillStyleLst>
+        <a:solidFill>
+          <a:schemeClr val="phClr"/>
+        </a:solidFill>
+        <a:solidFill>
+          <a:schemeClr val="phClr">
+            <a:tint val="95000"/>
+            <a:satMod val="170000"/>
+          </a:schemeClr>
+        </a:solidFill>
+        <a:gradFill rotWithShape="1">
+          <a:gsLst>
+            <a:gs pos="0">
+              <a:schemeClr val="phClr">
+                <a:tint val="93000"/>
+                <a:satMod val="150000"/>
+                <a:shade val="98000"/>
+                <a:lumMod val="102000"/>
+              </a:schemeClr>
+            </a:gs>
+            <a:gs pos="50000">
+              <a:schemeClr val="phClr">
+                <a:tint val="98000"/>
+                <a:satMod val="130000"/>
+                <a:shade val="90000"/>
+                <a:lumMod val="103000"/>
+              </a:schemeClr>
+            </a:gs>
+            <a:gs pos="100000">
+              <a:schemeClr val="phClr">
+                <a:shade val="63000"/>
+                <a:satMod val="120000"/>
+              </a:schemeClr>
+            </a:gs>
+          </a:gsLst>
+          <a:lin ang="5400000" scaled="0"/>
+        </a:gradFill>
+      </a:bgFillStyleLst>
+    </a:fmtScheme>
+  </a:themeElements>
+  <a:extLst>
+    <a:ext uri="{05A4C25C-085E-4340-85A3-A5531E510DB2}">
+      <thm15:themeFamily xmlns:thm15="http://schemas.microsoft.com/office/thememl/2012/main" name="Office Theme" id="{62F939B6-93AF-4DB8-9C6B-D6C7DFDC589F}" vid="{4A3C46E8-61CC-4603-A589-7422A47A8E4A}"/>
+    </a:ext>
+  </a:extLst>
+</a:theme>
 </file>
--- a/SSL1.pptx
+++ b/SSL1.pptx
@@ -5,16 +5,17 @@
     <p:sldMasterId id="2147483648" r:id="rId1"/>
   </p:sldMasterIdLst>
   <p:notesMasterIdLst>
-    <p:notesMasterId r:id="rId8"/>
+    <p:notesMasterId r:id="rId7"/>
   </p:notesMasterIdLst>
   <p:sldIdLst>
     <p:sldId id="256" r:id="rId3"/>
     <p:sldId id="258" r:id="rId4"/>
     <p:sldId id="259" r:id="rId5"/>
-    <p:sldId id="260" r:id="rId6"/>
-    <p:sldId id="262" r:id="rId7"/>
-    <p:sldId id="264" r:id="rId9"/>
-    <p:sldId id="265" r:id="rId10"/>
+    <p:sldId id="262" r:id="rId6"/>
+    <p:sldId id="264" r:id="rId8"/>
+    <p:sldId id="265" r:id="rId9"/>
+    <p:sldId id="260" r:id="rId10"/>
+    <p:sldId id="266" r:id="rId11"/>
   </p:sldIdLst>
   <p:sldSz cx="12192000" cy="6858000"/>
   <p:notesSz cx="6858000" cy="9144000"/>
@@ -3592,8 +3593,8 @@
         </p:nvGrpSpPr>
         <p:grpSpPr>
           <a:xfrm>
-            <a:off x="1623024" y="840689"/>
-            <a:ext cx="6293653" cy="1864933"/>
+            <a:off x="1623060" y="840740"/>
+            <a:ext cx="8477250" cy="1864995"/>
             <a:chOff x="4682" y="4451"/>
             <a:chExt cx="7673" cy="2142"/>
           </a:xfrm>
@@ -3744,7 +3745,7 @@
           </p:nvSpPr>
           <p:spPr>
             <a:xfrm>
-              <a:off x="6713" y="5857"/>
+              <a:off x="6521" y="5857"/>
               <a:ext cx="3958" cy="736"/>
             </a:xfrm>
             <a:prstGeom prst="cube">
@@ -3942,7 +3943,7 @@
         </p:nvGrpSpPr>
         <p:grpSpPr>
           <a:xfrm>
-            <a:off x="708025" y="3679190"/>
+            <a:off x="1979295" y="3679190"/>
             <a:ext cx="8559165" cy="2684780"/>
             <a:chOff x="1115" y="5794"/>
             <a:chExt cx="13479" cy="4228"/>
@@ -9533,81 +9534,6 @@
         <p:cNvGrpSpPr/>
         <p:nvPr/>
       </p:nvGrpSpPr>
-      <p:grpSpPr/>
-      <p:sp>
-        <p:nvSpPr>
-          <p:cNvPr id="6" name="Title 5"/>
-          <p:cNvSpPr>
-            <a:spLocks noGrp="1"/>
-          </p:cNvSpPr>
-          <p:nvPr>
-            <p:ph type="title"/>
-          </p:nvPr>
-        </p:nvSpPr>
-        <p:spPr>
-          <a:xfrm>
-            <a:off x="838200" y="111760"/>
-            <a:ext cx="10515600" cy="1325563"/>
-          </a:xfrm>
-        </p:spPr>
-        <p:txBody>
-          <a:bodyPr/>
-          <a:p>
-            <a:r>
-              <a:rPr lang="en-IN" altLang="en-US">
-                <a:latin typeface="Georgia" panose="02040502050405020303" charset="0"/>
-                <a:cs typeface="Georgia" panose="02040502050405020303" charset="0"/>
-              </a:rPr>
-              <a:t>Xception Architecture :</a:t>
-            </a:r>
-            <a:endParaRPr lang="en-IN" altLang="en-US">
-              <a:latin typeface="Georgia" panose="02040502050405020303" charset="0"/>
-              <a:cs typeface="Georgia" panose="02040502050405020303" charset="0"/>
-            </a:endParaRPr>
-          </a:p>
-        </p:txBody>
-      </p:sp>
-      <p:pic>
-        <p:nvPicPr>
-          <p:cNvPr id="7" name="Picture 6" descr="Xception"/>
-          <p:cNvPicPr>
-            <a:picLocks noChangeAspect="1"/>
-          </p:cNvPicPr>
-          <p:nvPr/>
-        </p:nvPicPr>
-        <p:blipFill>
-          <a:blip r:embed="rId1"/>
-          <a:stretch>
-            <a:fillRect/>
-          </a:stretch>
-        </p:blipFill>
-        <p:spPr>
-          <a:xfrm>
-            <a:off x="566420" y="1181100"/>
-            <a:ext cx="11312525" cy="5676900"/>
-          </a:xfrm>
-          <a:prstGeom prst="rect">
-            <a:avLst/>
-          </a:prstGeom>
-        </p:spPr>
-      </p:pic>
-    </p:spTree>
-  </p:cSld>
-  <p:clrMapOvr>
-    <a:masterClrMapping/>
-  </p:clrMapOvr>
-</p:sld>
-</file>
-
-<file path=ppt/slides/slide5.xml><?xml version="1.0" encoding="utf-8"?>
-<p:sld xmlns:a="http://schemas.openxmlformats.org/drawingml/2006/main" xmlns:r="http://schemas.openxmlformats.org/officeDocument/2006/relationships" xmlns:p="http://schemas.openxmlformats.org/presentationml/2006/main">
-  <p:cSld>
-    <p:spTree>
-      <p:nvGrpSpPr>
-        <p:cNvPr id="1" name=""/>
-        <p:cNvGrpSpPr/>
-        <p:nvPr/>
-      </p:nvGrpSpPr>
       <p:grpSpPr>
         <a:xfrm>
           <a:off x="0" y="0"/>
@@ -9685,7 +9611,7 @@
 </p:sld>
 </file>
 
-<file path=ppt/slides/slide6.xml><?xml version="1.0" encoding="utf-8"?>
+<file path=ppt/slides/slide5.xml><?xml version="1.0" encoding="utf-8"?>
 <p:sld xmlns:a="http://schemas.openxmlformats.org/drawingml/2006/main" xmlns:r="http://schemas.openxmlformats.org/officeDocument/2006/relationships" xmlns:p="http://schemas.openxmlformats.org/presentationml/2006/main">
   <p:cSld>
     <p:spTree>
@@ -9729,7 +9655,7 @@
 </p:sld>
 </file>
 
-<file path=ppt/slides/slide7.xml><?xml version="1.0" encoding="utf-8"?>
+<file path=ppt/slides/slide6.xml><?xml version="1.0" encoding="utf-8"?>
 <p:sld xmlns:a="http://schemas.openxmlformats.org/drawingml/2006/main" xmlns:r="http://schemas.openxmlformats.org/officeDocument/2006/relationships" xmlns:p="http://schemas.openxmlformats.org/presentationml/2006/main">
   <p:cSld>
     <p:spTree>
@@ -9765,6 +9691,142 @@
           </a:prstGeom>
         </p:spPr>
       </p:pic>
+    </p:spTree>
+  </p:cSld>
+  <p:clrMapOvr>
+    <a:masterClrMapping/>
+  </p:clrMapOvr>
+</p:sld>
+</file>
+
+<file path=ppt/slides/slide7.xml><?xml version="1.0" encoding="utf-8"?>
+<p:sld xmlns:a="http://schemas.openxmlformats.org/drawingml/2006/main" xmlns:r="http://schemas.openxmlformats.org/officeDocument/2006/relationships" xmlns:p="http://schemas.openxmlformats.org/presentationml/2006/main">
+  <p:cSld>
+    <p:spTree>
+      <p:nvGrpSpPr>
+        <p:cNvPr id="1" name=""/>
+        <p:cNvGrpSpPr/>
+        <p:nvPr/>
+      </p:nvGrpSpPr>
+      <p:grpSpPr/>
+      <p:sp>
+        <p:nvSpPr>
+          <p:cNvPr id="6" name="Title 5"/>
+          <p:cNvSpPr>
+            <a:spLocks noGrp="1"/>
+          </p:cNvSpPr>
+          <p:nvPr>
+            <p:ph type="title"/>
+          </p:nvPr>
+        </p:nvSpPr>
+        <p:spPr>
+          <a:xfrm>
+            <a:off x="838200" y="111760"/>
+            <a:ext cx="10515600" cy="1325563"/>
+          </a:xfrm>
+        </p:spPr>
+        <p:txBody>
+          <a:bodyPr/>
+          <a:p>
+            <a:r>
+              <a:rPr lang="en-IN" altLang="en-US">
+                <a:latin typeface="Georgia" panose="02040502050405020303" charset="0"/>
+                <a:cs typeface="Georgia" panose="02040502050405020303" charset="0"/>
+              </a:rPr>
+              <a:t>Xception Architecture :</a:t>
+            </a:r>
+            <a:endParaRPr lang="en-IN" altLang="en-US">
+              <a:latin typeface="Georgia" panose="02040502050405020303" charset="0"/>
+              <a:cs typeface="Georgia" panose="02040502050405020303" charset="0"/>
+            </a:endParaRPr>
+          </a:p>
+        </p:txBody>
+      </p:sp>
+      <p:pic>
+        <p:nvPicPr>
+          <p:cNvPr id="7" name="Picture 6" descr="Xception"/>
+          <p:cNvPicPr>
+            <a:picLocks noChangeAspect="1"/>
+          </p:cNvPicPr>
+          <p:nvPr/>
+        </p:nvPicPr>
+        <p:blipFill>
+          <a:blip r:embed="rId1"/>
+          <a:stretch>
+            <a:fillRect/>
+          </a:stretch>
+        </p:blipFill>
+        <p:spPr>
+          <a:xfrm>
+            <a:off x="566420" y="1181100"/>
+            <a:ext cx="11312525" cy="5676900"/>
+          </a:xfrm>
+          <a:prstGeom prst="rect">
+            <a:avLst/>
+          </a:prstGeom>
+        </p:spPr>
+      </p:pic>
+    </p:spTree>
+  </p:cSld>
+  <p:clrMapOvr>
+    <a:masterClrMapping/>
+  </p:clrMapOvr>
+</p:sld>
+</file>
+
+<file path=ppt/slides/slide8.xml><?xml version="1.0" encoding="utf-8"?>
+<p:sld xmlns:a="http://schemas.openxmlformats.org/drawingml/2006/main" xmlns:r="http://schemas.openxmlformats.org/officeDocument/2006/relationships" xmlns:p="http://schemas.openxmlformats.org/presentationml/2006/main">
+  <p:cSld>
+    <p:spTree>
+      <p:nvGrpSpPr>
+        <p:cNvPr id="1" name=""/>
+        <p:cNvGrpSpPr/>
+        <p:nvPr/>
+      </p:nvGrpSpPr>
+      <p:grpSpPr/>
+      <p:sp>
+        <p:nvSpPr>
+          <p:cNvPr id="3" name="Content Placeholder 2"/>
+          <p:cNvSpPr>
+            <a:spLocks noGrp="1"/>
+          </p:cNvSpPr>
+          <p:nvPr>
+            <p:ph idx="1"/>
+          </p:nvPr>
+        </p:nvSpPr>
+        <p:spPr/>
+        <p:txBody>
+          <a:bodyPr/>
+          <a:p>
+            <a:pPr marL="0" indent="0">
+              <a:buNone/>
+            </a:pPr>
+            <a:endParaRPr lang="en-US" b="1"/>
+          </a:p>
+          <a:p>
+            <a:pPr marL="0" indent="0">
+              <a:buNone/>
+            </a:pPr>
+            <a:endParaRPr lang="en-US" b="1"/>
+          </a:p>
+          <a:p>
+            <a:pPr marL="0" indent="0">
+              <a:buNone/>
+            </a:pPr>
+            <a:endParaRPr lang="en-US" b="1"/>
+          </a:p>
+          <a:p>
+            <a:pPr marL="0" indent="0">
+              <a:buNone/>
+            </a:pPr>
+            <a:r>
+              <a:rPr lang="en-US" b="1"/>
+              <a:t>	 *********************************************</a:t>
+            </a:r>
+            <a:endParaRPr lang="en-US" b="1"/>
+          </a:p>
+        </p:txBody>
+      </p:sp>
     </p:spTree>
   </p:cSld>
   <p:clrMapOvr>

--- a/SSL1.pptx
+++ b/SSL1.pptx
@@ -5,17 +5,14 @@
     <p:sldMasterId id="2147483648" r:id="rId1"/>
   </p:sldMasterIdLst>
   <p:notesMasterIdLst>
-    <p:notesMasterId r:id="rId7"/>
+    <p:notesMasterId r:id="rId8"/>
   </p:notesMasterIdLst>
   <p:sldIdLst>
     <p:sldId id="256" r:id="rId3"/>
     <p:sldId id="258" r:id="rId4"/>
     <p:sldId id="259" r:id="rId5"/>
-    <p:sldId id="262" r:id="rId6"/>
-    <p:sldId id="264" r:id="rId8"/>
-    <p:sldId id="265" r:id="rId9"/>
-    <p:sldId id="260" r:id="rId10"/>
-    <p:sldId id="266" r:id="rId11"/>
+    <p:sldId id="260" r:id="rId6"/>
+    <p:sldId id="266" r:id="rId7"/>
   </p:sldIdLst>
   <p:sldSz cx="12192000" cy="6858000"/>
   <p:notesSz cx="6858000" cy="9144000"/>
@@ -465,94 +462,6 @@
 </file>
 
 <file path=ppt/notesSlides/notesSlide1.xml><?xml version="1.0" encoding="utf-8"?>
-<p:notes xmlns:a="http://schemas.openxmlformats.org/drawingml/2006/main" xmlns:r="http://schemas.openxmlformats.org/officeDocument/2006/relationships" xmlns:p="http://schemas.openxmlformats.org/presentationml/2006/main">
-  <p:cSld>
-    <p:spTree>
-      <p:nvGrpSpPr>
-        <p:cNvPr id="1" name=""/>
-        <p:cNvGrpSpPr/>
-        <p:nvPr/>
-      </p:nvGrpSpPr>
-      <p:grpSpPr/>
-      <p:sp>
-        <p:nvSpPr>
-          <p:cNvPr id="2" name="Slide Image Placeholder 1"/>
-          <p:cNvSpPr/>
-          <p:nvPr>
-            <p:ph type="sldImg" idx="2"/>
-          </p:nvPr>
-        </p:nvSpPr>
-        <p:spPr/>
-      </p:sp>
-      <p:sp>
-        <p:nvSpPr>
-          <p:cNvPr id="3" name="Text Placeholder 2"/>
-          <p:cNvSpPr/>
-          <p:nvPr>
-            <p:ph type="body" idx="3"/>
-          </p:nvPr>
-        </p:nvSpPr>
-        <p:spPr/>
-        <p:txBody>
-          <a:bodyPr/>
-          <a:p>
-            <a:endParaRPr lang="en-US"/>
-          </a:p>
-        </p:txBody>
-      </p:sp>
-    </p:spTree>
-  </p:cSld>
-  <p:clrMapOvr>
-    <a:masterClrMapping/>
-  </p:clrMapOvr>
-</p:notes>
-</file>
-
-<file path=ppt/notesSlides/notesSlide2.xml><?xml version="1.0" encoding="utf-8"?>
-<p:notes xmlns:a="http://schemas.openxmlformats.org/drawingml/2006/main" xmlns:r="http://schemas.openxmlformats.org/officeDocument/2006/relationships" xmlns:p="http://schemas.openxmlformats.org/presentationml/2006/main">
-  <p:cSld>
-    <p:spTree>
-      <p:nvGrpSpPr>
-        <p:cNvPr id="1" name=""/>
-        <p:cNvGrpSpPr/>
-        <p:nvPr/>
-      </p:nvGrpSpPr>
-      <p:grpSpPr/>
-      <p:sp>
-        <p:nvSpPr>
-          <p:cNvPr id="2" name="Slide Image Placeholder 1"/>
-          <p:cNvSpPr/>
-          <p:nvPr>
-            <p:ph type="sldImg" idx="2"/>
-          </p:nvPr>
-        </p:nvSpPr>
-        <p:spPr/>
-      </p:sp>
-      <p:sp>
-        <p:nvSpPr>
-          <p:cNvPr id="3" name="Text Placeholder 2"/>
-          <p:cNvSpPr/>
-          <p:nvPr>
-            <p:ph type="body" idx="3"/>
-          </p:nvPr>
-        </p:nvSpPr>
-        <p:spPr/>
-        <p:txBody>
-          <a:bodyPr/>
-          <a:p>
-            <a:endParaRPr lang="en-US"/>
-          </a:p>
-        </p:txBody>
-      </p:sp>
-    </p:spTree>
-  </p:cSld>
-  <p:clrMapOvr>
-    <a:masterClrMapping/>
-  </p:clrMapOvr>
-</p:notes>
-</file>
-
-<file path=ppt/notesSlides/notesSlide3.xml><?xml version="1.0" encoding="utf-8"?>
 <p:notes xmlns:a="http://schemas.openxmlformats.org/drawingml/2006/main" xmlns:r="http://schemas.openxmlformats.org/officeDocument/2006/relationships" xmlns:p="http://schemas.openxmlformats.org/presentationml/2006/main">
   <p:cSld>
     <p:spTree>
@@ -9534,180 +9443,6 @@
         <p:cNvGrpSpPr/>
         <p:nvPr/>
       </p:nvGrpSpPr>
-      <p:grpSpPr>
-        <a:xfrm>
-          <a:off x="0" y="0"/>
-          <a:ext cx="0" cy="0"/>
-          <a:chOff x="0" y="0"/>
-          <a:chExt cx="0" cy="0"/>
-        </a:xfrm>
-      </p:grpSpPr>
-      <p:sp>
-        <p:nvSpPr>
-          <p:cNvPr id="7" name="Text Box 6"/>
-          <p:cNvSpPr txBox="1"/>
-          <p:nvPr/>
-        </p:nvSpPr>
-        <p:spPr>
-          <a:xfrm>
-            <a:off x="1829435" y="1077595"/>
-            <a:ext cx="1088390" cy="460375"/>
-          </a:xfrm>
-          <a:prstGeom prst="rect">
-            <a:avLst/>
-          </a:prstGeom>
-          <a:noFill/>
-        </p:spPr>
-        <p:txBody>
-          <a:bodyPr wrap="none" rtlCol="0">
-            <a:spAutoFit/>
-          </a:bodyPr>
-          <a:p>
-            <a:r>
-              <a:rPr lang="en-IN" altLang="en-US" sz="2400" b="1">
-                <a:latin typeface="Georgia" panose="02040502050405020303" charset="0"/>
-                <a:cs typeface="Georgia" panose="02040502050405020303" charset="0"/>
-              </a:rPr>
-              <a:t>Sbert</a:t>
-            </a:r>
-            <a:r>
-              <a:rPr lang="en-IN" altLang="en-US" sz="2000"/>
-              <a:t> </a:t>
-            </a:r>
-            <a:endParaRPr lang="en-IN" altLang="en-US" sz="2000"/>
-          </a:p>
-        </p:txBody>
-      </p:sp>
-      <p:pic>
-        <p:nvPicPr>
-          <p:cNvPr id="8" name="Picture 7"/>
-          <p:cNvPicPr>
-            <a:picLocks noChangeAspect="1"/>
-          </p:cNvPicPr>
-          <p:nvPr/>
-        </p:nvPicPr>
-        <p:blipFill>
-          <a:blip r:embed="rId1"/>
-          <a:srcRect l="9156" t="22353" r="8125" b="809"/>
-          <a:stretch>
-            <a:fillRect/>
-          </a:stretch>
-        </p:blipFill>
-        <p:spPr>
-          <a:xfrm>
-            <a:off x="1829435" y="2335530"/>
-            <a:ext cx="8584565" cy="4389755"/>
-          </a:xfrm>
-          <a:prstGeom prst="rect">
-            <a:avLst/>
-          </a:prstGeom>
-        </p:spPr>
-      </p:pic>
-    </p:spTree>
-  </p:cSld>
-  <p:clrMapOvr>
-    <a:masterClrMapping/>
-  </p:clrMapOvr>
-</p:sld>
-</file>
-
-<file path=ppt/slides/slide5.xml><?xml version="1.0" encoding="utf-8"?>
-<p:sld xmlns:a="http://schemas.openxmlformats.org/drawingml/2006/main" xmlns:r="http://schemas.openxmlformats.org/officeDocument/2006/relationships" xmlns:p="http://schemas.openxmlformats.org/presentationml/2006/main">
-  <p:cSld>
-    <p:spTree>
-      <p:nvGrpSpPr>
-        <p:cNvPr id="1" name=""/>
-        <p:cNvGrpSpPr/>
-        <p:nvPr/>
-      </p:nvGrpSpPr>
-      <p:grpSpPr/>
-      <p:pic>
-        <p:nvPicPr>
-          <p:cNvPr id="5" name="Content Placeholder 4"/>
-          <p:cNvPicPr>
-            <a:picLocks noChangeAspect="1"/>
-          </p:cNvPicPr>
-          <p:nvPr>
-            <p:ph sz="half" idx="2"/>
-          </p:nvPr>
-        </p:nvPicPr>
-        <p:blipFill>
-          <a:blip r:embed="rId1"/>
-          <a:stretch>
-            <a:fillRect/>
-          </a:stretch>
-        </p:blipFill>
-        <p:spPr>
-          <a:xfrm>
-            <a:off x="213995" y="300990"/>
-            <a:ext cx="11533505" cy="6431915"/>
-          </a:xfrm>
-          <a:prstGeom prst="rect">
-            <a:avLst/>
-          </a:prstGeom>
-        </p:spPr>
-      </p:pic>
-    </p:spTree>
-  </p:cSld>
-  <p:clrMapOvr>
-    <a:masterClrMapping/>
-  </p:clrMapOvr>
-</p:sld>
-</file>
-
-<file path=ppt/slides/slide6.xml><?xml version="1.0" encoding="utf-8"?>
-<p:sld xmlns:a="http://schemas.openxmlformats.org/drawingml/2006/main" xmlns:r="http://schemas.openxmlformats.org/officeDocument/2006/relationships" xmlns:p="http://schemas.openxmlformats.org/presentationml/2006/main">
-  <p:cSld>
-    <p:spTree>
-      <p:nvGrpSpPr>
-        <p:cNvPr id="1" name=""/>
-        <p:cNvGrpSpPr/>
-        <p:nvPr/>
-      </p:nvGrpSpPr>
-      <p:grpSpPr/>
-      <p:pic>
-        <p:nvPicPr>
-          <p:cNvPr id="4" name="Content Placeholder 3"/>
-          <p:cNvPicPr>
-            <a:picLocks noChangeAspect="1"/>
-          </p:cNvPicPr>
-          <p:nvPr>
-            <p:ph idx="1"/>
-          </p:nvPr>
-        </p:nvPicPr>
-        <p:blipFill>
-          <a:blip r:embed="rId1"/>
-          <a:stretch>
-            <a:fillRect/>
-          </a:stretch>
-        </p:blipFill>
-        <p:spPr>
-          <a:xfrm>
-            <a:off x="126365" y="261620"/>
-            <a:ext cx="10757535" cy="6596380"/>
-          </a:xfrm>
-          <a:prstGeom prst="rect">
-            <a:avLst/>
-          </a:prstGeom>
-        </p:spPr>
-      </p:pic>
-    </p:spTree>
-  </p:cSld>
-  <p:clrMapOvr>
-    <a:masterClrMapping/>
-  </p:clrMapOvr>
-</p:sld>
-</file>
-
-<file path=ppt/slides/slide7.xml><?xml version="1.0" encoding="utf-8"?>
-<p:sld xmlns:a="http://schemas.openxmlformats.org/drawingml/2006/main" xmlns:r="http://schemas.openxmlformats.org/officeDocument/2006/relationships" xmlns:p="http://schemas.openxmlformats.org/presentationml/2006/main">
-  <p:cSld>
-    <p:spTree>
-      <p:nvGrpSpPr>
-        <p:cNvPr id="1" name=""/>
-        <p:cNvGrpSpPr/>
-        <p:nvPr/>
-      </p:nvGrpSpPr>
       <p:grpSpPr/>
       <p:sp>
         <p:nvSpPr>
@@ -9774,7 +9509,7 @@
 </p:sld>
 </file>
 
-<file path=ppt/slides/slide8.xml><?xml version="1.0" encoding="utf-8"?>
+<file path=ppt/slides/slide5.xml><?xml version="1.0" encoding="utf-8"?>
 <p:sld xmlns:a="http://schemas.openxmlformats.org/drawingml/2006/main" xmlns:r="http://schemas.openxmlformats.org/officeDocument/2006/relationships" xmlns:p="http://schemas.openxmlformats.org/presentationml/2006/main">
   <p:cSld>
     <p:spTree>
@@ -9813,17 +9548,11 @@
             <a:pPr marL="0" indent="0">
               <a:buNone/>
             </a:pPr>
-            <a:endParaRPr lang="en-US" b="1"/>
-          </a:p>
-          <a:p>
-            <a:pPr marL="0" indent="0">
-              <a:buNone/>
-            </a:pPr>
             <a:r>
-              <a:rPr lang="en-US" b="1"/>
-              <a:t>	 *********************************************</a:t>
+              <a:rPr lang="en-IN" altLang="en-US" b="1"/>
+              <a:t>Thank you</a:t>
             </a:r>
-            <a:endParaRPr lang="en-US" b="1"/>
+            <a:endParaRPr lang="en-IN" altLang="en-US" b="1"/>
           </a:p>
         </p:txBody>
       </p:sp>

--- a/SSL1.pptx
+++ b/SSL1.pptx
@@ -4607,9 +4607,9 @@
         <p:grpSpPr>
           <a:xfrm>
             <a:off x="353695" y="940435"/>
-            <a:ext cx="9879330" cy="5227320"/>
+            <a:ext cx="9879965" cy="5227320"/>
             <a:chOff x="557" y="1481"/>
-            <a:chExt cx="15558" cy="8232"/>
+            <a:chExt cx="15559" cy="8232"/>
           </a:xfrm>
         </p:grpSpPr>
         <p:grpSp>
@@ -6424,12 +6424,16 @@
           <p:spPr>
             <a:xfrm>
               <a:off x="4236" y="2579"/>
-              <a:ext cx="2609" cy="29"/>
+              <a:ext cx="2608" cy="29"/>
             </a:xfrm>
             <a:prstGeom prst="straightConnector1">
               <a:avLst/>
             </a:prstGeom>
-            <a:ln>
+            <a:ln w="28575" cmpd="sng">
+              <a:solidFill>
+                <a:schemeClr val="tx1"/>
+              </a:solidFill>
+              <a:prstDash val="solid"/>
               <a:tailEnd type="arrow" w="med" len="med"/>
             </a:ln>
           </p:spPr>
@@ -9373,7 +9377,11 @@
             <a:prstGeom prst="straightConnector1">
               <a:avLst/>
             </a:prstGeom>
-            <a:ln>
+            <a:ln w="28575" cmpd="sng">
+              <a:solidFill>
+                <a:schemeClr val="tx1"/>
+              </a:solidFill>
+              <a:prstDash val="solid"/>
               <a:tailEnd type="arrow" w="med" len="med"/>
             </a:ln>
           </p:spPr>
@@ -9406,7 +9414,11 @@
             <a:prstGeom prst="straightConnector1">
               <a:avLst/>
             </a:prstGeom>
-            <a:ln>
+            <a:ln w="28575" cmpd="sng">
+              <a:solidFill>
+                <a:schemeClr val="tx1"/>
+              </a:solidFill>
+              <a:prstDash val="solid"/>
               <a:tailEnd type="arrow" w="med" len="med"/>
             </a:ln>
           </p:spPr>
@@ -9426,6 +9438,425 @@
           </p:style>
         </p:cxnSp>
       </p:grpSp>
+      <p:sp>
+        <p:nvSpPr>
+          <p:cNvPr id="2" name="Oval 1"/>
+          <p:cNvSpPr/>
+          <p:nvPr/>
+        </p:nvSpPr>
+        <p:spPr>
+          <a:xfrm>
+            <a:off x="9967595" y="1004570"/>
+            <a:ext cx="180000" cy="144000"/>
+          </a:xfrm>
+          <a:prstGeom prst="ellipse">
+            <a:avLst/>
+          </a:prstGeom>
+        </p:spPr>
+        <p:style>
+          <a:lnRef idx="2">
+            <a:schemeClr val="dk1">
+              <a:shade val="50000"/>
+            </a:schemeClr>
+          </a:lnRef>
+          <a:fillRef idx="1">
+            <a:schemeClr val="dk1"/>
+          </a:fillRef>
+          <a:effectRef idx="0">
+            <a:schemeClr val="dk1"/>
+          </a:effectRef>
+          <a:fontRef idx="minor">
+            <a:schemeClr val="lt1"/>
+          </a:fontRef>
+        </p:style>
+        <p:txBody>
+          <a:bodyPr rtlCol="0" anchor="ctr"/>
+          <a:p>
+            <a:pPr algn="ctr"/>
+            <a:endParaRPr lang="en-US"/>
+          </a:p>
+        </p:txBody>
+      </p:sp>
+      <p:sp>
+        <p:nvSpPr>
+          <p:cNvPr id="3" name="Text Box 2"/>
+          <p:cNvSpPr txBox="1"/>
+          <p:nvPr/>
+        </p:nvSpPr>
+        <p:spPr>
+          <a:xfrm>
+            <a:off x="7835900" y="890905"/>
+            <a:ext cx="2684780" cy="737235"/>
+          </a:xfrm>
+          <a:prstGeom prst="rect">
+            <a:avLst/>
+          </a:prstGeom>
+          <a:noFill/>
+        </p:spPr>
+        <p:txBody>
+          <a:bodyPr wrap="square" rtlCol="0">
+            <a:spAutoFit/>
+          </a:bodyPr>
+          <a:p>
+            <a:r>
+              <a:rPr lang="en-US" sz="1400"/>
+              <a:t>Features of MMHS images</a:t>
+            </a:r>
+            <a:endParaRPr lang="en-US" sz="1400"/>
+          </a:p>
+          <a:p>
+            <a:endParaRPr lang="en-US" sz="1400"/>
+          </a:p>
+          <a:p>
+            <a:r>
+              <a:rPr lang="en-US" sz="1400"/>
+              <a:t>Features of FB images</a:t>
+            </a:r>
+            <a:endParaRPr lang="en-US" sz="1400"/>
+          </a:p>
+        </p:txBody>
+      </p:sp>
+      <p:sp>
+        <p:nvSpPr>
+          <p:cNvPr id="7" name="Oval 6"/>
+          <p:cNvSpPr/>
+          <p:nvPr/>
+        </p:nvSpPr>
+        <p:spPr>
+          <a:xfrm>
+            <a:off x="9967595" y="1437005"/>
+            <a:ext cx="180000" cy="144000"/>
+          </a:xfrm>
+          <a:prstGeom prst="ellipse">
+            <a:avLst/>
+          </a:prstGeom>
+        </p:spPr>
+        <p:style>
+          <a:lnRef idx="1">
+            <a:schemeClr val="accent3"/>
+          </a:lnRef>
+          <a:fillRef idx="2">
+            <a:schemeClr val="accent3"/>
+          </a:fillRef>
+          <a:effectRef idx="1">
+            <a:schemeClr val="accent3"/>
+          </a:effectRef>
+          <a:fontRef idx="minor">
+            <a:schemeClr val="dk1"/>
+          </a:fontRef>
+        </p:style>
+        <p:txBody>
+          <a:bodyPr rtlCol="0" anchor="ctr"/>
+          <a:p>
+            <a:pPr algn="ctr"/>
+            <a:endParaRPr lang="en-US"/>
+          </a:p>
+        </p:txBody>
+      </p:sp>
+      <p:sp>
+        <p:nvSpPr>
+          <p:cNvPr id="8" name="Text Box 7"/>
+          <p:cNvSpPr txBox="1"/>
+          <p:nvPr/>
+        </p:nvSpPr>
+        <p:spPr>
+          <a:xfrm>
+            <a:off x="2967355" y="1266825"/>
+            <a:ext cx="1111885" cy="368300"/>
+          </a:xfrm>
+          <a:prstGeom prst="rect">
+            <a:avLst/>
+          </a:prstGeom>
+          <a:noFill/>
+        </p:spPr>
+        <p:txBody>
+          <a:bodyPr wrap="none" rtlCol="0">
+            <a:spAutoFit/>
+          </a:bodyPr>
+          <a:p>
+            <a:r>
+              <a:rPr lang="en-US"/>
+              <a:t>Clustering</a:t>
+            </a:r>
+            <a:endParaRPr lang="en-US"/>
+          </a:p>
+        </p:txBody>
+      </p:sp>
+      <p:cxnSp>
+        <p:nvCxnSpPr>
+          <p:cNvPr id="9" name="Straight Arrow Connector 8"/>
+          <p:cNvCxnSpPr/>
+          <p:nvPr/>
+        </p:nvCxnSpPr>
+        <p:spPr>
+          <a:xfrm flipH="1">
+            <a:off x="1717675" y="2776220"/>
+            <a:ext cx="2322830" cy="981075"/>
+          </a:xfrm>
+          <a:prstGeom prst="straightConnector1">
+            <a:avLst/>
+          </a:prstGeom>
+          <a:ln w="28575" cmpd="sng">
+            <a:solidFill>
+              <a:schemeClr val="tx1"/>
+            </a:solidFill>
+            <a:prstDash val="solid"/>
+            <a:tailEnd type="arrow" w="med" len="med"/>
+          </a:ln>
+        </p:spPr>
+        <p:style>
+          <a:lnRef idx="3">
+            <a:schemeClr val="dk1"/>
+          </a:lnRef>
+          <a:fillRef idx="0">
+            <a:schemeClr val="dk1"/>
+          </a:fillRef>
+          <a:effectRef idx="2">
+            <a:schemeClr val="dk1"/>
+          </a:effectRef>
+          <a:fontRef idx="minor">
+            <a:schemeClr val="tx1"/>
+          </a:fontRef>
+        </p:style>
+      </p:cxnSp>
+      <p:sp>
+        <p:nvSpPr>
+          <p:cNvPr id="10" name="Oval 9"/>
+          <p:cNvSpPr/>
+          <p:nvPr/>
+        </p:nvSpPr>
+        <p:spPr>
+          <a:xfrm>
+            <a:off x="5284470" y="1216660"/>
+            <a:ext cx="179705" cy="144145"/>
+          </a:xfrm>
+          <a:prstGeom prst="ellipse">
+            <a:avLst/>
+          </a:prstGeom>
+          <a:solidFill>
+            <a:srgbClr val="7030A0"/>
+          </a:solidFill>
+        </p:spPr>
+        <p:style>
+          <a:lnRef idx="1">
+            <a:schemeClr val="accent3"/>
+          </a:lnRef>
+          <a:fillRef idx="2">
+            <a:schemeClr val="accent3"/>
+          </a:fillRef>
+          <a:effectRef idx="1">
+            <a:schemeClr val="accent3"/>
+          </a:effectRef>
+          <a:fontRef idx="minor">
+            <a:schemeClr val="dk1"/>
+          </a:fontRef>
+        </p:style>
+        <p:txBody>
+          <a:bodyPr rtlCol="0" anchor="ctr"/>
+          <a:p>
+            <a:pPr algn="ctr"/>
+            <a:endParaRPr lang="en-US"/>
+          </a:p>
+        </p:txBody>
+      </p:sp>
+      <p:sp>
+        <p:nvSpPr>
+          <p:cNvPr id="11" name="Oval 10"/>
+          <p:cNvSpPr/>
+          <p:nvPr/>
+        </p:nvSpPr>
+        <p:spPr>
+          <a:xfrm>
+            <a:off x="4774565" y="1639570"/>
+            <a:ext cx="179705" cy="144145"/>
+          </a:xfrm>
+          <a:prstGeom prst="ellipse">
+            <a:avLst/>
+          </a:prstGeom>
+        </p:spPr>
+        <p:style>
+          <a:lnRef idx="1">
+            <a:schemeClr val="accent1"/>
+          </a:lnRef>
+          <a:fillRef idx="2">
+            <a:schemeClr val="accent1"/>
+          </a:fillRef>
+          <a:effectRef idx="1">
+            <a:schemeClr val="accent1"/>
+          </a:effectRef>
+          <a:fontRef idx="minor">
+            <a:schemeClr val="dk1"/>
+          </a:fontRef>
+        </p:style>
+        <p:txBody>
+          <a:bodyPr rtlCol="0" anchor="ctr"/>
+          <a:p>
+            <a:pPr algn="ctr"/>
+            <a:endParaRPr lang="en-US"/>
+          </a:p>
+        </p:txBody>
+      </p:sp>
+      <p:sp>
+        <p:nvSpPr>
+          <p:cNvPr id="12" name="Oval 11"/>
+          <p:cNvSpPr/>
+          <p:nvPr/>
+        </p:nvSpPr>
+        <p:spPr>
+          <a:xfrm>
+            <a:off x="5284470" y="2239645"/>
+            <a:ext cx="179705" cy="144145"/>
+          </a:xfrm>
+          <a:prstGeom prst="ellipse">
+            <a:avLst/>
+          </a:prstGeom>
+          <a:solidFill>
+            <a:srgbClr val="FF0000"/>
+          </a:solidFill>
+        </p:spPr>
+        <p:style>
+          <a:lnRef idx="1">
+            <a:schemeClr val="accent3"/>
+          </a:lnRef>
+          <a:fillRef idx="2">
+            <a:schemeClr val="accent3"/>
+          </a:fillRef>
+          <a:effectRef idx="1">
+            <a:schemeClr val="accent3"/>
+          </a:effectRef>
+          <a:fontRef idx="minor">
+            <a:schemeClr val="dk1"/>
+          </a:fontRef>
+        </p:style>
+        <p:txBody>
+          <a:bodyPr rtlCol="0" anchor="ctr"/>
+          <a:p>
+            <a:pPr algn="ctr"/>
+            <a:endParaRPr lang="en-US"/>
+          </a:p>
+        </p:txBody>
+      </p:sp>
+      <p:sp>
+        <p:nvSpPr>
+          <p:cNvPr id="13" name="Oval 12"/>
+          <p:cNvSpPr/>
+          <p:nvPr/>
+        </p:nvSpPr>
+        <p:spPr>
+          <a:xfrm>
+            <a:off x="5490845" y="1690370"/>
+            <a:ext cx="179705" cy="144145"/>
+          </a:xfrm>
+          <a:prstGeom prst="ellipse">
+            <a:avLst/>
+          </a:prstGeom>
+          <a:solidFill>
+            <a:srgbClr val="00B050"/>
+          </a:solidFill>
+        </p:spPr>
+        <p:style>
+          <a:lnRef idx="2">
+            <a:schemeClr val="accent1">
+              <a:shade val="50000"/>
+            </a:schemeClr>
+          </a:lnRef>
+          <a:fillRef idx="1">
+            <a:schemeClr val="accent1"/>
+          </a:fillRef>
+          <a:effectRef idx="0">
+            <a:schemeClr val="accent1"/>
+          </a:effectRef>
+          <a:fontRef idx="minor">
+            <a:schemeClr val="lt1"/>
+          </a:fontRef>
+        </p:style>
+        <p:txBody>
+          <a:bodyPr rtlCol="0" anchor="ctr"/>
+          <a:p>
+            <a:pPr algn="ctr"/>
+            <a:endParaRPr lang="en-US"/>
+          </a:p>
+        </p:txBody>
+      </p:sp>
+      <p:sp>
+        <p:nvSpPr>
+          <p:cNvPr id="14" name="Oval 13"/>
+          <p:cNvSpPr/>
+          <p:nvPr/>
+        </p:nvSpPr>
+        <p:spPr>
+          <a:xfrm>
+            <a:off x="6128385" y="1355725"/>
+            <a:ext cx="179705" cy="144145"/>
+          </a:xfrm>
+          <a:prstGeom prst="ellipse">
+            <a:avLst/>
+          </a:prstGeom>
+          <a:solidFill>
+            <a:schemeClr val="accent2"/>
+          </a:solidFill>
+        </p:spPr>
+        <p:style>
+          <a:lnRef idx="2">
+            <a:schemeClr val="accent1">
+              <a:shade val="50000"/>
+            </a:schemeClr>
+          </a:lnRef>
+          <a:fillRef idx="1">
+            <a:schemeClr val="accent1"/>
+          </a:fillRef>
+          <a:effectRef idx="0">
+            <a:schemeClr val="accent1"/>
+          </a:effectRef>
+          <a:fontRef idx="minor">
+            <a:schemeClr val="lt1"/>
+          </a:fontRef>
+        </p:style>
+        <p:txBody>
+          <a:bodyPr rtlCol="0" anchor="ctr"/>
+          <a:p>
+            <a:pPr algn="ctr"/>
+            <a:endParaRPr lang="en-US"/>
+          </a:p>
+        </p:txBody>
+      </p:sp>
+      <p:sp>
+        <p:nvSpPr>
+          <p:cNvPr id="15" name="Oval 14"/>
+          <p:cNvSpPr/>
+          <p:nvPr/>
+        </p:nvSpPr>
+        <p:spPr>
+          <a:xfrm>
+            <a:off x="6104255" y="1788160"/>
+            <a:ext cx="179705" cy="144145"/>
+          </a:xfrm>
+          <a:prstGeom prst="ellipse">
+            <a:avLst/>
+          </a:prstGeom>
+        </p:spPr>
+        <p:style>
+          <a:lnRef idx="0">
+            <a:schemeClr val="accent5"/>
+          </a:lnRef>
+          <a:fillRef idx="3">
+            <a:schemeClr val="accent5"/>
+          </a:fillRef>
+          <a:effectRef idx="3">
+            <a:schemeClr val="accent5"/>
+          </a:effectRef>
+          <a:fontRef idx="minor">
+            <a:schemeClr val="lt1"/>
+          </a:fontRef>
+        </p:style>
+        <p:txBody>
+          <a:bodyPr rtlCol="0" anchor="ctr"/>
+          <a:p>
+            <a:pPr algn="ctr"/>
+            <a:endParaRPr lang="en-US"/>
+          </a:p>
+        </p:txBody>
+      </p:sp>
     </p:spTree>
   </p:cSld>
   <p:clrMapOvr>

--- a/SSL1.pptx
+++ b/SSL1.pptx
@@ -5,11 +5,13 @@
     <p:sldMasterId id="2147483648" r:id="rId1"/>
   </p:sldMasterIdLst>
   <p:notesMasterIdLst>
-    <p:notesMasterId r:id="rId5"/>
+    <p:notesMasterId r:id="rId6"/>
   </p:notesMasterIdLst>
   <p:sldIdLst>
-    <p:sldId id="267" r:id="rId3"/>
-    <p:sldId id="266" r:id="rId4"/>
+    <p:sldId id="267" r:id="rId2"/>
+    <p:sldId id="268" r:id="rId3"/>
+    <p:sldId id="271" r:id="rId4"/>
+    <p:sldId id="266" r:id="rId5"/>
   </p:sldIdLst>
   <p:sldSz cx="12192000" cy="6858000"/>
   <p:notesSz cx="6858000" cy="9144000"/>
@@ -193,6 +195,8 @@
           <a:p>
             <a:fld id="{3EFD42F7-718C-4B98-AAEC-167E6DDD60A7}" type="datetimeFigureOut">
               <a:rPr lang="en-US" smtClean="0"/>
+              <a:pPr/>
+              <a:t>12/12/2020</a:t>
             </a:fld>
             <a:endParaRPr lang="en-US"/>
           </a:p>
@@ -259,7 +263,6 @@
               <a:rPr lang="en-US" smtClean="0"/>
               <a:t>Click to edit Master text styles</a:t>
             </a:r>
-            <a:endParaRPr lang="en-US" smtClean="0"/>
           </a:p>
           <a:p>
             <a:pPr lvl="1"/>
@@ -267,7 +270,6 @@
               <a:rPr lang="en-US" smtClean="0"/>
               <a:t>Second level</a:t>
             </a:r>
-            <a:endParaRPr lang="en-US" smtClean="0"/>
           </a:p>
           <a:p>
             <a:pPr lvl="2"/>
@@ -275,7 +277,6 @@
               <a:rPr lang="en-US" smtClean="0"/>
               <a:t>Third level</a:t>
             </a:r>
-            <a:endParaRPr lang="en-US" smtClean="0"/>
           </a:p>
           <a:p>
             <a:pPr lvl="3"/>
@@ -283,7 +284,6 @@
               <a:rPr lang="en-US" smtClean="0"/>
               <a:t>Fourth level</a:t>
             </a:r>
-            <a:endParaRPr lang="en-US" smtClean="0"/>
           </a:p>
           <a:p>
             <a:pPr lvl="4"/>
@@ -355,6 +355,8 @@
           <a:p>
             <a:fld id="{21B2AA4F-B828-4D7C-AFD3-893933DAFCB4}" type="slidenum">
               <a:rPr lang="en-US" smtClean="0"/>
+              <a:pPr/>
+              <a:t>‹#›</a:t>
             </a:fld>
             <a:endParaRPr lang="en-US"/>
           </a:p>
@@ -467,11 +469,20 @@
         <p:cNvGrpSpPr/>
         <p:nvPr/>
       </p:nvGrpSpPr>
-      <p:grpSpPr/>
+      <p:grpSpPr>
+        <a:xfrm>
+          <a:off x="0" y="0"/>
+          <a:ext cx="0" cy="0"/>
+          <a:chOff x="0" y="0"/>
+          <a:chExt cx="0" cy="0"/>
+        </a:xfrm>
+      </p:grpSpPr>
       <p:sp>
         <p:nvSpPr>
           <p:cNvPr id="2" name="Slide Image Placeholder 1"/>
-          <p:cNvSpPr/>
+          <p:cNvSpPr>
+            <a:spLocks noGrp="1" noRot="1" noChangeAspect="1"/>
+          </p:cNvSpPr>
           <p:nvPr>
             <p:ph type="sldImg" idx="2"/>
           </p:nvPr>
@@ -481,7 +492,9 @@
       <p:sp>
         <p:nvSpPr>
           <p:cNvPr id="3" name="Text Placeholder 2"/>
-          <p:cNvSpPr/>
+          <p:cNvSpPr>
+            <a:spLocks noGrp="1"/>
+          </p:cNvSpPr>
           <p:nvPr>
             <p:ph type="body" idx="3"/>
           </p:nvPr>
@@ -489,6 +502,7 @@
         <p:spPr/>
         <p:txBody>
           <a:bodyPr/>
+          <a:lstStyle/>
           <a:p>
             <a:endParaRPr lang="en-US"/>
           </a:p>
@@ -633,6 +647,8 @@
           <a:p>
             <a:fld id="{63A1C593-65D0-4073-BCC9-577B9352EA97}" type="datetimeFigureOut">
               <a:rPr lang="en-US" smtClean="0"/>
+              <a:pPr/>
+              <a:t>12/12/2020</a:t>
             </a:fld>
             <a:endParaRPr lang="en-US"/>
           </a:p>
@@ -674,6 +690,8 @@
           <a:p>
             <a:fld id="{9B618960-8005-486C-9A75-10CB2AAC16F9}" type="slidenum">
               <a:rPr lang="en-US" smtClean="0"/>
+              <a:pPr/>
+              <a:t>‹#›</a:t>
             </a:fld>
             <a:endParaRPr lang="en-US"/>
           </a:p>
@@ -747,7 +765,6 @@
               <a:rPr lang="en-US" smtClean="0"/>
               <a:t>Click to edit Master text styles</a:t>
             </a:r>
-            <a:endParaRPr lang="en-US" smtClean="0"/>
           </a:p>
           <a:p>
             <a:pPr lvl="1"/>
@@ -755,7 +772,6 @@
               <a:rPr lang="en-US" smtClean="0"/>
               <a:t>Second level</a:t>
             </a:r>
-            <a:endParaRPr lang="en-US" smtClean="0"/>
           </a:p>
           <a:p>
             <a:pPr lvl="2"/>
@@ -763,7 +779,6 @@
               <a:rPr lang="en-US" smtClean="0"/>
               <a:t>Third level</a:t>
             </a:r>
-            <a:endParaRPr lang="en-US" smtClean="0"/>
           </a:p>
           <a:p>
             <a:pPr lvl="3"/>
@@ -771,7 +786,6 @@
               <a:rPr lang="en-US" smtClean="0"/>
               <a:t>Fourth level</a:t>
             </a:r>
-            <a:endParaRPr lang="en-US" smtClean="0"/>
           </a:p>
           <a:p>
             <a:pPr lvl="4"/>
@@ -800,6 +814,8 @@
           <a:p>
             <a:fld id="{63A1C593-65D0-4073-BCC9-577B9352EA97}" type="datetimeFigureOut">
               <a:rPr lang="en-US" smtClean="0"/>
+              <a:pPr/>
+              <a:t>12/12/2020</a:t>
             </a:fld>
             <a:endParaRPr lang="en-US"/>
           </a:p>
@@ -841,6 +857,8 @@
           <a:p>
             <a:fld id="{9B618960-8005-486C-9A75-10CB2AAC16F9}" type="slidenum">
               <a:rPr lang="en-US" smtClean="0"/>
+              <a:pPr/>
+              <a:t>‹#›</a:t>
             </a:fld>
             <a:endParaRPr lang="en-US"/>
           </a:p>
@@ -924,7 +942,6 @@
               <a:rPr lang="en-US" smtClean="0"/>
               <a:t>Click to edit Master text styles</a:t>
             </a:r>
-            <a:endParaRPr lang="en-US" smtClean="0"/>
           </a:p>
           <a:p>
             <a:pPr lvl="1"/>
@@ -932,7 +949,6 @@
               <a:rPr lang="en-US" smtClean="0"/>
               <a:t>Second level</a:t>
             </a:r>
-            <a:endParaRPr lang="en-US" smtClean="0"/>
           </a:p>
           <a:p>
             <a:pPr lvl="2"/>
@@ -940,7 +956,6 @@
               <a:rPr lang="en-US" smtClean="0"/>
               <a:t>Third level</a:t>
             </a:r>
-            <a:endParaRPr lang="en-US" smtClean="0"/>
           </a:p>
           <a:p>
             <a:pPr lvl="3"/>
@@ -948,7 +963,6 @@
               <a:rPr lang="en-US" smtClean="0"/>
               <a:t>Fourth level</a:t>
             </a:r>
-            <a:endParaRPr lang="en-US" smtClean="0"/>
           </a:p>
           <a:p>
             <a:pPr lvl="4"/>
@@ -977,6 +991,8 @@
           <a:p>
             <a:fld id="{63A1C593-65D0-4073-BCC9-577B9352EA97}" type="datetimeFigureOut">
               <a:rPr lang="en-US" smtClean="0"/>
+              <a:pPr/>
+              <a:t>12/12/2020</a:t>
             </a:fld>
             <a:endParaRPr lang="en-US"/>
           </a:p>
@@ -1018,6 +1034,8 @@
           <a:p>
             <a:fld id="{9B618960-8005-486C-9A75-10CB2AAC16F9}" type="slidenum">
               <a:rPr lang="en-US" smtClean="0"/>
+              <a:pPr/>
+              <a:t>‹#›</a:t>
             </a:fld>
             <a:endParaRPr lang="en-US"/>
           </a:p>
@@ -1091,7 +1109,6 @@
               <a:rPr lang="en-US" smtClean="0"/>
               <a:t>Click to edit Master text styles</a:t>
             </a:r>
-            <a:endParaRPr lang="en-US" smtClean="0"/>
           </a:p>
           <a:p>
             <a:pPr lvl="1"/>
@@ -1099,7 +1116,6 @@
               <a:rPr lang="en-US" smtClean="0"/>
               <a:t>Second level</a:t>
             </a:r>
-            <a:endParaRPr lang="en-US" smtClean="0"/>
           </a:p>
           <a:p>
             <a:pPr lvl="2"/>
@@ -1107,7 +1123,6 @@
               <a:rPr lang="en-US" smtClean="0"/>
               <a:t>Third level</a:t>
             </a:r>
-            <a:endParaRPr lang="en-US" smtClean="0"/>
           </a:p>
           <a:p>
             <a:pPr lvl="3"/>
@@ -1115,7 +1130,6 @@
               <a:rPr lang="en-US" smtClean="0"/>
               <a:t>Fourth level</a:t>
             </a:r>
-            <a:endParaRPr lang="en-US" smtClean="0"/>
           </a:p>
           <a:p>
             <a:pPr lvl="4"/>
@@ -1144,6 +1158,8 @@
           <a:p>
             <a:fld id="{63A1C593-65D0-4073-BCC9-577B9352EA97}" type="datetimeFigureOut">
               <a:rPr lang="en-US" smtClean="0"/>
+              <a:pPr/>
+              <a:t>12/12/2020</a:t>
             </a:fld>
             <a:endParaRPr lang="en-US"/>
           </a:p>
@@ -1185,6 +1201,8 @@
           <a:p>
             <a:fld id="{9B618960-8005-486C-9A75-10CB2AAC16F9}" type="slidenum">
               <a:rPr lang="en-US" smtClean="0"/>
+              <a:pPr/>
+              <a:t>‹#›</a:t>
             </a:fld>
             <a:endParaRPr lang="en-US"/>
           </a:p>
@@ -1363,7 +1381,6 @@
               <a:rPr lang="en-US" smtClean="0"/>
               <a:t>Click to edit Master text styles</a:t>
             </a:r>
-            <a:endParaRPr lang="en-US" smtClean="0"/>
           </a:p>
         </p:txBody>
       </p:sp>
@@ -1384,6 +1401,8 @@
           <a:p>
             <a:fld id="{63A1C593-65D0-4073-BCC9-577B9352EA97}" type="datetimeFigureOut">
               <a:rPr lang="en-US" smtClean="0"/>
+              <a:pPr/>
+              <a:t>12/12/2020</a:t>
             </a:fld>
             <a:endParaRPr lang="en-US"/>
           </a:p>
@@ -1425,6 +1444,8 @@
           <a:p>
             <a:fld id="{9B618960-8005-486C-9A75-10CB2AAC16F9}" type="slidenum">
               <a:rPr lang="en-US" smtClean="0"/>
+              <a:pPr/>
+              <a:t>‹#›</a:t>
             </a:fld>
             <a:endParaRPr lang="en-US"/>
           </a:p>
@@ -1503,7 +1524,6 @@
               <a:rPr lang="en-US" smtClean="0"/>
               <a:t>Click to edit Master text styles</a:t>
             </a:r>
-            <a:endParaRPr lang="en-US" smtClean="0"/>
           </a:p>
           <a:p>
             <a:pPr lvl="1"/>
@@ -1511,7 +1531,6 @@
               <a:rPr lang="en-US" smtClean="0"/>
               <a:t>Second level</a:t>
             </a:r>
-            <a:endParaRPr lang="en-US" smtClean="0"/>
           </a:p>
           <a:p>
             <a:pPr lvl="2"/>
@@ -1519,7 +1538,6 @@
               <a:rPr lang="en-US" smtClean="0"/>
               <a:t>Third level</a:t>
             </a:r>
-            <a:endParaRPr lang="en-US" smtClean="0"/>
           </a:p>
           <a:p>
             <a:pPr lvl="3"/>
@@ -1527,7 +1545,6 @@
               <a:rPr lang="en-US" smtClean="0"/>
               <a:t>Fourth level</a:t>
             </a:r>
-            <a:endParaRPr lang="en-US" smtClean="0"/>
           </a:p>
           <a:p>
             <a:pPr lvl="4"/>
@@ -1564,7 +1581,6 @@
               <a:rPr lang="en-US" smtClean="0"/>
               <a:t>Click to edit Master text styles</a:t>
             </a:r>
-            <a:endParaRPr lang="en-US" smtClean="0"/>
           </a:p>
           <a:p>
             <a:pPr lvl="1"/>
@@ -1572,7 +1588,6 @@
               <a:rPr lang="en-US" smtClean="0"/>
               <a:t>Second level</a:t>
             </a:r>
-            <a:endParaRPr lang="en-US" smtClean="0"/>
           </a:p>
           <a:p>
             <a:pPr lvl="2"/>
@@ -1580,7 +1595,6 @@
               <a:rPr lang="en-US" smtClean="0"/>
               <a:t>Third level</a:t>
             </a:r>
-            <a:endParaRPr lang="en-US" smtClean="0"/>
           </a:p>
           <a:p>
             <a:pPr lvl="3"/>
@@ -1588,7 +1602,6 @@
               <a:rPr lang="en-US" smtClean="0"/>
               <a:t>Fourth level</a:t>
             </a:r>
-            <a:endParaRPr lang="en-US" smtClean="0"/>
           </a:p>
           <a:p>
             <a:pPr lvl="4"/>
@@ -1617,6 +1630,8 @@
           <a:p>
             <a:fld id="{63A1C593-65D0-4073-BCC9-577B9352EA97}" type="datetimeFigureOut">
               <a:rPr lang="en-US" smtClean="0"/>
+              <a:pPr/>
+              <a:t>12/12/2020</a:t>
             </a:fld>
             <a:endParaRPr lang="en-US"/>
           </a:p>
@@ -1658,6 +1673,8 @@
           <a:p>
             <a:fld id="{9B618960-8005-486C-9A75-10CB2AAC16F9}" type="slidenum">
               <a:rPr lang="en-US" smtClean="0"/>
+              <a:pPr/>
+              <a:t>‹#›</a:t>
             </a:fld>
             <a:endParaRPr lang="en-US"/>
           </a:p>
@@ -1778,7 +1795,6 @@
               <a:rPr lang="en-US" smtClean="0"/>
               <a:t>Click to edit Master text styles</a:t>
             </a:r>
-            <a:endParaRPr lang="en-US" smtClean="0"/>
           </a:p>
         </p:txBody>
       </p:sp>
@@ -1807,7 +1823,6 @@
               <a:rPr lang="en-US" smtClean="0"/>
               <a:t>Click to edit Master text styles</a:t>
             </a:r>
-            <a:endParaRPr lang="en-US" smtClean="0"/>
           </a:p>
           <a:p>
             <a:pPr lvl="1"/>
@@ -1815,7 +1830,6 @@
               <a:rPr lang="en-US" smtClean="0"/>
               <a:t>Second level</a:t>
             </a:r>
-            <a:endParaRPr lang="en-US" smtClean="0"/>
           </a:p>
           <a:p>
             <a:pPr lvl="2"/>
@@ -1823,7 +1837,6 @@
               <a:rPr lang="en-US" smtClean="0"/>
               <a:t>Third level</a:t>
             </a:r>
-            <a:endParaRPr lang="en-US" smtClean="0"/>
           </a:p>
           <a:p>
             <a:pPr lvl="3"/>
@@ -1831,7 +1844,6 @@
               <a:rPr lang="en-US" smtClean="0"/>
               <a:t>Fourth level</a:t>
             </a:r>
-            <a:endParaRPr lang="en-US" smtClean="0"/>
           </a:p>
           <a:p>
             <a:pPr lvl="4"/>
@@ -1905,7 +1917,6 @@
               <a:rPr lang="en-US" smtClean="0"/>
               <a:t>Click to edit Master text styles</a:t>
             </a:r>
-            <a:endParaRPr lang="en-US" smtClean="0"/>
           </a:p>
         </p:txBody>
       </p:sp>
@@ -1934,7 +1945,6 @@
               <a:rPr lang="en-US" smtClean="0"/>
               <a:t>Click to edit Master text styles</a:t>
             </a:r>
-            <a:endParaRPr lang="en-US" smtClean="0"/>
           </a:p>
           <a:p>
             <a:pPr lvl="1"/>
@@ -1942,7 +1952,6 @@
               <a:rPr lang="en-US" smtClean="0"/>
               <a:t>Second level</a:t>
             </a:r>
-            <a:endParaRPr lang="en-US" smtClean="0"/>
           </a:p>
           <a:p>
             <a:pPr lvl="2"/>
@@ -1950,7 +1959,6 @@
               <a:rPr lang="en-US" smtClean="0"/>
               <a:t>Third level</a:t>
             </a:r>
-            <a:endParaRPr lang="en-US" smtClean="0"/>
           </a:p>
           <a:p>
             <a:pPr lvl="3"/>
@@ -1958,7 +1966,6 @@
               <a:rPr lang="en-US" smtClean="0"/>
               <a:t>Fourth level</a:t>
             </a:r>
-            <a:endParaRPr lang="en-US" smtClean="0"/>
           </a:p>
           <a:p>
             <a:pPr lvl="4"/>
@@ -1987,6 +1994,8 @@
           <a:p>
             <a:fld id="{63A1C593-65D0-4073-BCC9-577B9352EA97}" type="datetimeFigureOut">
               <a:rPr lang="en-US" smtClean="0"/>
+              <a:pPr/>
+              <a:t>12/12/2020</a:t>
             </a:fld>
             <a:endParaRPr lang="en-US"/>
           </a:p>
@@ -2028,6 +2037,8 @@
           <a:p>
             <a:fld id="{9B618960-8005-486C-9A75-10CB2AAC16F9}" type="slidenum">
               <a:rPr lang="en-US" smtClean="0"/>
+              <a:pPr/>
+              <a:t>‹#›</a:t>
             </a:fld>
             <a:endParaRPr lang="en-US"/>
           </a:p>
@@ -2098,6 +2109,8 @@
           <a:p>
             <a:fld id="{63A1C593-65D0-4073-BCC9-577B9352EA97}" type="datetimeFigureOut">
               <a:rPr lang="en-US" smtClean="0"/>
+              <a:pPr/>
+              <a:t>12/12/2020</a:t>
             </a:fld>
             <a:endParaRPr lang="en-US"/>
           </a:p>
@@ -2139,6 +2152,8 @@
           <a:p>
             <a:fld id="{9B618960-8005-486C-9A75-10CB2AAC16F9}" type="slidenum">
               <a:rPr lang="en-US" smtClean="0"/>
+              <a:pPr/>
+              <a:t>‹#›</a:t>
             </a:fld>
             <a:endParaRPr lang="en-US"/>
           </a:p>
@@ -2186,6 +2201,8 @@
           <a:p>
             <a:fld id="{63A1C593-65D0-4073-BCC9-577B9352EA97}" type="datetimeFigureOut">
               <a:rPr lang="en-US" smtClean="0"/>
+              <a:pPr/>
+              <a:t>12/12/2020</a:t>
             </a:fld>
             <a:endParaRPr lang="en-US"/>
           </a:p>
@@ -2227,6 +2244,8 @@
           <a:p>
             <a:fld id="{9B618960-8005-486C-9A75-10CB2AAC16F9}" type="slidenum">
               <a:rPr lang="en-US" smtClean="0"/>
+              <a:pPr/>
+              <a:t>‹#›</a:t>
             </a:fld>
             <a:endParaRPr lang="en-US"/>
           </a:p>
@@ -2342,7 +2361,6 @@
               <a:rPr lang="en-US" smtClean="0"/>
               <a:t>Click to edit Master text styles</a:t>
             </a:r>
-            <a:endParaRPr lang="en-US" smtClean="0"/>
           </a:p>
           <a:p>
             <a:pPr lvl="1"/>
@@ -2350,7 +2368,6 @@
               <a:rPr lang="en-US" smtClean="0"/>
               <a:t>Second level</a:t>
             </a:r>
-            <a:endParaRPr lang="en-US" smtClean="0"/>
           </a:p>
           <a:p>
             <a:pPr lvl="2"/>
@@ -2358,7 +2375,6 @@
               <a:rPr lang="en-US" smtClean="0"/>
               <a:t>Third level</a:t>
             </a:r>
-            <a:endParaRPr lang="en-US" smtClean="0"/>
           </a:p>
           <a:p>
             <a:pPr lvl="3"/>
@@ -2366,7 +2382,6 @@
               <a:rPr lang="en-US" smtClean="0"/>
               <a:t>Fourth level</a:t>
             </a:r>
-            <a:endParaRPr lang="en-US" smtClean="0"/>
           </a:p>
           <a:p>
             <a:pPr lvl="4"/>
@@ -2440,7 +2455,6 @@
               <a:rPr lang="en-US" smtClean="0"/>
               <a:t>Click to edit Master text styles</a:t>
             </a:r>
-            <a:endParaRPr lang="en-US" smtClean="0"/>
           </a:p>
         </p:txBody>
       </p:sp>
@@ -2461,6 +2475,8 @@
           <a:p>
             <a:fld id="{63A1C593-65D0-4073-BCC9-577B9352EA97}" type="datetimeFigureOut">
               <a:rPr lang="en-US" smtClean="0"/>
+              <a:pPr/>
+              <a:t>12/12/2020</a:t>
             </a:fld>
             <a:endParaRPr lang="en-US"/>
           </a:p>
@@ -2502,6 +2518,8 @@
           <a:p>
             <a:fld id="{9B618960-8005-486C-9A75-10CB2AAC16F9}" type="slidenum">
               <a:rPr lang="en-US" smtClean="0"/>
+              <a:pPr/>
+              <a:t>‹#›</a:t>
             </a:fld>
             <a:endParaRPr lang="en-US"/>
           </a:p>
@@ -2687,7 +2705,6 @@
               <a:rPr lang="en-US" smtClean="0"/>
               <a:t>Click to edit Master text styles</a:t>
             </a:r>
-            <a:endParaRPr lang="en-US" smtClean="0"/>
           </a:p>
         </p:txBody>
       </p:sp>
@@ -2708,6 +2725,8 @@
           <a:p>
             <a:fld id="{63A1C593-65D0-4073-BCC9-577B9352EA97}" type="datetimeFigureOut">
               <a:rPr lang="en-US" smtClean="0"/>
+              <a:pPr/>
+              <a:t>12/12/2020</a:t>
             </a:fld>
             <a:endParaRPr lang="en-US"/>
           </a:p>
@@ -2749,6 +2768,8 @@
           <a:p>
             <a:fld id="{9B618960-8005-486C-9A75-10CB2AAC16F9}" type="slidenum">
               <a:rPr lang="en-US" smtClean="0"/>
+              <a:pPr/>
+              <a:t>‹#›</a:t>
             </a:fld>
             <a:endParaRPr lang="en-US"/>
           </a:p>
@@ -2847,7 +2868,6 @@
               <a:rPr lang="en-US" smtClean="0"/>
               <a:t>Click to edit Master text styles</a:t>
             </a:r>
-            <a:endParaRPr lang="en-US" smtClean="0"/>
           </a:p>
           <a:p>
             <a:pPr lvl="1"/>
@@ -2855,7 +2875,6 @@
               <a:rPr lang="en-US" smtClean="0"/>
               <a:t>Second level</a:t>
             </a:r>
-            <a:endParaRPr lang="en-US" smtClean="0"/>
           </a:p>
           <a:p>
             <a:pPr lvl="2"/>
@@ -2863,7 +2882,6 @@
               <a:rPr lang="en-US" smtClean="0"/>
               <a:t>Third level</a:t>
             </a:r>
-            <a:endParaRPr lang="en-US" smtClean="0"/>
           </a:p>
           <a:p>
             <a:pPr lvl="3"/>
@@ -2871,7 +2889,6 @@
               <a:rPr lang="en-US" smtClean="0"/>
               <a:t>Fourth level</a:t>
             </a:r>
-            <a:endParaRPr lang="en-US" smtClean="0"/>
           </a:p>
           <a:p>
             <a:pPr lvl="4"/>
@@ -2918,6 +2935,8 @@
           <a:p>
             <a:fld id="{63A1C593-65D0-4073-BCC9-577B9352EA97}" type="datetimeFigureOut">
               <a:rPr lang="en-US" smtClean="0"/>
+              <a:pPr/>
+              <a:t>12/12/2020</a:t>
             </a:fld>
             <a:endParaRPr lang="en-US"/>
           </a:p>
@@ -2995,6 +3014,8 @@
           <a:p>
             <a:fld id="{9B618960-8005-486C-9A75-10CB2AAC16F9}" type="slidenum">
               <a:rPr lang="en-US" smtClean="0"/>
+              <a:pPr/>
+              <a:t>‹#›</a:t>
             </a:fld>
             <a:endParaRPr lang="en-US"/>
           </a:p>
@@ -3308,7 +3329,14 @@
         <p:cNvGrpSpPr/>
         <p:nvPr/>
       </p:nvGrpSpPr>
-      <p:grpSpPr/>
+      <p:grpSpPr>
+        <a:xfrm>
+          <a:off x="0" y="0"/>
+          <a:ext cx="0" cy="0"/>
+          <a:chOff x="0" y="0"/>
+          <a:chExt cx="0" cy="0"/>
+        </a:xfrm>
+      </p:grpSpPr>
       <p:sp>
         <p:nvSpPr>
           <p:cNvPr id="100" name="Text Box 99"/>
@@ -3332,6 +3360,7 @@
           <a:bodyPr wrap="square">
             <a:spAutoFit/>
           </a:bodyPr>
+          <a:lstStyle/>
           <a:p>
             <a:pPr indent="0"/>
             <a:r>
@@ -3340,21 +3369,67 @@
                 <a:ea typeface="SimSun" panose="02010600030101010101" pitchFamily="2" charset="-122"/>
                 <a:cs typeface="Georgia" panose="02040502050405020303" charset="0"/>
               </a:rPr>
-              <a:t>What are we doing ?- -</a:t>
-            </a:r>
+              <a:t>What are we doing ?</a:t>
+            </a:r>
+          </a:p>
+          <a:p>
+            <a:r>
+              <a:rPr lang="en-US" sz="2800" b="0">
+                <a:latin typeface="Georgia" panose="02040502050405020303" charset="0"/>
+                <a:ea typeface="SimSun" panose="02010600030101010101" pitchFamily="2" charset="-122"/>
+                <a:cs typeface="Georgia" panose="02040502050405020303" charset="0"/>
+              </a:rPr>
+              <a:t> </a:t>
+            </a:r>
+          </a:p>
+          <a:p>
             <a:r>
               <a:rPr lang="en-US" sz="2000" b="0">
                 <a:latin typeface="Georgia" panose="02040502050405020303" charset="0"/>
                 <a:ea typeface="SimSun" panose="02010600030101010101" pitchFamily="2" charset="-122"/>
                 <a:cs typeface="Georgia" panose="02040502050405020303" charset="0"/>
               </a:rPr>
-              <a:t>Problem statement -Given the MMHS which is having 6 labels , after performing certain methodology we should be able to predict among the 6 labels to the facebook dataset .- -Once the meme is given as an input the output will be 3 labels among those 6 labels which are:</a:t>
-            </a:r>
+              <a:t>Problem statement </a:t>
+            </a:r>
+          </a:p>
+          <a:p>
+            <a:r>
+              <a:rPr lang="en-US" sz="2000" b="0">
+                <a:latin typeface="Georgia" panose="02040502050405020303" charset="0"/>
+                <a:ea typeface="SimSun" panose="02010600030101010101" pitchFamily="2" charset="-122"/>
+                <a:cs typeface="Georgia" panose="02040502050405020303" charset="0"/>
+              </a:rPr>
+              <a:t>Given the MMHS which is having 6 labels , after performing certain methodology we should be able to predict among the 6 labels to the facebook dataset .</a:t>
+            </a:r>
+          </a:p>
+          <a:p>
+            <a:r>
+              <a:rPr lang="en-US" sz="2000" b="0">
+                <a:latin typeface="Georgia" panose="02040502050405020303" charset="0"/>
+                <a:ea typeface="SimSun" panose="02010600030101010101" pitchFamily="2" charset="-122"/>
+                <a:cs typeface="Georgia" panose="02040502050405020303" charset="0"/>
+              </a:rPr>
+              <a:t> </a:t>
+            </a:r>
+          </a:p>
+          <a:p>
+            <a:r>
+              <a:rPr lang="en-US" sz="2000" b="0">
+                <a:latin typeface="Georgia" panose="02040502050405020303" charset="0"/>
+                <a:ea typeface="SimSun" panose="02010600030101010101" pitchFamily="2" charset="-122"/>
+                <a:cs typeface="Georgia" panose="02040502050405020303" charset="0"/>
+              </a:rPr>
+              <a:t>Once the meme is given as an input the output will be 3 labels among those 6 labels which are:</a:t>
+            </a:r>
+            <a:endParaRPr lang="en-US" sz="1400" b="0">
+              <a:solidFill>
+                <a:srgbClr val="000000"/>
+              </a:solidFill>
+              <a:latin typeface="Georgia" panose="02040502050405020303" charset="0"/>
+              <a:cs typeface="Georgia" panose="02040502050405020303" charset="0"/>
+            </a:endParaRPr>
+          </a:p>
+          <a:p>
             <a:r>
               <a:rPr lang="en-US" sz="1400" b="0">
                 <a:solidFill>
@@ -3363,23 +3438,23 @@
                 <a:latin typeface="Georgia" panose="02040502050405020303" charset="0"/>
                 <a:cs typeface="Georgia" panose="02040502050405020303" charset="0"/>
               </a:rPr>
-              <a:t>-0 - NotHate, 1 - Racist, 2 - Sexist, 3 - Homophobe, 4 - Religion, 5 - OtherHate</a:t>
-            </a:r>
+              <a:t>0 - NotHate, 1 - Racist, 2 - Sexist, 3 - Homophobe, 4 - Religion, 5 - OtherHate</a:t>
+            </a:r>
+            <a:endParaRPr lang="en-US" sz="2800" b="0">
+              <a:latin typeface="Georgia" panose="02040502050405020303" charset="0"/>
+              <a:ea typeface="SimSun" panose="02010600030101010101" pitchFamily="2" charset="-122"/>
+              <a:cs typeface="Georgia" panose="02040502050405020303" charset="0"/>
+            </a:endParaRPr>
+          </a:p>
+          <a:p>
             <a:r>
               <a:rPr lang="en-US" sz="2800" b="0">
                 <a:latin typeface="Georgia" panose="02040502050405020303" charset="0"/>
                 <a:ea typeface="SimSun" panose="02010600030101010101" pitchFamily="2" charset="-122"/>
                 <a:cs typeface="Georgia" panose="02040502050405020303" charset="0"/>
               </a:rPr>
-              <a:t>- </a:t>
-            </a:r>
-            <a:endParaRPr lang="en-US" sz="2800" b="0">
-              <a:latin typeface="Georgia" panose="02040502050405020303" charset="0"/>
-              <a:ea typeface="SimSun" panose="02010600030101010101" pitchFamily="2" charset="-122"/>
-              <a:cs typeface="Georgia" panose="02040502050405020303" charset="0"/>
-            </a:endParaRPr>
+              <a:t> </a:t>
+            </a:r>
           </a:p>
         </p:txBody>
       </p:sp>
@@ -3400,7 +3475,1073 @@
         <p:cNvGrpSpPr/>
         <p:nvPr/>
       </p:nvGrpSpPr>
-      <p:grpSpPr/>
+      <p:grpSpPr>
+        <a:xfrm>
+          <a:off x="0" y="0"/>
+          <a:ext cx="0" cy="0"/>
+          <a:chOff x="0" y="0"/>
+          <a:chExt cx="0" cy="0"/>
+        </a:xfrm>
+      </p:grpSpPr>
+      <p:sp>
+        <p:nvSpPr>
+          <p:cNvPr id="2" name="Rectangle 1"/>
+          <p:cNvSpPr/>
+          <p:nvPr/>
+        </p:nvSpPr>
+        <p:spPr>
+          <a:xfrm>
+            <a:off x="1931852" y="1918063"/>
+            <a:ext cx="1320800" cy="609600"/>
+          </a:xfrm>
+          <a:prstGeom prst="rect">
+            <a:avLst/>
+          </a:prstGeom>
+          <a:solidFill>
+            <a:schemeClr val="bg1"/>
+          </a:solidFill>
+          <a:ln>
+            <a:solidFill>
+              <a:schemeClr val="tx1"/>
+            </a:solidFill>
+          </a:ln>
+        </p:spPr>
+        <p:style>
+          <a:lnRef idx="2">
+            <a:schemeClr val="accent1">
+              <a:shade val="50000"/>
+            </a:schemeClr>
+          </a:lnRef>
+          <a:fillRef idx="1">
+            <a:schemeClr val="accent1"/>
+          </a:fillRef>
+          <a:effectRef idx="0">
+            <a:schemeClr val="accent1"/>
+          </a:effectRef>
+          <a:fontRef idx="minor">
+            <a:schemeClr val="lt1"/>
+          </a:fontRef>
+        </p:style>
+        <p:txBody>
+          <a:bodyPr rtlCol="0" anchor="ctr"/>
+          <a:lstStyle/>
+          <a:p>
+            <a:pPr algn="ctr"/>
+            <a:r>
+              <a:rPr lang="en-US" dirty="0" smtClean="0">
+                <a:solidFill>
+                  <a:schemeClr val="tx1"/>
+                </a:solidFill>
+              </a:rPr>
+              <a:t>Source Data</a:t>
+            </a:r>
+            <a:endParaRPr lang="en-IN" dirty="0">
+              <a:solidFill>
+                <a:schemeClr val="tx1"/>
+              </a:solidFill>
+            </a:endParaRPr>
+          </a:p>
+        </p:txBody>
+      </p:sp>
+      <p:sp>
+        <p:nvSpPr>
+          <p:cNvPr id="3" name="Rounded Rectangle 2"/>
+          <p:cNvSpPr/>
+          <p:nvPr/>
+        </p:nvSpPr>
+        <p:spPr>
+          <a:xfrm>
+            <a:off x="4383314" y="1293223"/>
+            <a:ext cx="5283200" cy="1676400"/>
+          </a:xfrm>
+          <a:prstGeom prst="roundRect">
+            <a:avLst/>
+          </a:prstGeom>
+          <a:solidFill>
+            <a:schemeClr val="bg1"/>
+          </a:solidFill>
+          <a:ln>
+            <a:solidFill>
+              <a:schemeClr val="tx1"/>
+            </a:solidFill>
+          </a:ln>
+        </p:spPr>
+        <p:style>
+          <a:lnRef idx="2">
+            <a:schemeClr val="accent1">
+              <a:shade val="50000"/>
+            </a:schemeClr>
+          </a:lnRef>
+          <a:fillRef idx="1">
+            <a:schemeClr val="accent1"/>
+          </a:fillRef>
+          <a:effectRef idx="0">
+            <a:schemeClr val="accent1"/>
+          </a:effectRef>
+          <a:fontRef idx="minor">
+            <a:schemeClr val="lt1"/>
+          </a:fontRef>
+        </p:style>
+        <p:txBody>
+          <a:bodyPr rtlCol="0" anchor="ctr"/>
+          <a:lstStyle/>
+          <a:p>
+            <a:pPr algn="ctr"/>
+            <a:r>
+              <a:rPr lang="en-US" dirty="0" smtClean="0">
+                <a:solidFill>
+                  <a:schemeClr val="tx1"/>
+                </a:solidFill>
+              </a:rPr>
+              <a:t>Neural Network to perform an Auxiliary task</a:t>
+            </a:r>
+            <a:endParaRPr lang="en-IN" dirty="0">
+              <a:solidFill>
+                <a:schemeClr val="tx1"/>
+              </a:solidFill>
+            </a:endParaRPr>
+          </a:p>
+        </p:txBody>
+      </p:sp>
+      <p:sp>
+        <p:nvSpPr>
+          <p:cNvPr id="4" name="Left Brace 3"/>
+          <p:cNvSpPr/>
+          <p:nvPr/>
+        </p:nvSpPr>
+        <p:spPr>
+          <a:xfrm rot="16200000">
+            <a:off x="5677631" y="1861094"/>
+            <a:ext cx="381000" cy="2641601"/>
+          </a:xfrm>
+          <a:prstGeom prst="leftBrace">
+            <a:avLst/>
+          </a:prstGeom>
+        </p:spPr>
+        <p:style>
+          <a:lnRef idx="1">
+            <a:schemeClr val="accent1"/>
+          </a:lnRef>
+          <a:fillRef idx="0">
+            <a:schemeClr val="accent1"/>
+          </a:fillRef>
+          <a:effectRef idx="0">
+            <a:schemeClr val="accent1"/>
+          </a:effectRef>
+          <a:fontRef idx="minor">
+            <a:schemeClr val="tx1"/>
+          </a:fontRef>
+        </p:style>
+        <p:txBody>
+          <a:bodyPr rtlCol="0" anchor="ctr"/>
+          <a:lstStyle/>
+          <a:p>
+            <a:pPr algn="ctr"/>
+            <a:endParaRPr lang="en-IN"/>
+          </a:p>
+        </p:txBody>
+      </p:sp>
+      <p:sp>
+        <p:nvSpPr>
+          <p:cNvPr id="5" name="Left Brace 4"/>
+          <p:cNvSpPr/>
+          <p:nvPr/>
+        </p:nvSpPr>
+        <p:spPr>
+          <a:xfrm rot="16200000">
+            <a:off x="8187145" y="2013495"/>
+            <a:ext cx="381000" cy="2336800"/>
+          </a:xfrm>
+          <a:prstGeom prst="leftBrace">
+            <a:avLst/>
+          </a:prstGeom>
+        </p:spPr>
+        <p:style>
+          <a:lnRef idx="1">
+            <a:schemeClr val="accent1"/>
+          </a:lnRef>
+          <a:fillRef idx="0">
+            <a:schemeClr val="accent1"/>
+          </a:fillRef>
+          <a:effectRef idx="0">
+            <a:schemeClr val="accent1"/>
+          </a:effectRef>
+          <a:fontRef idx="minor">
+            <a:schemeClr val="tx1"/>
+          </a:fontRef>
+        </p:style>
+        <p:txBody>
+          <a:bodyPr rtlCol="0" anchor="ctr"/>
+          <a:lstStyle/>
+          <a:p>
+            <a:pPr algn="ctr"/>
+            <a:endParaRPr lang="en-IN"/>
+          </a:p>
+        </p:txBody>
+      </p:sp>
+      <p:sp>
+        <p:nvSpPr>
+          <p:cNvPr id="6" name="TextBox 5"/>
+          <p:cNvSpPr txBox="1"/>
+          <p:nvPr/>
+        </p:nvSpPr>
+        <p:spPr>
+          <a:xfrm>
+            <a:off x="4499429" y="3304903"/>
+            <a:ext cx="2477730" cy="369332"/>
+          </a:xfrm>
+          <a:prstGeom prst="rect">
+            <a:avLst/>
+          </a:prstGeom>
+          <a:noFill/>
+        </p:spPr>
+        <p:txBody>
+          <a:bodyPr wrap="none" rtlCol="0">
+            <a:spAutoFit/>
+          </a:bodyPr>
+          <a:lstStyle/>
+          <a:p>
+            <a:r>
+              <a:rPr lang="en-US" dirty="0" smtClean="0"/>
+              <a:t>Feature of source data A</a:t>
+            </a:r>
+            <a:endParaRPr lang="en-IN" dirty="0"/>
+          </a:p>
+        </p:txBody>
+      </p:sp>
+      <p:sp>
+        <p:nvSpPr>
+          <p:cNvPr id="7" name="TextBox 6"/>
+          <p:cNvSpPr txBox="1"/>
+          <p:nvPr/>
+        </p:nvSpPr>
+        <p:spPr>
+          <a:xfrm>
+            <a:off x="7313749" y="3291840"/>
+            <a:ext cx="2731966" cy="369332"/>
+          </a:xfrm>
+          <a:prstGeom prst="rect">
+            <a:avLst/>
+          </a:prstGeom>
+          <a:noFill/>
+        </p:spPr>
+        <p:txBody>
+          <a:bodyPr wrap="none" rtlCol="0">
+            <a:spAutoFit/>
+          </a:bodyPr>
+          <a:lstStyle/>
+          <a:p>
+            <a:r>
+              <a:rPr lang="en-US" dirty="0" smtClean="0"/>
+              <a:t>Prediction on Auxiliary task</a:t>
+            </a:r>
+            <a:endParaRPr lang="en-IN" dirty="0"/>
+          </a:p>
+        </p:txBody>
+      </p:sp>
+      <p:sp>
+        <p:nvSpPr>
+          <p:cNvPr id="8" name="Rectangle 7"/>
+          <p:cNvSpPr/>
+          <p:nvPr/>
+        </p:nvSpPr>
+        <p:spPr>
+          <a:xfrm>
+            <a:off x="1830251" y="4757058"/>
+            <a:ext cx="1320800" cy="609600"/>
+          </a:xfrm>
+          <a:prstGeom prst="rect">
+            <a:avLst/>
+          </a:prstGeom>
+          <a:solidFill>
+            <a:schemeClr val="bg1"/>
+          </a:solidFill>
+          <a:ln>
+            <a:solidFill>
+              <a:schemeClr val="tx1"/>
+            </a:solidFill>
+          </a:ln>
+        </p:spPr>
+        <p:style>
+          <a:lnRef idx="2">
+            <a:schemeClr val="accent1">
+              <a:shade val="50000"/>
+            </a:schemeClr>
+          </a:lnRef>
+          <a:fillRef idx="1">
+            <a:schemeClr val="accent1"/>
+          </a:fillRef>
+          <a:effectRef idx="0">
+            <a:schemeClr val="accent1"/>
+          </a:effectRef>
+          <a:fontRef idx="minor">
+            <a:schemeClr val="lt1"/>
+          </a:fontRef>
+        </p:style>
+        <p:txBody>
+          <a:bodyPr rtlCol="0" anchor="ctr"/>
+          <a:lstStyle/>
+          <a:p>
+            <a:pPr algn="ctr"/>
+            <a:r>
+              <a:rPr lang="en-US" dirty="0" smtClean="0">
+                <a:solidFill>
+                  <a:schemeClr val="tx1"/>
+                </a:solidFill>
+              </a:rPr>
+              <a:t>Target Data</a:t>
+            </a:r>
+            <a:endParaRPr lang="en-IN" dirty="0">
+              <a:solidFill>
+                <a:schemeClr val="tx1"/>
+              </a:solidFill>
+            </a:endParaRPr>
+          </a:p>
+        </p:txBody>
+      </p:sp>
+      <p:sp>
+        <p:nvSpPr>
+          <p:cNvPr id="9" name="Rounded Rectangle 8"/>
+          <p:cNvSpPr/>
+          <p:nvPr/>
+        </p:nvSpPr>
+        <p:spPr>
+          <a:xfrm>
+            <a:off x="4409440" y="4238897"/>
+            <a:ext cx="4826000" cy="1676400"/>
+          </a:xfrm>
+          <a:prstGeom prst="roundRect">
+            <a:avLst/>
+          </a:prstGeom>
+          <a:solidFill>
+            <a:schemeClr val="bg1"/>
+          </a:solidFill>
+          <a:ln>
+            <a:solidFill>
+              <a:schemeClr val="tx1"/>
+            </a:solidFill>
+          </a:ln>
+        </p:spPr>
+        <p:style>
+          <a:lnRef idx="2">
+            <a:schemeClr val="accent1">
+              <a:shade val="50000"/>
+            </a:schemeClr>
+          </a:lnRef>
+          <a:fillRef idx="1">
+            <a:schemeClr val="accent1"/>
+          </a:fillRef>
+          <a:effectRef idx="0">
+            <a:schemeClr val="accent1"/>
+          </a:effectRef>
+          <a:fontRef idx="minor">
+            <a:schemeClr val="lt1"/>
+          </a:fontRef>
+        </p:style>
+        <p:txBody>
+          <a:bodyPr rtlCol="0" anchor="ctr"/>
+          <a:lstStyle/>
+          <a:p>
+            <a:pPr algn="ctr"/>
+            <a:r>
+              <a:rPr lang="en-US" dirty="0" smtClean="0">
+                <a:solidFill>
+                  <a:schemeClr val="tx1"/>
+                </a:solidFill>
+              </a:rPr>
+              <a:t>Neural Network for Target Data</a:t>
+            </a:r>
+            <a:endParaRPr lang="en-IN" dirty="0">
+              <a:solidFill>
+                <a:schemeClr val="tx1"/>
+              </a:solidFill>
+            </a:endParaRPr>
+          </a:p>
+        </p:txBody>
+      </p:sp>
+      <p:sp>
+        <p:nvSpPr>
+          <p:cNvPr id="10" name="Rectangle 9"/>
+          <p:cNvSpPr/>
+          <p:nvPr/>
+        </p:nvSpPr>
+        <p:spPr>
+          <a:xfrm>
+            <a:off x="10215154" y="4386943"/>
+            <a:ext cx="1727200" cy="1371600"/>
+          </a:xfrm>
+          <a:prstGeom prst="rect">
+            <a:avLst/>
+          </a:prstGeom>
+          <a:solidFill>
+            <a:schemeClr val="bg1"/>
+          </a:solidFill>
+          <a:ln>
+            <a:solidFill>
+              <a:schemeClr val="tx1"/>
+            </a:solidFill>
+          </a:ln>
+        </p:spPr>
+        <p:style>
+          <a:lnRef idx="2">
+            <a:schemeClr val="accent1">
+              <a:shade val="50000"/>
+            </a:schemeClr>
+          </a:lnRef>
+          <a:fillRef idx="1">
+            <a:schemeClr val="accent1"/>
+          </a:fillRef>
+          <a:effectRef idx="0">
+            <a:schemeClr val="accent1"/>
+          </a:effectRef>
+          <a:fontRef idx="minor">
+            <a:schemeClr val="lt1"/>
+          </a:fontRef>
+        </p:style>
+        <p:txBody>
+          <a:bodyPr rtlCol="0" anchor="ctr"/>
+          <a:lstStyle/>
+          <a:p>
+            <a:pPr algn="ctr"/>
+            <a:r>
+              <a:rPr lang="en-US" dirty="0" smtClean="0">
+                <a:solidFill>
+                  <a:schemeClr val="tx1"/>
+                </a:solidFill>
+              </a:rPr>
+              <a:t>Class Labels of Target Data</a:t>
+            </a:r>
+            <a:endParaRPr lang="en-IN" dirty="0">
+              <a:solidFill>
+                <a:schemeClr val="tx1"/>
+              </a:solidFill>
+            </a:endParaRPr>
+          </a:p>
+        </p:txBody>
+      </p:sp>
+      <p:sp>
+        <p:nvSpPr>
+          <p:cNvPr id="11" name="Left Brace 10"/>
+          <p:cNvSpPr/>
+          <p:nvPr/>
+        </p:nvSpPr>
+        <p:spPr>
+          <a:xfrm rot="16200000">
+            <a:off x="5547725" y="5255986"/>
+            <a:ext cx="381000" cy="1978299"/>
+          </a:xfrm>
+          <a:prstGeom prst="leftBrace">
+            <a:avLst/>
+          </a:prstGeom>
+        </p:spPr>
+        <p:style>
+          <a:lnRef idx="1">
+            <a:schemeClr val="accent1"/>
+          </a:lnRef>
+          <a:fillRef idx="0">
+            <a:schemeClr val="accent1"/>
+          </a:fillRef>
+          <a:effectRef idx="0">
+            <a:schemeClr val="accent1"/>
+          </a:effectRef>
+          <a:fontRef idx="minor">
+            <a:schemeClr val="tx1"/>
+          </a:fontRef>
+        </p:style>
+        <p:txBody>
+          <a:bodyPr rtlCol="0" anchor="ctr"/>
+          <a:lstStyle/>
+          <a:p>
+            <a:pPr algn="ctr"/>
+            <a:endParaRPr lang="en-IN"/>
+          </a:p>
+        </p:txBody>
+      </p:sp>
+      <p:sp>
+        <p:nvSpPr>
+          <p:cNvPr id="12" name="Left Brace 11"/>
+          <p:cNvSpPr/>
+          <p:nvPr/>
+        </p:nvSpPr>
+        <p:spPr>
+          <a:xfrm rot="16200000">
+            <a:off x="7713255" y="5150758"/>
+            <a:ext cx="381000" cy="2219233"/>
+          </a:xfrm>
+          <a:prstGeom prst="leftBrace">
+            <a:avLst/>
+          </a:prstGeom>
+        </p:spPr>
+        <p:style>
+          <a:lnRef idx="1">
+            <a:schemeClr val="accent1"/>
+          </a:lnRef>
+          <a:fillRef idx="0">
+            <a:schemeClr val="accent1"/>
+          </a:fillRef>
+          <a:effectRef idx="0">
+            <a:schemeClr val="accent1"/>
+          </a:effectRef>
+          <a:fontRef idx="minor">
+            <a:schemeClr val="tx1"/>
+          </a:fontRef>
+        </p:style>
+        <p:txBody>
+          <a:bodyPr rtlCol="0" anchor="ctr"/>
+          <a:lstStyle/>
+          <a:p>
+            <a:pPr algn="ctr"/>
+            <a:endParaRPr lang="en-IN"/>
+          </a:p>
+        </p:txBody>
+      </p:sp>
+      <p:sp>
+        <p:nvSpPr>
+          <p:cNvPr id="13" name="TextBox 12"/>
+          <p:cNvSpPr txBox="1"/>
+          <p:nvPr/>
+        </p:nvSpPr>
+        <p:spPr>
+          <a:xfrm>
+            <a:off x="3847737" y="6488668"/>
+            <a:ext cx="2359044" cy="369332"/>
+          </a:xfrm>
+          <a:prstGeom prst="rect">
+            <a:avLst/>
+          </a:prstGeom>
+          <a:noFill/>
+        </p:spPr>
+        <p:txBody>
+          <a:bodyPr wrap="none" rtlCol="0">
+            <a:spAutoFit/>
+          </a:bodyPr>
+          <a:lstStyle/>
+          <a:p>
+            <a:r>
+              <a:rPr lang="en-US" dirty="0" smtClean="0"/>
+              <a:t>Features of Target Data</a:t>
+            </a:r>
+            <a:endParaRPr lang="en-IN" dirty="0"/>
+          </a:p>
+        </p:txBody>
+      </p:sp>
+      <p:sp>
+        <p:nvSpPr>
+          <p:cNvPr id="14" name="TextBox 13"/>
+          <p:cNvSpPr txBox="1"/>
+          <p:nvPr/>
+        </p:nvSpPr>
+        <p:spPr>
+          <a:xfrm>
+            <a:off x="7112001" y="6488668"/>
+            <a:ext cx="2944589" cy="369332"/>
+          </a:xfrm>
+          <a:prstGeom prst="rect">
+            <a:avLst/>
+          </a:prstGeom>
+          <a:noFill/>
+        </p:spPr>
+        <p:txBody>
+          <a:bodyPr wrap="none" rtlCol="0">
+            <a:spAutoFit/>
+          </a:bodyPr>
+          <a:lstStyle/>
+          <a:p>
+            <a:r>
+              <a:rPr lang="en-US" dirty="0" smtClean="0"/>
+              <a:t>Predictive task on Target data</a:t>
+            </a:r>
+            <a:endParaRPr lang="en-IN" dirty="0"/>
+          </a:p>
+        </p:txBody>
+      </p:sp>
+      <p:sp>
+        <p:nvSpPr>
+          <p:cNvPr id="16" name="TextBox 15"/>
+          <p:cNvSpPr txBox="1"/>
+          <p:nvPr/>
+        </p:nvSpPr>
+        <p:spPr>
+          <a:xfrm>
+            <a:off x="1117601" y="152400"/>
+            <a:ext cx="3797771" cy="523220"/>
+          </a:xfrm>
+          <a:prstGeom prst="rect">
+            <a:avLst/>
+          </a:prstGeom>
+          <a:noFill/>
+        </p:spPr>
+        <p:txBody>
+          <a:bodyPr wrap="none" rtlCol="0">
+            <a:spAutoFit/>
+          </a:bodyPr>
+          <a:lstStyle/>
+          <a:p>
+            <a:r>
+              <a:rPr lang="en-US" sz="2800" b="1" dirty="0" smtClean="0"/>
+              <a:t>Self supervised Learning</a:t>
+            </a:r>
+            <a:endParaRPr lang="en-IN" sz="2800" b="1" dirty="0"/>
+          </a:p>
+        </p:txBody>
+      </p:sp>
+      <p:cxnSp>
+        <p:nvCxnSpPr>
+          <p:cNvPr id="18" name="Straight Arrow Connector 17"/>
+          <p:cNvCxnSpPr/>
+          <p:nvPr/>
+        </p:nvCxnSpPr>
+        <p:spPr>
+          <a:xfrm>
+            <a:off x="3265714" y="2201091"/>
+            <a:ext cx="1117600" cy="1588"/>
+          </a:xfrm>
+          <a:prstGeom prst="straightConnector1">
+            <a:avLst/>
+          </a:prstGeom>
+          <a:ln>
+            <a:tailEnd type="arrow"/>
+          </a:ln>
+        </p:spPr>
+        <p:style>
+          <a:lnRef idx="1">
+            <a:schemeClr val="accent1"/>
+          </a:lnRef>
+          <a:fillRef idx="0">
+            <a:schemeClr val="accent1"/>
+          </a:fillRef>
+          <a:effectRef idx="0">
+            <a:schemeClr val="accent1"/>
+          </a:effectRef>
+          <a:fontRef idx="minor">
+            <a:schemeClr val="tx1"/>
+          </a:fontRef>
+        </p:style>
+      </p:cxnSp>
+      <p:cxnSp>
+        <p:nvCxnSpPr>
+          <p:cNvPr id="19" name="Straight Arrow Connector 18"/>
+          <p:cNvCxnSpPr>
+            <a:stCxn id="8" idx="3"/>
+            <a:endCxn id="9" idx="1"/>
+          </p:cNvCxnSpPr>
+          <p:nvPr/>
+        </p:nvCxnSpPr>
+        <p:spPr>
+          <a:xfrm>
+            <a:off x="3151051" y="5061858"/>
+            <a:ext cx="1258389" cy="15239"/>
+          </a:xfrm>
+          <a:prstGeom prst="straightConnector1">
+            <a:avLst/>
+          </a:prstGeom>
+          <a:ln>
+            <a:tailEnd type="arrow"/>
+          </a:ln>
+        </p:spPr>
+        <p:style>
+          <a:lnRef idx="1">
+            <a:schemeClr val="accent1"/>
+          </a:lnRef>
+          <a:fillRef idx="0">
+            <a:schemeClr val="accent1"/>
+          </a:fillRef>
+          <a:effectRef idx="0">
+            <a:schemeClr val="accent1"/>
+          </a:effectRef>
+          <a:fontRef idx="minor">
+            <a:schemeClr val="tx1"/>
+          </a:fontRef>
+        </p:style>
+      </p:cxnSp>
+      <p:cxnSp>
+        <p:nvCxnSpPr>
+          <p:cNvPr id="21" name="Straight Arrow Connector 20"/>
+          <p:cNvCxnSpPr/>
+          <p:nvPr/>
+        </p:nvCxnSpPr>
+        <p:spPr>
+          <a:xfrm>
+            <a:off x="9261566" y="4963886"/>
+            <a:ext cx="992777" cy="1588"/>
+          </a:xfrm>
+          <a:prstGeom prst="straightConnector1">
+            <a:avLst/>
+          </a:prstGeom>
+          <a:ln>
+            <a:tailEnd type="arrow"/>
+          </a:ln>
+        </p:spPr>
+        <p:style>
+          <a:lnRef idx="1">
+            <a:schemeClr val="accent1"/>
+          </a:lnRef>
+          <a:fillRef idx="0">
+            <a:schemeClr val="accent1"/>
+          </a:fillRef>
+          <a:effectRef idx="0">
+            <a:schemeClr val="accent1"/>
+          </a:effectRef>
+          <a:fontRef idx="minor">
+            <a:schemeClr val="tx1"/>
+          </a:fontRef>
+        </p:style>
+      </p:cxnSp>
+      <p:sp>
+        <p:nvSpPr>
+          <p:cNvPr id="23" name="TextBox 22"/>
+          <p:cNvSpPr txBox="1"/>
+          <p:nvPr/>
+        </p:nvSpPr>
+        <p:spPr>
+          <a:xfrm>
+            <a:off x="522514" y="914400"/>
+            <a:ext cx="1802096" cy="369332"/>
+          </a:xfrm>
+          <a:prstGeom prst="rect">
+            <a:avLst/>
+          </a:prstGeom>
+          <a:noFill/>
+        </p:spPr>
+        <p:txBody>
+          <a:bodyPr wrap="none" rtlCol="0">
+            <a:spAutoFit/>
+          </a:bodyPr>
+          <a:lstStyle/>
+          <a:p>
+            <a:r>
+              <a:rPr lang="en-US" dirty="0" smtClean="0"/>
+              <a:t>Pre-training step:</a:t>
+            </a:r>
+            <a:endParaRPr lang="en-IN" dirty="0"/>
+          </a:p>
+        </p:txBody>
+      </p:sp>
+      <p:sp>
+        <p:nvSpPr>
+          <p:cNvPr id="24" name="TextBox 23"/>
+          <p:cNvSpPr txBox="1"/>
+          <p:nvPr/>
+        </p:nvSpPr>
+        <p:spPr>
+          <a:xfrm>
+            <a:off x="452845" y="3600995"/>
+            <a:ext cx="1790747" cy="369332"/>
+          </a:xfrm>
+          <a:prstGeom prst="rect">
+            <a:avLst/>
+          </a:prstGeom>
+          <a:noFill/>
+        </p:spPr>
+        <p:txBody>
+          <a:bodyPr wrap="none" rtlCol="0">
+            <a:spAutoFit/>
+          </a:bodyPr>
+          <a:lstStyle/>
+          <a:p>
+            <a:r>
+              <a:rPr lang="en-US" dirty="0" smtClean="0"/>
+              <a:t>Fine-Tuning step:</a:t>
+            </a:r>
+            <a:endParaRPr lang="en-IN" dirty="0"/>
+          </a:p>
+        </p:txBody>
+      </p:sp>
+      <p:cxnSp>
+        <p:nvCxnSpPr>
+          <p:cNvPr id="30" name="Straight Arrow Connector 29"/>
+          <p:cNvCxnSpPr/>
+          <p:nvPr/>
+        </p:nvCxnSpPr>
+        <p:spPr>
+          <a:xfrm rot="5400000">
+            <a:off x="5695406" y="3931920"/>
+            <a:ext cx="574766" cy="1588"/>
+          </a:xfrm>
+          <a:prstGeom prst="straightConnector1">
+            <a:avLst/>
+          </a:prstGeom>
+          <a:ln>
+            <a:tailEnd type="arrow"/>
+          </a:ln>
+        </p:spPr>
+        <p:style>
+          <a:lnRef idx="1">
+            <a:schemeClr val="accent1"/>
+          </a:lnRef>
+          <a:fillRef idx="0">
+            <a:schemeClr val="accent1"/>
+          </a:fillRef>
+          <a:effectRef idx="0">
+            <a:schemeClr val="accent1"/>
+          </a:effectRef>
+          <a:fontRef idx="minor">
+            <a:schemeClr val="tx1"/>
+          </a:fontRef>
+        </p:style>
+      </p:cxnSp>
+    </p:spTree>
+  </p:cSld>
+  <p:clrMapOvr>
+    <a:masterClrMapping/>
+  </p:clrMapOvr>
+  <p:timing>
+    <p:tnLst>
+      <p:par>
+        <p:cTn id="1" dur="indefinite" restart="never" nodeType="tmRoot"/>
+      </p:par>
+    </p:tnLst>
+  </p:timing>
+</p:sld>
+</file>
+
+<file path=ppt/slides/slide3.xml><?xml version="1.0" encoding="utf-8"?>
+<p:sld xmlns:a="http://schemas.openxmlformats.org/drawingml/2006/main" xmlns:r="http://schemas.openxmlformats.org/officeDocument/2006/relationships" xmlns:p="http://schemas.openxmlformats.org/presentationml/2006/main">
+  <p:cSld>
+    <p:spTree>
+      <p:nvGrpSpPr>
+        <p:cNvPr id="1" name=""/>
+        <p:cNvGrpSpPr/>
+        <p:nvPr/>
+      </p:nvGrpSpPr>
+      <p:grpSpPr>
+        <a:xfrm>
+          <a:off x="0" y="0"/>
+          <a:ext cx="0" cy="0"/>
+          <a:chOff x="0" y="0"/>
+          <a:chExt cx="0" cy="0"/>
+        </a:xfrm>
+      </p:grpSpPr>
+      <p:sp>
+        <p:nvSpPr>
+          <p:cNvPr id="2" name="TextBox 1"/>
+          <p:cNvSpPr txBox="1"/>
+          <p:nvPr/>
+        </p:nvSpPr>
+        <p:spPr>
+          <a:xfrm>
+            <a:off x="914401" y="457200"/>
+            <a:ext cx="6494791" cy="523220"/>
+          </a:xfrm>
+          <a:prstGeom prst="rect">
+            <a:avLst/>
+          </a:prstGeom>
+          <a:noFill/>
+        </p:spPr>
+        <p:txBody>
+          <a:bodyPr wrap="none" rtlCol="0">
+            <a:spAutoFit/>
+          </a:bodyPr>
+          <a:lstStyle/>
+          <a:p>
+            <a:r>
+              <a:rPr lang="en-US" sz="2800" b="1" dirty="0" smtClean="0"/>
+              <a:t>Auxiliary tasks </a:t>
+            </a:r>
+            <a:r>
+              <a:rPr lang="en-US" sz="2800" dirty="0" smtClean="0"/>
+              <a:t>– Image Data Augmentation</a:t>
+            </a:r>
+            <a:endParaRPr lang="en-IN" sz="2800" dirty="0"/>
+          </a:p>
+        </p:txBody>
+      </p:sp>
+      <p:pic>
+        <p:nvPicPr>
+          <p:cNvPr id="3" name="Picture 2" descr="Image inpainting.jfif"/>
+          <p:cNvPicPr>
+            <a:picLocks noChangeAspect="1"/>
+          </p:cNvPicPr>
+          <p:nvPr/>
+        </p:nvPicPr>
+        <p:blipFill>
+          <a:blip r:embed="rId2"/>
+          <a:stretch>
+            <a:fillRect/>
+          </a:stretch>
+        </p:blipFill>
+        <p:spPr>
+          <a:xfrm>
+            <a:off x="1016001" y="1905001"/>
+            <a:ext cx="2857500" cy="2143125"/>
+          </a:xfrm>
+          <a:prstGeom prst="rect">
+            <a:avLst/>
+          </a:prstGeom>
+        </p:spPr>
+      </p:pic>
+      <p:sp>
+        <p:nvSpPr>
+          <p:cNvPr id="4" name="TextBox 3"/>
+          <p:cNvSpPr txBox="1"/>
+          <p:nvPr/>
+        </p:nvSpPr>
+        <p:spPr>
+          <a:xfrm>
+            <a:off x="812800" y="1371600"/>
+            <a:ext cx="3251200" cy="369332"/>
+          </a:xfrm>
+          <a:prstGeom prst="rect">
+            <a:avLst/>
+          </a:prstGeom>
+          <a:noFill/>
+        </p:spPr>
+        <p:txBody>
+          <a:bodyPr wrap="square" rtlCol="0">
+            <a:spAutoFit/>
+          </a:bodyPr>
+          <a:lstStyle/>
+          <a:p>
+            <a:r>
+              <a:rPr lang="en-US" dirty="0" smtClean="0"/>
+              <a:t>Image Inpainting </a:t>
+            </a:r>
+            <a:endParaRPr lang="en-IN" dirty="0"/>
+          </a:p>
+        </p:txBody>
+      </p:sp>
+      <p:pic>
+        <p:nvPicPr>
+          <p:cNvPr id="5" name="Picture 4" descr="Screenshot (160).png"/>
+          <p:cNvPicPr>
+            <a:picLocks noChangeAspect="1"/>
+          </p:cNvPicPr>
+          <p:nvPr/>
+        </p:nvPicPr>
+        <p:blipFill>
+          <a:blip r:embed="rId3"/>
+          <a:srcRect l="18333" t="18874" r="19167" b="17391"/>
+          <a:stretch>
+            <a:fillRect/>
+          </a:stretch>
+        </p:blipFill>
+        <p:spPr>
+          <a:xfrm>
+            <a:off x="4673600" y="1752600"/>
+            <a:ext cx="7518400" cy="2895600"/>
+          </a:xfrm>
+          <a:prstGeom prst="rect">
+            <a:avLst/>
+          </a:prstGeom>
+        </p:spPr>
+      </p:pic>
+      <p:sp>
+        <p:nvSpPr>
+          <p:cNvPr id="6" name="TextBox 5"/>
+          <p:cNvSpPr txBox="1"/>
+          <p:nvPr/>
+        </p:nvSpPr>
+        <p:spPr>
+          <a:xfrm>
+            <a:off x="6299200" y="1295400"/>
+            <a:ext cx="4572000" cy="369332"/>
+          </a:xfrm>
+          <a:prstGeom prst="rect">
+            <a:avLst/>
+          </a:prstGeom>
+          <a:noFill/>
+        </p:spPr>
+        <p:txBody>
+          <a:bodyPr wrap="square" rtlCol="0">
+            <a:spAutoFit/>
+          </a:bodyPr>
+          <a:lstStyle/>
+          <a:p>
+            <a:r>
+              <a:rPr lang="en-US" dirty="0" smtClean="0"/>
+              <a:t>Geometric Transformation</a:t>
+            </a:r>
+            <a:endParaRPr lang="en-IN" dirty="0"/>
+          </a:p>
+        </p:txBody>
+      </p:sp>
+      <p:pic>
+        <p:nvPicPr>
+          <p:cNvPr id="7" name="Picture 6" descr="Screenshot (161).png"/>
+          <p:cNvPicPr>
+            <a:picLocks noChangeAspect="1"/>
+          </p:cNvPicPr>
+          <p:nvPr/>
+        </p:nvPicPr>
+        <p:blipFill>
+          <a:blip r:embed="rId4"/>
+          <a:srcRect l="9167" t="42589" r="48333" b="32214"/>
+          <a:stretch>
+            <a:fillRect/>
+          </a:stretch>
+        </p:blipFill>
+        <p:spPr>
+          <a:xfrm>
+            <a:off x="508000" y="5181600"/>
+            <a:ext cx="7315200" cy="1676400"/>
+          </a:xfrm>
+          <a:prstGeom prst="rect">
+            <a:avLst/>
+          </a:prstGeom>
+        </p:spPr>
+      </p:pic>
+      <p:sp>
+        <p:nvSpPr>
+          <p:cNvPr id="8" name="TextBox 7"/>
+          <p:cNvSpPr txBox="1"/>
+          <p:nvPr/>
+        </p:nvSpPr>
+        <p:spPr>
+          <a:xfrm>
+            <a:off x="1219201" y="4724400"/>
+            <a:ext cx="2932469" cy="369332"/>
+          </a:xfrm>
+          <a:prstGeom prst="rect">
+            <a:avLst/>
+          </a:prstGeom>
+          <a:noFill/>
+        </p:spPr>
+        <p:txBody>
+          <a:bodyPr wrap="none" rtlCol="0">
+            <a:spAutoFit/>
+          </a:bodyPr>
+          <a:lstStyle/>
+          <a:p>
+            <a:r>
+              <a:rPr lang="en-US" dirty="0" smtClean="0"/>
+              <a:t>Automatic Image colorization</a:t>
+            </a:r>
+            <a:endParaRPr lang="en-IN" dirty="0"/>
+          </a:p>
+        </p:txBody>
+      </p:sp>
+    </p:spTree>
+  </p:cSld>
+  <p:clrMapOvr>
+    <a:masterClrMapping/>
+  </p:clrMapOvr>
+  <p:timing>
+    <p:tnLst>
+      <p:par>
+        <p:cTn id="1" dur="indefinite" restart="never" nodeType="tmRoot"/>
+      </p:par>
+    </p:tnLst>
+  </p:timing>
+</p:sld>
+</file>
+
+<file path=ppt/slides/slide4.xml><?xml version="1.0" encoding="utf-8"?>
+<p:sld xmlns:a="http://schemas.openxmlformats.org/drawingml/2006/main" xmlns:r="http://schemas.openxmlformats.org/officeDocument/2006/relationships" xmlns:p="http://schemas.openxmlformats.org/presentationml/2006/main">
+  <p:cSld>
+    <p:spTree>
+      <p:nvGrpSpPr>
+        <p:cNvPr id="1" name=""/>
+        <p:cNvGrpSpPr/>
+        <p:nvPr/>
+      </p:nvGrpSpPr>
+      <p:grpSpPr>
+        <a:xfrm>
+          <a:off x="0" y="0"/>
+          <a:ext cx="0" cy="0"/>
+          <a:chOff x="0" y="0"/>
+          <a:chExt cx="0" cy="0"/>
+        </a:xfrm>
+      </p:grpSpPr>
       <p:sp>
         <p:nvSpPr>
           <p:cNvPr id="3" name="Content Placeholder 2"/>
@@ -3414,6 +4555,7 @@
         <p:spPr/>
         <p:txBody>
           <a:bodyPr/>
+          <a:lstStyle/>
           <a:p>
             <a:pPr marL="0" indent="0">
               <a:buNone/>
@@ -3434,7 +4576,6 @@
               <a:rPr lang="en-IN" altLang="en-US" b="1"/>
               <a:t>Thank you</a:t>
             </a:r>
-            <a:endParaRPr lang="en-IN" altLang="en-US" b="1"/>
           </a:p>
         </p:txBody>
       </p:sp>
@@ -3697,9 +4838,11 @@
       </a:bgFillStyleLst>
     </a:fmtScheme>
   </a:themeElements>
+  <a:objectDefaults/>
+  <a:extraClrSchemeLst/>
   <a:extLst>
     <a:ext uri="{05A4C25C-085E-4340-85A3-A5531E510DB2}">
-      <thm15:themeFamily xmlns:thm15="http://schemas.microsoft.com/office/thememl/2012/main" name="Office Theme" id="{62F939B6-93AF-4DB8-9C6B-D6C7DFDC589F}" vid="{4A3C46E8-61CC-4603-A589-7422A47A8E4A}"/>
+      <thm15:themeFamily xmlns:thm15="http://schemas.microsoft.com/office/thememl/2012/main" xmlns="" name="Office Theme" id="{62F939B6-93AF-4DB8-9C6B-D6C7DFDC589F}" vid="{4A3C46E8-61CC-4603-A589-7422A47A8E4A}"/>
     </a:ext>
   </a:extLst>
 </a:theme>
@@ -3956,9 +5099,11 @@
       </a:bgFillStyleLst>
     </a:fmtScheme>
   </a:themeElements>
+  <a:objectDefaults/>
+  <a:extraClrSchemeLst/>
   <a:extLst>
     <a:ext uri="{05A4C25C-085E-4340-85A3-A5531E510DB2}">
-      <thm15:themeFamily xmlns:thm15="http://schemas.microsoft.com/office/thememl/2012/main" name="Office Theme" id="{62F939B6-93AF-4DB8-9C6B-D6C7DFDC589F}" vid="{4A3C46E8-61CC-4603-A589-7422A47A8E4A}"/>
+      <thm15:themeFamily xmlns:thm15="http://schemas.microsoft.com/office/thememl/2012/main" xmlns="" name="Office Theme" id="{62F939B6-93AF-4DB8-9C6B-D6C7DFDC589F}" vid="{4A3C46E8-61CC-4603-A589-7422A47A8E4A}"/>
     </a:ext>
   </a:extLst>
 </a:theme>

--- a/SSL1.pptx
+++ b/SSL1.pptx
@@ -5,13 +5,15 @@
     <p:sldMasterId id="2147483648" r:id="rId1"/>
   </p:sldMasterIdLst>
   <p:notesMasterIdLst>
-    <p:notesMasterId r:id="rId6"/>
+    <p:notesMasterId r:id="rId9"/>
   </p:notesMasterIdLst>
   <p:sldIdLst>
-    <p:sldId id="267" r:id="rId2"/>
-    <p:sldId id="268" r:id="rId3"/>
-    <p:sldId id="271" r:id="rId4"/>
-    <p:sldId id="266" r:id="rId5"/>
+    <p:sldId id="267" r:id="rId3"/>
+    <p:sldId id="268" r:id="rId4"/>
+    <p:sldId id="271" r:id="rId5"/>
+    <p:sldId id="273" r:id="rId6"/>
+    <p:sldId id="274" r:id="rId7"/>
+    <p:sldId id="266" r:id="rId8"/>
   </p:sldIdLst>
   <p:sldSz cx="12192000" cy="6858000"/>
   <p:notesSz cx="6858000" cy="9144000"/>
@@ -195,8 +197,6 @@
           <a:p>
             <a:fld id="{3EFD42F7-718C-4B98-AAEC-167E6DDD60A7}" type="datetimeFigureOut">
               <a:rPr lang="en-US" smtClean="0"/>
-              <a:pPr/>
-              <a:t>12/12/2020</a:t>
             </a:fld>
             <a:endParaRPr lang="en-US"/>
           </a:p>
@@ -263,6 +263,7 @@
               <a:rPr lang="en-US" smtClean="0"/>
               <a:t>Click to edit Master text styles</a:t>
             </a:r>
+            <a:endParaRPr lang="en-US" smtClean="0"/>
           </a:p>
           <a:p>
             <a:pPr lvl="1"/>
@@ -270,6 +271,7 @@
               <a:rPr lang="en-US" smtClean="0"/>
               <a:t>Second level</a:t>
             </a:r>
+            <a:endParaRPr lang="en-US" smtClean="0"/>
           </a:p>
           <a:p>
             <a:pPr lvl="2"/>
@@ -277,6 +279,7 @@
               <a:rPr lang="en-US" smtClean="0"/>
               <a:t>Third level</a:t>
             </a:r>
+            <a:endParaRPr lang="en-US" smtClean="0"/>
           </a:p>
           <a:p>
             <a:pPr lvl="3"/>
@@ -284,6 +287,7 @@
               <a:rPr lang="en-US" smtClean="0"/>
               <a:t>Fourth level</a:t>
             </a:r>
+            <a:endParaRPr lang="en-US" smtClean="0"/>
           </a:p>
           <a:p>
             <a:pPr lvl="4"/>
@@ -355,8 +359,6 @@
           <a:p>
             <a:fld id="{21B2AA4F-B828-4D7C-AFD3-893933DAFCB4}" type="slidenum">
               <a:rPr lang="en-US" smtClean="0"/>
-              <a:pPr/>
-              <a:t>‹#›</a:t>
             </a:fld>
             <a:endParaRPr lang="en-US"/>
           </a:p>
@@ -647,8 +649,6 @@
           <a:p>
             <a:fld id="{63A1C593-65D0-4073-BCC9-577B9352EA97}" type="datetimeFigureOut">
               <a:rPr lang="en-US" smtClean="0"/>
-              <a:pPr/>
-              <a:t>12/12/2020</a:t>
             </a:fld>
             <a:endParaRPr lang="en-US"/>
           </a:p>
@@ -690,8 +690,6 @@
           <a:p>
             <a:fld id="{9B618960-8005-486C-9A75-10CB2AAC16F9}" type="slidenum">
               <a:rPr lang="en-US" smtClean="0"/>
-              <a:pPr/>
-              <a:t>‹#›</a:t>
             </a:fld>
             <a:endParaRPr lang="en-US"/>
           </a:p>
@@ -765,6 +763,7 @@
               <a:rPr lang="en-US" smtClean="0"/>
               <a:t>Click to edit Master text styles</a:t>
             </a:r>
+            <a:endParaRPr lang="en-US" smtClean="0"/>
           </a:p>
           <a:p>
             <a:pPr lvl="1"/>
@@ -772,6 +771,7 @@
               <a:rPr lang="en-US" smtClean="0"/>
               <a:t>Second level</a:t>
             </a:r>
+            <a:endParaRPr lang="en-US" smtClean="0"/>
           </a:p>
           <a:p>
             <a:pPr lvl="2"/>
@@ -779,6 +779,7 @@
               <a:rPr lang="en-US" smtClean="0"/>
               <a:t>Third level</a:t>
             </a:r>
+            <a:endParaRPr lang="en-US" smtClean="0"/>
           </a:p>
           <a:p>
             <a:pPr lvl="3"/>
@@ -786,6 +787,7 @@
               <a:rPr lang="en-US" smtClean="0"/>
               <a:t>Fourth level</a:t>
             </a:r>
+            <a:endParaRPr lang="en-US" smtClean="0"/>
           </a:p>
           <a:p>
             <a:pPr lvl="4"/>
@@ -814,8 +816,6 @@
           <a:p>
             <a:fld id="{63A1C593-65D0-4073-BCC9-577B9352EA97}" type="datetimeFigureOut">
               <a:rPr lang="en-US" smtClean="0"/>
-              <a:pPr/>
-              <a:t>12/12/2020</a:t>
             </a:fld>
             <a:endParaRPr lang="en-US"/>
           </a:p>
@@ -857,8 +857,6 @@
           <a:p>
             <a:fld id="{9B618960-8005-486C-9A75-10CB2AAC16F9}" type="slidenum">
               <a:rPr lang="en-US" smtClean="0"/>
-              <a:pPr/>
-              <a:t>‹#›</a:t>
             </a:fld>
             <a:endParaRPr lang="en-US"/>
           </a:p>
@@ -942,6 +940,7 @@
               <a:rPr lang="en-US" smtClean="0"/>
               <a:t>Click to edit Master text styles</a:t>
             </a:r>
+            <a:endParaRPr lang="en-US" smtClean="0"/>
           </a:p>
           <a:p>
             <a:pPr lvl="1"/>
@@ -949,6 +948,7 @@
               <a:rPr lang="en-US" smtClean="0"/>
               <a:t>Second level</a:t>
             </a:r>
+            <a:endParaRPr lang="en-US" smtClean="0"/>
           </a:p>
           <a:p>
             <a:pPr lvl="2"/>
@@ -956,6 +956,7 @@
               <a:rPr lang="en-US" smtClean="0"/>
               <a:t>Third level</a:t>
             </a:r>
+            <a:endParaRPr lang="en-US" smtClean="0"/>
           </a:p>
           <a:p>
             <a:pPr lvl="3"/>
@@ -963,6 +964,7 @@
               <a:rPr lang="en-US" smtClean="0"/>
               <a:t>Fourth level</a:t>
             </a:r>
+            <a:endParaRPr lang="en-US" smtClean="0"/>
           </a:p>
           <a:p>
             <a:pPr lvl="4"/>
@@ -991,8 +993,6 @@
           <a:p>
             <a:fld id="{63A1C593-65D0-4073-BCC9-577B9352EA97}" type="datetimeFigureOut">
               <a:rPr lang="en-US" smtClean="0"/>
-              <a:pPr/>
-              <a:t>12/12/2020</a:t>
             </a:fld>
             <a:endParaRPr lang="en-US"/>
           </a:p>
@@ -1034,8 +1034,6 @@
           <a:p>
             <a:fld id="{9B618960-8005-486C-9A75-10CB2AAC16F9}" type="slidenum">
               <a:rPr lang="en-US" smtClean="0"/>
-              <a:pPr/>
-              <a:t>‹#›</a:t>
             </a:fld>
             <a:endParaRPr lang="en-US"/>
           </a:p>
@@ -1109,6 +1107,7 @@
               <a:rPr lang="en-US" smtClean="0"/>
               <a:t>Click to edit Master text styles</a:t>
             </a:r>
+            <a:endParaRPr lang="en-US" smtClean="0"/>
           </a:p>
           <a:p>
             <a:pPr lvl="1"/>
@@ -1116,6 +1115,7 @@
               <a:rPr lang="en-US" smtClean="0"/>
               <a:t>Second level</a:t>
             </a:r>
+            <a:endParaRPr lang="en-US" smtClean="0"/>
           </a:p>
           <a:p>
             <a:pPr lvl="2"/>
@@ -1123,6 +1123,7 @@
               <a:rPr lang="en-US" smtClean="0"/>
               <a:t>Third level</a:t>
             </a:r>
+            <a:endParaRPr lang="en-US" smtClean="0"/>
           </a:p>
           <a:p>
             <a:pPr lvl="3"/>
@@ -1130,6 +1131,7 @@
               <a:rPr lang="en-US" smtClean="0"/>
               <a:t>Fourth level</a:t>
             </a:r>
+            <a:endParaRPr lang="en-US" smtClean="0"/>
           </a:p>
           <a:p>
             <a:pPr lvl="4"/>
@@ -1158,8 +1160,6 @@
           <a:p>
             <a:fld id="{63A1C593-65D0-4073-BCC9-577B9352EA97}" type="datetimeFigureOut">
               <a:rPr lang="en-US" smtClean="0"/>
-              <a:pPr/>
-              <a:t>12/12/2020</a:t>
             </a:fld>
             <a:endParaRPr lang="en-US"/>
           </a:p>
@@ -1201,8 +1201,6 @@
           <a:p>
             <a:fld id="{9B618960-8005-486C-9A75-10CB2AAC16F9}" type="slidenum">
               <a:rPr lang="en-US" smtClean="0"/>
-              <a:pPr/>
-              <a:t>‹#›</a:t>
             </a:fld>
             <a:endParaRPr lang="en-US"/>
           </a:p>
@@ -1381,6 +1379,7 @@
               <a:rPr lang="en-US" smtClean="0"/>
               <a:t>Click to edit Master text styles</a:t>
             </a:r>
+            <a:endParaRPr lang="en-US" smtClean="0"/>
           </a:p>
         </p:txBody>
       </p:sp>
@@ -1401,8 +1400,6 @@
           <a:p>
             <a:fld id="{63A1C593-65D0-4073-BCC9-577B9352EA97}" type="datetimeFigureOut">
               <a:rPr lang="en-US" smtClean="0"/>
-              <a:pPr/>
-              <a:t>12/12/2020</a:t>
             </a:fld>
             <a:endParaRPr lang="en-US"/>
           </a:p>
@@ -1444,8 +1441,6 @@
           <a:p>
             <a:fld id="{9B618960-8005-486C-9A75-10CB2AAC16F9}" type="slidenum">
               <a:rPr lang="en-US" smtClean="0"/>
-              <a:pPr/>
-              <a:t>‹#›</a:t>
             </a:fld>
             <a:endParaRPr lang="en-US"/>
           </a:p>
@@ -1524,6 +1519,7 @@
               <a:rPr lang="en-US" smtClean="0"/>
               <a:t>Click to edit Master text styles</a:t>
             </a:r>
+            <a:endParaRPr lang="en-US" smtClean="0"/>
           </a:p>
           <a:p>
             <a:pPr lvl="1"/>
@@ -1531,6 +1527,7 @@
               <a:rPr lang="en-US" smtClean="0"/>
               <a:t>Second level</a:t>
             </a:r>
+            <a:endParaRPr lang="en-US" smtClean="0"/>
           </a:p>
           <a:p>
             <a:pPr lvl="2"/>
@@ -1538,6 +1535,7 @@
               <a:rPr lang="en-US" smtClean="0"/>
               <a:t>Third level</a:t>
             </a:r>
+            <a:endParaRPr lang="en-US" smtClean="0"/>
           </a:p>
           <a:p>
             <a:pPr lvl="3"/>
@@ -1545,6 +1543,7 @@
               <a:rPr lang="en-US" smtClean="0"/>
               <a:t>Fourth level</a:t>
             </a:r>
+            <a:endParaRPr lang="en-US" smtClean="0"/>
           </a:p>
           <a:p>
             <a:pPr lvl="4"/>
@@ -1581,6 +1580,7 @@
               <a:rPr lang="en-US" smtClean="0"/>
               <a:t>Click to edit Master text styles</a:t>
             </a:r>
+            <a:endParaRPr lang="en-US" smtClean="0"/>
           </a:p>
           <a:p>
             <a:pPr lvl="1"/>
@@ -1588,6 +1588,7 @@
               <a:rPr lang="en-US" smtClean="0"/>
               <a:t>Second level</a:t>
             </a:r>
+            <a:endParaRPr lang="en-US" smtClean="0"/>
           </a:p>
           <a:p>
             <a:pPr lvl="2"/>
@@ -1595,6 +1596,7 @@
               <a:rPr lang="en-US" smtClean="0"/>
               <a:t>Third level</a:t>
             </a:r>
+            <a:endParaRPr lang="en-US" smtClean="0"/>
           </a:p>
           <a:p>
             <a:pPr lvl="3"/>
@@ -1602,6 +1604,7 @@
               <a:rPr lang="en-US" smtClean="0"/>
               <a:t>Fourth level</a:t>
             </a:r>
+            <a:endParaRPr lang="en-US" smtClean="0"/>
           </a:p>
           <a:p>
             <a:pPr lvl="4"/>
@@ -1630,8 +1633,6 @@
           <a:p>
             <a:fld id="{63A1C593-65D0-4073-BCC9-577B9352EA97}" type="datetimeFigureOut">
               <a:rPr lang="en-US" smtClean="0"/>
-              <a:pPr/>
-              <a:t>12/12/2020</a:t>
             </a:fld>
             <a:endParaRPr lang="en-US"/>
           </a:p>
@@ -1673,8 +1674,6 @@
           <a:p>
             <a:fld id="{9B618960-8005-486C-9A75-10CB2AAC16F9}" type="slidenum">
               <a:rPr lang="en-US" smtClean="0"/>
-              <a:pPr/>
-              <a:t>‹#›</a:t>
             </a:fld>
             <a:endParaRPr lang="en-US"/>
           </a:p>
@@ -1795,6 +1794,7 @@
               <a:rPr lang="en-US" smtClean="0"/>
               <a:t>Click to edit Master text styles</a:t>
             </a:r>
+            <a:endParaRPr lang="en-US" smtClean="0"/>
           </a:p>
         </p:txBody>
       </p:sp>
@@ -1823,6 +1823,7 @@
               <a:rPr lang="en-US" smtClean="0"/>
               <a:t>Click to edit Master text styles</a:t>
             </a:r>
+            <a:endParaRPr lang="en-US" smtClean="0"/>
           </a:p>
           <a:p>
             <a:pPr lvl="1"/>
@@ -1830,6 +1831,7 @@
               <a:rPr lang="en-US" smtClean="0"/>
               <a:t>Second level</a:t>
             </a:r>
+            <a:endParaRPr lang="en-US" smtClean="0"/>
           </a:p>
           <a:p>
             <a:pPr lvl="2"/>
@@ -1837,6 +1839,7 @@
               <a:rPr lang="en-US" smtClean="0"/>
               <a:t>Third level</a:t>
             </a:r>
+            <a:endParaRPr lang="en-US" smtClean="0"/>
           </a:p>
           <a:p>
             <a:pPr lvl="3"/>
@@ -1844,6 +1847,7 @@
               <a:rPr lang="en-US" smtClean="0"/>
               <a:t>Fourth level</a:t>
             </a:r>
+            <a:endParaRPr lang="en-US" smtClean="0"/>
           </a:p>
           <a:p>
             <a:pPr lvl="4"/>
@@ -1917,6 +1921,7 @@
               <a:rPr lang="en-US" smtClean="0"/>
               <a:t>Click to edit Master text styles</a:t>
             </a:r>
+            <a:endParaRPr lang="en-US" smtClean="0"/>
           </a:p>
         </p:txBody>
       </p:sp>
@@ -1945,6 +1950,7 @@
               <a:rPr lang="en-US" smtClean="0"/>
               <a:t>Click to edit Master text styles</a:t>
             </a:r>
+            <a:endParaRPr lang="en-US" smtClean="0"/>
           </a:p>
           <a:p>
             <a:pPr lvl="1"/>
@@ -1952,6 +1958,7 @@
               <a:rPr lang="en-US" smtClean="0"/>
               <a:t>Second level</a:t>
             </a:r>
+            <a:endParaRPr lang="en-US" smtClean="0"/>
           </a:p>
           <a:p>
             <a:pPr lvl="2"/>
@@ -1959,6 +1966,7 @@
               <a:rPr lang="en-US" smtClean="0"/>
               <a:t>Third level</a:t>
             </a:r>
+            <a:endParaRPr lang="en-US" smtClean="0"/>
           </a:p>
           <a:p>
             <a:pPr lvl="3"/>
@@ -1966,6 +1974,7 @@
               <a:rPr lang="en-US" smtClean="0"/>
               <a:t>Fourth level</a:t>
             </a:r>
+            <a:endParaRPr lang="en-US" smtClean="0"/>
           </a:p>
           <a:p>
             <a:pPr lvl="4"/>
@@ -1994,8 +2003,6 @@
           <a:p>
             <a:fld id="{63A1C593-65D0-4073-BCC9-577B9352EA97}" type="datetimeFigureOut">
               <a:rPr lang="en-US" smtClean="0"/>
-              <a:pPr/>
-              <a:t>12/12/2020</a:t>
             </a:fld>
             <a:endParaRPr lang="en-US"/>
           </a:p>
@@ -2037,8 +2044,6 @@
           <a:p>
             <a:fld id="{9B618960-8005-486C-9A75-10CB2AAC16F9}" type="slidenum">
               <a:rPr lang="en-US" smtClean="0"/>
-              <a:pPr/>
-              <a:t>‹#›</a:t>
             </a:fld>
             <a:endParaRPr lang="en-US"/>
           </a:p>
@@ -2109,8 +2114,6 @@
           <a:p>
             <a:fld id="{63A1C593-65D0-4073-BCC9-577B9352EA97}" type="datetimeFigureOut">
               <a:rPr lang="en-US" smtClean="0"/>
-              <a:pPr/>
-              <a:t>12/12/2020</a:t>
             </a:fld>
             <a:endParaRPr lang="en-US"/>
           </a:p>
@@ -2152,8 +2155,6 @@
           <a:p>
             <a:fld id="{9B618960-8005-486C-9A75-10CB2AAC16F9}" type="slidenum">
               <a:rPr lang="en-US" smtClean="0"/>
-              <a:pPr/>
-              <a:t>‹#›</a:t>
             </a:fld>
             <a:endParaRPr lang="en-US"/>
           </a:p>
@@ -2201,8 +2202,6 @@
           <a:p>
             <a:fld id="{63A1C593-65D0-4073-BCC9-577B9352EA97}" type="datetimeFigureOut">
               <a:rPr lang="en-US" smtClean="0"/>
-              <a:pPr/>
-              <a:t>12/12/2020</a:t>
             </a:fld>
             <a:endParaRPr lang="en-US"/>
           </a:p>
@@ -2244,8 +2243,6 @@
           <a:p>
             <a:fld id="{9B618960-8005-486C-9A75-10CB2AAC16F9}" type="slidenum">
               <a:rPr lang="en-US" smtClean="0"/>
-              <a:pPr/>
-              <a:t>‹#›</a:t>
             </a:fld>
             <a:endParaRPr lang="en-US"/>
           </a:p>
@@ -2361,6 +2358,7 @@
               <a:rPr lang="en-US" smtClean="0"/>
               <a:t>Click to edit Master text styles</a:t>
             </a:r>
+            <a:endParaRPr lang="en-US" smtClean="0"/>
           </a:p>
           <a:p>
             <a:pPr lvl="1"/>
@@ -2368,6 +2366,7 @@
               <a:rPr lang="en-US" smtClean="0"/>
               <a:t>Second level</a:t>
             </a:r>
+            <a:endParaRPr lang="en-US" smtClean="0"/>
           </a:p>
           <a:p>
             <a:pPr lvl="2"/>
@@ -2375,6 +2374,7 @@
               <a:rPr lang="en-US" smtClean="0"/>
               <a:t>Third level</a:t>
             </a:r>
+            <a:endParaRPr lang="en-US" smtClean="0"/>
           </a:p>
           <a:p>
             <a:pPr lvl="3"/>
@@ -2382,6 +2382,7 @@
               <a:rPr lang="en-US" smtClean="0"/>
               <a:t>Fourth level</a:t>
             </a:r>
+            <a:endParaRPr lang="en-US" smtClean="0"/>
           </a:p>
           <a:p>
             <a:pPr lvl="4"/>
@@ -2455,6 +2456,7 @@
               <a:rPr lang="en-US" smtClean="0"/>
               <a:t>Click to edit Master text styles</a:t>
             </a:r>
+            <a:endParaRPr lang="en-US" smtClean="0"/>
           </a:p>
         </p:txBody>
       </p:sp>
@@ -2475,8 +2477,6 @@
           <a:p>
             <a:fld id="{63A1C593-65D0-4073-BCC9-577B9352EA97}" type="datetimeFigureOut">
               <a:rPr lang="en-US" smtClean="0"/>
-              <a:pPr/>
-              <a:t>12/12/2020</a:t>
             </a:fld>
             <a:endParaRPr lang="en-US"/>
           </a:p>
@@ -2518,8 +2518,6 @@
           <a:p>
             <a:fld id="{9B618960-8005-486C-9A75-10CB2AAC16F9}" type="slidenum">
               <a:rPr lang="en-US" smtClean="0"/>
-              <a:pPr/>
-              <a:t>‹#›</a:t>
             </a:fld>
             <a:endParaRPr lang="en-US"/>
           </a:p>
@@ -2705,6 +2703,7 @@
               <a:rPr lang="en-US" smtClean="0"/>
               <a:t>Click to edit Master text styles</a:t>
             </a:r>
+            <a:endParaRPr lang="en-US" smtClean="0"/>
           </a:p>
         </p:txBody>
       </p:sp>
@@ -2725,8 +2724,6 @@
           <a:p>
             <a:fld id="{63A1C593-65D0-4073-BCC9-577B9352EA97}" type="datetimeFigureOut">
               <a:rPr lang="en-US" smtClean="0"/>
-              <a:pPr/>
-              <a:t>12/12/2020</a:t>
             </a:fld>
             <a:endParaRPr lang="en-US"/>
           </a:p>
@@ -2768,8 +2765,6 @@
           <a:p>
             <a:fld id="{9B618960-8005-486C-9A75-10CB2AAC16F9}" type="slidenum">
               <a:rPr lang="en-US" smtClean="0"/>
-              <a:pPr/>
-              <a:t>‹#›</a:t>
             </a:fld>
             <a:endParaRPr lang="en-US"/>
           </a:p>
@@ -2868,6 +2863,7 @@
               <a:rPr lang="en-US" smtClean="0"/>
               <a:t>Click to edit Master text styles</a:t>
             </a:r>
+            <a:endParaRPr lang="en-US" smtClean="0"/>
           </a:p>
           <a:p>
             <a:pPr lvl="1"/>
@@ -2875,6 +2871,7 @@
               <a:rPr lang="en-US" smtClean="0"/>
               <a:t>Second level</a:t>
             </a:r>
+            <a:endParaRPr lang="en-US" smtClean="0"/>
           </a:p>
           <a:p>
             <a:pPr lvl="2"/>
@@ -2882,6 +2879,7 @@
               <a:rPr lang="en-US" smtClean="0"/>
               <a:t>Third level</a:t>
             </a:r>
+            <a:endParaRPr lang="en-US" smtClean="0"/>
           </a:p>
           <a:p>
             <a:pPr lvl="3"/>
@@ -2889,6 +2887,7 @@
               <a:rPr lang="en-US" smtClean="0"/>
               <a:t>Fourth level</a:t>
             </a:r>
+            <a:endParaRPr lang="en-US" smtClean="0"/>
           </a:p>
           <a:p>
             <a:pPr lvl="4"/>
@@ -2935,8 +2934,6 @@
           <a:p>
             <a:fld id="{63A1C593-65D0-4073-BCC9-577B9352EA97}" type="datetimeFigureOut">
               <a:rPr lang="en-US" smtClean="0"/>
-              <a:pPr/>
-              <a:t>12/12/2020</a:t>
             </a:fld>
             <a:endParaRPr lang="en-US"/>
           </a:p>
@@ -3014,8 +3011,6 @@
           <a:p>
             <a:fld id="{9B618960-8005-486C-9A75-10CB2AAC16F9}" type="slidenum">
               <a:rPr lang="en-US" smtClean="0"/>
-              <a:pPr/>
-              <a:t>‹#›</a:t>
             </a:fld>
             <a:endParaRPr lang="en-US"/>
           </a:p>
@@ -3346,7 +3341,7 @@
         <p:spPr>
           <a:xfrm>
             <a:off x="161290" y="194945"/>
-            <a:ext cx="11878945" cy="3138170"/>
+            <a:ext cx="11878945" cy="4431030"/>
           </a:xfrm>
           <a:prstGeom prst="rect">
             <a:avLst/>
@@ -3363,6 +3358,30 @@
           <a:lstStyle/>
           <a:p>
             <a:pPr indent="0"/>
+            <a:endParaRPr lang="en-US" sz="2800" b="0">
+              <a:latin typeface="Georgia" panose="02040502050405020303" charset="0"/>
+              <a:ea typeface="SimSun" panose="02010600030101010101" pitchFamily="2" charset="-122"/>
+              <a:cs typeface="Georgia" panose="02040502050405020303" charset="0"/>
+            </a:endParaRPr>
+          </a:p>
+          <a:p>
+            <a:pPr indent="0"/>
+            <a:endParaRPr lang="en-US" sz="2800" b="0">
+              <a:latin typeface="Georgia" panose="02040502050405020303" charset="0"/>
+              <a:ea typeface="SimSun" panose="02010600030101010101" pitchFamily="2" charset="-122"/>
+              <a:cs typeface="Georgia" panose="02040502050405020303" charset="0"/>
+            </a:endParaRPr>
+          </a:p>
+          <a:p>
+            <a:pPr indent="0"/>
+            <a:endParaRPr lang="en-US" sz="2800" b="0">
+              <a:latin typeface="Georgia" panose="02040502050405020303" charset="0"/>
+              <a:ea typeface="SimSun" panose="02010600030101010101" pitchFamily="2" charset="-122"/>
+              <a:cs typeface="Georgia" panose="02040502050405020303" charset="0"/>
+            </a:endParaRPr>
+          </a:p>
+          <a:p>
+            <a:pPr indent="0"/>
             <a:r>
               <a:rPr lang="en-US" sz="2800" b="0">
                 <a:latin typeface="Georgia" panose="02040502050405020303" charset="0"/>
@@ -3371,6 +3390,11 @@
               </a:rPr>
               <a:t>What are we doing ?</a:t>
             </a:r>
+            <a:endParaRPr lang="en-US" sz="2800" b="0">
+              <a:latin typeface="Georgia" panose="02040502050405020303" charset="0"/>
+              <a:ea typeface="SimSun" panose="02010600030101010101" pitchFamily="2" charset="-122"/>
+              <a:cs typeface="Georgia" panose="02040502050405020303" charset="0"/>
+            </a:endParaRPr>
           </a:p>
           <a:p>
             <a:r>
@@ -3381,6 +3405,11 @@
               </a:rPr>
               <a:t> </a:t>
             </a:r>
+            <a:endParaRPr lang="en-US" sz="2800" b="0">
+              <a:latin typeface="Georgia" panose="02040502050405020303" charset="0"/>
+              <a:ea typeface="SimSun" panose="02010600030101010101" pitchFamily="2" charset="-122"/>
+              <a:cs typeface="Georgia" panose="02040502050405020303" charset="0"/>
+            </a:endParaRPr>
           </a:p>
           <a:p>
             <a:r>
@@ -3391,6 +3420,11 @@
               </a:rPr>
               <a:t>Problem statement </a:t>
             </a:r>
+            <a:endParaRPr lang="en-US" sz="2000" b="0">
+              <a:latin typeface="Georgia" panose="02040502050405020303" charset="0"/>
+              <a:ea typeface="SimSun" panose="02010600030101010101" pitchFamily="2" charset="-122"/>
+              <a:cs typeface="Georgia" panose="02040502050405020303" charset="0"/>
+            </a:endParaRPr>
           </a:p>
           <a:p>
             <a:r>
@@ -3401,6 +3435,11 @@
               </a:rPr>
               <a:t>Given the MMHS which is having 6 labels , after performing certain methodology we should be able to predict among the 6 labels to the facebook dataset .</a:t>
             </a:r>
+            <a:endParaRPr lang="en-US" sz="2000" b="0">
+              <a:latin typeface="Georgia" panose="02040502050405020303" charset="0"/>
+              <a:ea typeface="SimSun" panose="02010600030101010101" pitchFamily="2" charset="-122"/>
+              <a:cs typeface="Georgia" panose="02040502050405020303" charset="0"/>
+            </a:endParaRPr>
           </a:p>
           <a:p>
             <a:r>
@@ -3411,6 +3450,11 @@
               </a:rPr>
               <a:t> </a:t>
             </a:r>
+            <a:endParaRPr lang="en-US" sz="2000" b="0">
+              <a:latin typeface="Georgia" panose="02040502050405020303" charset="0"/>
+              <a:ea typeface="SimSun" panose="02010600030101010101" pitchFamily="2" charset="-122"/>
+              <a:cs typeface="Georgia" panose="02040502050405020303" charset="0"/>
+            </a:endParaRPr>
           </a:p>
           <a:p>
             <a:r>
@@ -3455,6 +3499,11 @@
               </a:rPr>
               <a:t> </a:t>
             </a:r>
+            <a:endParaRPr lang="en-US" sz="2800" b="0">
+              <a:latin typeface="Georgia" panose="02040502050405020303" charset="0"/>
+              <a:ea typeface="SimSun" panose="02010600030101010101" pitchFamily="2" charset="-122"/>
+              <a:cs typeface="Georgia" panose="02040502050405020303" charset="0"/>
+            </a:endParaRPr>
           </a:p>
         </p:txBody>
       </p:sp>
@@ -4355,7 +4404,7 @@
           <p:nvPr/>
         </p:nvPicPr>
         <p:blipFill>
-          <a:blip r:embed="rId2"/>
+          <a:blip r:embed="rId1"/>
           <a:stretch>
             <a:fillRect/>
           </a:stretch>
@@ -4409,7 +4458,7 @@
           <p:nvPr/>
         </p:nvPicPr>
         <p:blipFill>
-          <a:blip r:embed="rId3"/>
+          <a:blip r:embed="rId2"/>
           <a:srcRect l="18333" t="18874" r="19167" b="17391"/>
           <a:stretch>
             <a:fillRect/>
@@ -4464,7 +4513,7 @@
           <p:nvPr/>
         </p:nvPicPr>
         <p:blipFill>
-          <a:blip r:embed="rId4"/>
+          <a:blip r:embed="rId3"/>
           <a:srcRect l="9167" t="42589" r="48333" b="32214"/>
           <a:stretch>
             <a:fillRect/>
@@ -4534,6 +4583,251 @@
         <p:cNvGrpSpPr/>
         <p:nvPr/>
       </p:nvGrpSpPr>
+      <p:grpSpPr/>
+      <p:sp>
+        <p:nvSpPr>
+          <p:cNvPr id="3" name="Content Placeholder 2"/>
+          <p:cNvSpPr>
+            <a:spLocks noGrp="1"/>
+          </p:cNvSpPr>
+          <p:nvPr>
+            <p:ph idx="1"/>
+          </p:nvPr>
+        </p:nvSpPr>
+        <p:spPr>
+          <a:xfrm>
+            <a:off x="838200" y="279400"/>
+            <a:ext cx="10515600" cy="5897880"/>
+          </a:xfrm>
+        </p:spPr>
+        <p:txBody>
+          <a:bodyPr>
+            <a:normAutofit/>
+          </a:bodyPr>
+          <a:p>
+            <a:pPr marL="285750" indent="-285750" algn="l">
+              <a:buFont typeface="Arial" panose="020B0604020202020204" pitchFamily="34" charset="0"/>
+              <a:buChar char="•"/>
+            </a:pPr>
+            <a:endParaRPr lang="en-US" sz="1400">
+              <a:latin typeface="Georgia" panose="02040502050405020303" charset="0"/>
+              <a:cs typeface="Georgia" panose="02040502050405020303" charset="0"/>
+              <a:sym typeface="+mn-ea"/>
+            </a:endParaRPr>
+          </a:p>
+          <a:p>
+            <a:pPr marL="285750" indent="-285750" algn="l">
+              <a:buFont typeface="Arial" panose="020B0604020202020204" pitchFamily="34" charset="0"/>
+              <a:buChar char="•"/>
+            </a:pPr>
+            <a:endParaRPr lang="en-US" sz="1400">
+              <a:latin typeface="Georgia" panose="02040502050405020303" charset="0"/>
+              <a:cs typeface="Georgia" panose="02040502050405020303" charset="0"/>
+              <a:sym typeface="+mn-ea"/>
+            </a:endParaRPr>
+          </a:p>
+          <a:p>
+            <a:pPr marL="285750" indent="-285750" algn="l">
+              <a:buFont typeface="Arial" panose="020B0604020202020204" pitchFamily="34" charset="0"/>
+              <a:buChar char="•"/>
+            </a:pPr>
+            <a:r>
+              <a:rPr lang="en-US">
+                <a:latin typeface="Georgia" panose="02040502050405020303" charset="0"/>
+                <a:cs typeface="Georgia" panose="02040502050405020303" charset="0"/>
+                <a:sym typeface="+mn-ea"/>
+              </a:rPr>
+              <a:t>Boosting Self-Supervised Learning via Knowledge Transfer</a:t>
+            </a:r>
+            <a:endParaRPr lang="en-US">
+              <a:latin typeface="Georgia" panose="02040502050405020303" charset="0"/>
+              <a:cs typeface="Georgia" panose="02040502050405020303" charset="0"/>
+              <a:sym typeface="+mn-ea"/>
+            </a:endParaRPr>
+          </a:p>
+          <a:p>
+            <a:pPr marL="285750" indent="-285750" algn="l">
+              <a:buFont typeface="Arial" panose="020B0604020202020204" pitchFamily="34" charset="0"/>
+              <a:buChar char="•"/>
+            </a:pPr>
+            <a:endParaRPr lang="en-US" sz="1400">
+              <a:latin typeface="Georgia" panose="02040502050405020303" charset="0"/>
+              <a:cs typeface="Georgia" panose="02040502050405020303" charset="0"/>
+              <a:sym typeface="+mn-ea"/>
+            </a:endParaRPr>
+          </a:p>
+          <a:p>
+            <a:pPr marL="285750" indent="-285750" algn="l">
+              <a:buFont typeface="Arial" panose="020B0604020202020204" pitchFamily="34" charset="0"/>
+              <a:buChar char="•"/>
+            </a:pPr>
+            <a:endParaRPr lang="en-US" sz="1400">
+              <a:latin typeface="Georgia" panose="02040502050405020303" charset="0"/>
+              <a:cs typeface="Georgia" panose="02040502050405020303" charset="0"/>
+              <a:sym typeface="+mn-ea"/>
+            </a:endParaRPr>
+          </a:p>
+          <a:p>
+            <a:pPr marL="285750" indent="-285750" algn="l">
+              <a:buFont typeface="Arial" panose="020B0604020202020204" pitchFamily="34" charset="0"/>
+              <a:buChar char="•"/>
+            </a:pPr>
+            <a:r>
+              <a:rPr lang="en-US" sz="1400">
+                <a:latin typeface="Georgia" panose="02040502050405020303" charset="0"/>
+                <a:cs typeface="Georgia" panose="02040502050405020303" charset="0"/>
+                <a:sym typeface="+mn-ea"/>
+              </a:rPr>
+              <a:t>In self-supervised learning, one trains a model to solve a so-called pretext task on a dataset without the need for human annotation.</a:t>
+            </a:r>
+            <a:endParaRPr lang="en-US" sz="1400">
+              <a:latin typeface="Georgia" panose="02040502050405020303" charset="0"/>
+              <a:cs typeface="Georgia" panose="02040502050405020303" charset="0"/>
+            </a:endParaRPr>
+          </a:p>
+          <a:p>
+            <a:pPr marL="742950" lvl="1" indent="-285750" algn="l">
+              <a:buFont typeface="Arial" panose="020B0604020202020204" pitchFamily="34" charset="0"/>
+              <a:buChar char="•"/>
+            </a:pPr>
+            <a:r>
+              <a:rPr lang="en-US" sz="1400">
+                <a:latin typeface="Georgia" panose="02040502050405020303" charset="0"/>
+                <a:cs typeface="Georgia" panose="02040502050405020303" charset="0"/>
+                <a:sym typeface="+mn-ea"/>
+              </a:rPr>
+              <a:t>The main objective, however, is to transfer this model to a target domain and task.</a:t>
+            </a:r>
+            <a:endParaRPr lang="en-US" sz="1400">
+              <a:latin typeface="Georgia" panose="02040502050405020303" charset="0"/>
+              <a:cs typeface="Georgia" panose="02040502050405020303" charset="0"/>
+            </a:endParaRPr>
+          </a:p>
+          <a:p>
+            <a:pPr marL="285750" indent="-285750" algn="l">
+              <a:buFont typeface="Arial" panose="020B0604020202020204" pitchFamily="34" charset="0"/>
+              <a:buChar char="•"/>
+            </a:pPr>
+            <a:r>
+              <a:rPr lang="en-US" sz="1400">
+                <a:latin typeface="Georgia" panose="02040502050405020303" charset="0"/>
+                <a:cs typeface="Georgia" panose="02040502050405020303" charset="0"/>
+                <a:sym typeface="+mn-ea"/>
+              </a:rPr>
+              <a:t>Currently, the most effective transfer strategy is fine-tuning, which restricts one to use the same model or parts thereof for both pretext and target tasks.</a:t>
+            </a:r>
+            <a:endParaRPr lang="en-US" sz="1400">
+              <a:latin typeface="Georgia" panose="02040502050405020303" charset="0"/>
+              <a:cs typeface="Georgia" panose="02040502050405020303" charset="0"/>
+            </a:endParaRPr>
+          </a:p>
+          <a:p>
+            <a:pPr marL="742950" lvl="1" indent="-285750" algn="l">
+              <a:buFont typeface="Arial" panose="020B0604020202020204" pitchFamily="34" charset="0"/>
+              <a:buChar char="•"/>
+            </a:pPr>
+            <a:r>
+              <a:rPr lang="en-US" sz="1400">
+                <a:latin typeface="Georgia" panose="02040502050405020303" charset="0"/>
+                <a:cs typeface="Georgia" panose="02040502050405020303" charset="0"/>
+                <a:sym typeface="+mn-ea"/>
+              </a:rPr>
+              <a:t>First, we compute the features learned through a pretext task which might use a complex model on </a:t>
+            </a:r>
+            <a:br>
+              <a:rPr lang="en-US" sz="1400">
+                <a:latin typeface="Georgia" panose="02040502050405020303" charset="0"/>
+                <a:cs typeface="Georgia" panose="02040502050405020303" charset="0"/>
+                <a:sym typeface="+mn-ea"/>
+              </a:rPr>
+            </a:br>
+            <a:r>
+              <a:rPr lang="en-US" sz="1400">
+                <a:latin typeface="Georgia" panose="02040502050405020303" charset="0"/>
+                <a:cs typeface="Georgia" panose="02040502050405020303" charset="0"/>
+                <a:sym typeface="+mn-ea"/>
+              </a:rPr>
+              <a:t>a dataset of unlabeled images. </a:t>
+            </a:r>
+            <a:endParaRPr lang="en-US" sz="1400">
+              <a:latin typeface="Georgia" panose="02040502050405020303" charset="0"/>
+              <a:cs typeface="Georgia" panose="02040502050405020303" charset="0"/>
+            </a:endParaRPr>
+          </a:p>
+          <a:p>
+            <a:pPr marL="742950" lvl="1" indent="-285750" algn="l">
+              <a:buFont typeface="Arial" panose="020B0604020202020204" pitchFamily="34" charset="0"/>
+              <a:buChar char="•"/>
+            </a:pPr>
+            <a:r>
+              <a:rPr lang="en-US" sz="1400">
+                <a:latin typeface="Georgia" panose="02040502050405020303" charset="0"/>
+                <a:cs typeface="Georgia" panose="02040502050405020303" charset="0"/>
+                <a:sym typeface="+mn-ea"/>
+              </a:rPr>
+              <a:t>Second, we cluster the features (e.g., using k-means) and use the cluster ID as pseudo labels for unlabeled images.</a:t>
+            </a:r>
+            <a:endParaRPr lang="en-US" sz="1400">
+              <a:latin typeface="Georgia" panose="02040502050405020303" charset="0"/>
+              <a:cs typeface="Georgia" panose="02040502050405020303" charset="0"/>
+            </a:endParaRPr>
+          </a:p>
+          <a:p>
+            <a:pPr marL="742950" lvl="1" indent="-285750" algn="l">
+              <a:buFont typeface="Arial" panose="020B0604020202020204" pitchFamily="34" charset="0"/>
+              <a:buChar char="•"/>
+            </a:pPr>
+            <a:r>
+              <a:rPr lang="en-US" sz="1400">
+                <a:latin typeface="Georgia" panose="02040502050405020303" charset="0"/>
+                <a:cs typeface="Georgia" panose="02040502050405020303" charset="0"/>
+                <a:sym typeface="+mn-ea"/>
+              </a:rPr>
+              <a:t>Third, we learn our final representation by training a smaller deep network (e.g., AlexNet) to classify the images based on the pseudo-labels.</a:t>
+            </a:r>
+            <a:endParaRPr lang="en-US" sz="1400">
+              <a:latin typeface="Georgia" panose="02040502050405020303" charset="0"/>
+              <a:cs typeface="Georgia" panose="02040502050405020303" charset="0"/>
+            </a:endParaRPr>
+          </a:p>
+          <a:p>
+            <a:pPr marL="285750" indent="-285750" algn="l">
+              <a:buFont typeface="Arial" panose="020B0604020202020204" pitchFamily="34" charset="0"/>
+              <a:buChar char="•"/>
+            </a:pPr>
+            <a:r>
+              <a:rPr lang="en-US" sz="1400">
+                <a:latin typeface="Georgia" panose="02040502050405020303" charset="0"/>
+                <a:cs typeface="Georgia" panose="02040502050405020303" charset="0"/>
+                <a:sym typeface="+mn-ea"/>
+              </a:rPr>
+              <a:t>Once we have obtained pseudo-labels on some dataset, we can transfer knowledge by simply training a model to predict those pseudo-labels.</a:t>
+            </a:r>
+            <a:endParaRPr lang="en-US" sz="1400">
+              <a:latin typeface="Georgia" panose="02040502050405020303" charset="0"/>
+              <a:cs typeface="Georgia" panose="02040502050405020303" charset="0"/>
+              <a:sym typeface="+mn-ea"/>
+            </a:endParaRPr>
+          </a:p>
+        </p:txBody>
+      </p:sp>
+    </p:spTree>
+  </p:cSld>
+  <p:clrMapOvr>
+    <a:masterClrMapping/>
+  </p:clrMapOvr>
+</p:sld>
+</file>
+
+<file path=ppt/slides/slide5.xml><?xml version="1.0" encoding="utf-8"?>
+<p:sld xmlns:a="http://schemas.openxmlformats.org/drawingml/2006/main" xmlns:r="http://schemas.openxmlformats.org/officeDocument/2006/relationships" xmlns:p="http://schemas.openxmlformats.org/presentationml/2006/main">
+  <p:cSld>
+    <p:spTree>
+      <p:nvGrpSpPr>
+        <p:cNvPr id="1" name=""/>
+        <p:cNvGrpSpPr/>
+        <p:nvPr/>
+      </p:nvGrpSpPr>
       <p:grpSpPr>
         <a:xfrm>
           <a:off x="0" y="0"/>
@@ -4544,6 +4838,418 @@
       </p:grpSpPr>
       <p:sp>
         <p:nvSpPr>
+          <p:cNvPr id="3" name="Subtitle 2"/>
+          <p:cNvSpPr>
+            <a:spLocks noGrp="1"/>
+          </p:cNvSpPr>
+          <p:nvPr>
+            <p:ph type="subTitle" idx="1"/>
+          </p:nvPr>
+        </p:nvSpPr>
+        <p:spPr>
+          <a:xfrm>
+            <a:off x="524510" y="614045"/>
+            <a:ext cx="11152505" cy="5755005"/>
+          </a:xfrm>
+        </p:spPr>
+        <p:txBody>
+          <a:bodyPr>
+            <a:normAutofit lnSpcReduction="10000"/>
+          </a:bodyPr>
+          <a:lstStyle/>
+          <a:p>
+            <a:pPr marL="285750" indent="-285750" algn="l">
+              <a:buFont typeface="Arial" panose="020B0604020202020204" pitchFamily="34" charset="0"/>
+              <a:buChar char="•"/>
+            </a:pPr>
+            <a:r>
+              <a:rPr lang="en-US" sz="1600" b="1">
+                <a:latin typeface="Georgia" panose="02040502050405020303" charset="0"/>
+                <a:cs typeface="Georgia" panose="02040502050405020303" charset="0"/>
+              </a:rPr>
+              <a:t>Self-Supervised Learning Pre-Training</a:t>
+            </a:r>
+            <a:r>
+              <a:rPr lang="en-US" sz="1600">
+                <a:latin typeface="Georgia" panose="02040502050405020303" charset="0"/>
+                <a:cs typeface="Georgia" panose="02040502050405020303" charset="0"/>
+              </a:rPr>
+              <a:t>. </a:t>
+            </a:r>
+            <a:endParaRPr lang="en-US" sz="1600">
+              <a:latin typeface="Georgia" panose="02040502050405020303" charset="0"/>
+              <a:cs typeface="Georgia" panose="02040502050405020303" charset="0"/>
+            </a:endParaRPr>
+          </a:p>
+          <a:p>
+            <a:pPr algn="l">
+              <a:buFont typeface="Arial" panose="020B0604020202020204" pitchFamily="34" charset="0"/>
+            </a:pPr>
+            <a:r>
+              <a:rPr lang="en-US" sz="1600">
+                <a:latin typeface="Georgia" panose="02040502050405020303" charset="0"/>
+                <a:cs typeface="Georgia" panose="02040502050405020303" charset="0"/>
+              </a:rPr>
+              <a:t>Suppose that we are given a pretext task, a model and a dataset. Our first step in SSL is to train our model on the pretext      task with the given dataset.</a:t>
+            </a:r>
+            <a:endParaRPr lang="en-US" sz="1600">
+              <a:latin typeface="Georgia" panose="02040502050405020303" charset="0"/>
+              <a:cs typeface="Georgia" panose="02040502050405020303" charset="0"/>
+            </a:endParaRPr>
+          </a:p>
+          <a:p>
+            <a:pPr marL="285750" indent="-285750" algn="l">
+              <a:buFont typeface="Arial" panose="020B0604020202020204" pitchFamily="34" charset="0"/>
+              <a:buChar char="•"/>
+            </a:pPr>
+            <a:r>
+              <a:rPr lang="en-US" sz="1600" b="1">
+                <a:latin typeface="Georgia" panose="02040502050405020303" charset="0"/>
+                <a:cs typeface="Georgia" panose="02040502050405020303" charset="0"/>
+              </a:rPr>
+              <a:t>Clustering.</a:t>
+            </a:r>
+            <a:endParaRPr lang="en-US" sz="1600" b="1">
+              <a:latin typeface="Georgia" panose="02040502050405020303" charset="0"/>
+              <a:cs typeface="Georgia" panose="02040502050405020303" charset="0"/>
+            </a:endParaRPr>
+          </a:p>
+          <a:p>
+            <a:pPr algn="l">
+              <a:buFont typeface="Arial" panose="020B0604020202020204" pitchFamily="34" charset="0"/>
+            </a:pPr>
+            <a:r>
+              <a:rPr lang="en-US" sz="1600">
+                <a:latin typeface="Georgia" panose="02040502050405020303" charset="0"/>
+                <a:cs typeface="Georgia" panose="02040502050405020303" charset="0"/>
+              </a:rPr>
+              <a:t>Our next step is to</a:t>
+            </a:r>
+            <a:r>
+              <a:rPr lang="en-US" sz="1600" b="1">
+                <a:latin typeface="Georgia" panose="02040502050405020303" charset="0"/>
+                <a:cs typeface="Georgia" panose="02040502050405020303" charset="0"/>
+              </a:rPr>
+              <a:t> compute feature vectors</a:t>
+            </a:r>
+            <a:r>
+              <a:rPr lang="en-US" sz="1600">
+                <a:latin typeface="Georgia" panose="02040502050405020303" charset="0"/>
+                <a:cs typeface="Georgia" panose="02040502050405020303" charset="0"/>
+              </a:rPr>
+              <a:t> for all the unlabeled images in our dataset. Then, we use the k-means algorithm with the Euclidean distance to cluster the features.</a:t>
+            </a:r>
+            <a:endParaRPr lang="en-US" sz="1600">
+              <a:latin typeface="Georgia" panose="02040502050405020303" charset="0"/>
+              <a:cs typeface="Georgia" panose="02040502050405020303" charset="0"/>
+            </a:endParaRPr>
+          </a:p>
+          <a:p>
+            <a:pPr marL="285750" indent="-285750" algn="l">
+              <a:buFont typeface="Arial" panose="020B0604020202020204" pitchFamily="34" charset="0"/>
+              <a:buChar char="•"/>
+            </a:pPr>
+            <a:r>
+              <a:rPr lang="en-US" sz="1600" b="1">
+                <a:latin typeface="Georgia" panose="02040502050405020303" charset="0"/>
+                <a:cs typeface="Georgia" panose="02040502050405020303" charset="0"/>
+              </a:rPr>
+              <a:t>Extracting Pseudo-Labels</a:t>
+            </a:r>
+            <a:r>
+              <a:rPr lang="en-US" sz="1600">
+                <a:latin typeface="Georgia" panose="02040502050405020303" charset="0"/>
+                <a:cs typeface="Georgia" panose="02040502050405020303" charset="0"/>
+              </a:rPr>
+              <a:t>. </a:t>
+            </a:r>
+            <a:endParaRPr lang="en-US" sz="1600">
+              <a:latin typeface="Georgia" panose="02040502050405020303" charset="0"/>
+              <a:cs typeface="Georgia" panose="02040502050405020303" charset="0"/>
+            </a:endParaRPr>
+          </a:p>
+          <a:p>
+            <a:pPr algn="l">
+              <a:buFont typeface="Arial" panose="020B0604020202020204" pitchFamily="34" charset="0"/>
+            </a:pPr>
+            <a:r>
+              <a:rPr lang="en-US" sz="1600">
+                <a:latin typeface="Georgia" panose="02040502050405020303" charset="0"/>
+                <a:cs typeface="Georgia" panose="02040502050405020303" charset="0"/>
+              </a:rPr>
+              <a:t>The cluster centers computed in the previous section can be considered as virtual categories. Indeed, we can assign feature vectors to the closest cluster center to determine a pseudo-label associated to the chosen cluster.</a:t>
+            </a:r>
+            <a:endParaRPr lang="en-US" sz="1600">
+              <a:latin typeface="Georgia" panose="02040502050405020303" charset="0"/>
+              <a:cs typeface="Georgia" panose="02040502050405020303" charset="0"/>
+            </a:endParaRPr>
+          </a:p>
+          <a:p>
+            <a:pPr algn="l">
+              <a:buFont typeface="Arial" panose="020B0604020202020204" pitchFamily="34" charset="0"/>
+            </a:pPr>
+            <a:r>
+              <a:rPr lang="en-US" sz="1200" b="1">
+                <a:latin typeface="Georgia" panose="02040502050405020303" charset="0"/>
+                <a:cs typeface="Georgia" panose="02040502050405020303" charset="0"/>
+              </a:rPr>
+              <a:t>	</a:t>
+            </a:r>
+            <a:r>
+              <a:rPr lang="en-US" sz="1200" b="1" i="1">
+                <a:latin typeface="Georgia" panose="02040502050405020303" charset="0"/>
+                <a:cs typeface="Georgia" panose="02040502050405020303" charset="0"/>
+              </a:rPr>
+              <a:t>Notice that the dataset used in this operation might be different from that used in the clustering step or in the SSL pre-training.</a:t>
+            </a:r>
+            <a:endParaRPr lang="en-US" sz="1200" b="1">
+              <a:latin typeface="Georgia" panose="02040502050405020303" charset="0"/>
+              <a:cs typeface="Georgia" panose="02040502050405020303" charset="0"/>
+            </a:endParaRPr>
+          </a:p>
+          <a:p>
+            <a:pPr marL="285750" indent="-285750" algn="l">
+              <a:buFont typeface="Arial" panose="020B0604020202020204" pitchFamily="34" charset="0"/>
+              <a:buChar char="•"/>
+            </a:pPr>
+            <a:r>
+              <a:rPr lang="en-US" sz="1600" b="1">
+                <a:latin typeface="Georgia" panose="02040502050405020303" charset="0"/>
+                <a:cs typeface="Georgia" panose="02040502050405020303" charset="0"/>
+              </a:rPr>
+              <a:t>Cluster Classification</a:t>
+            </a:r>
+            <a:r>
+              <a:rPr lang="en-US" sz="1600">
+                <a:latin typeface="Georgia" panose="02040502050405020303" charset="0"/>
+                <a:cs typeface="Georgia" panose="02040502050405020303" charset="0"/>
+              </a:rPr>
+              <a:t>. </a:t>
+            </a:r>
+            <a:endParaRPr lang="en-US" sz="1600">
+              <a:latin typeface="Georgia" panose="02040502050405020303" charset="0"/>
+              <a:cs typeface="Georgia" panose="02040502050405020303" charset="0"/>
+            </a:endParaRPr>
+          </a:p>
+          <a:p>
+            <a:pPr algn="l">
+              <a:buFont typeface="Arial" panose="020B0604020202020204" pitchFamily="34" charset="0"/>
+            </a:pPr>
+            <a:r>
+              <a:rPr lang="en-US" sz="1400">
+                <a:latin typeface="Georgia" panose="02040502050405020303" charset="0"/>
+                <a:cs typeface="Georgia" panose="02040502050405020303" charset="0"/>
+              </a:rPr>
+              <a:t>Finally, we train a simple classifier using the architecture of the target task so that, given an input image, predicts the corresponding pseudo-label.</a:t>
+            </a:r>
+            <a:endParaRPr lang="en-US" sz="1800">
+              <a:latin typeface="Georgia" panose="02040502050405020303" charset="0"/>
+              <a:cs typeface="Georgia" panose="02040502050405020303" charset="0"/>
+            </a:endParaRPr>
+          </a:p>
+          <a:p>
+            <a:pPr algn="l">
+              <a:buFont typeface="Arial" panose="020B0604020202020204" pitchFamily="34" charset="0"/>
+            </a:pPr>
+            <a:endParaRPr lang="en-US" sz="1800">
+              <a:latin typeface="Georgia" panose="02040502050405020303" charset="0"/>
+              <a:cs typeface="Georgia" panose="02040502050405020303" charset="0"/>
+            </a:endParaRPr>
+          </a:p>
+        </p:txBody>
+      </p:sp>
+      <p:pic>
+        <p:nvPicPr>
+          <p:cNvPr id="4" name="Picture 3"/>
+          <p:cNvPicPr>
+            <a:picLocks noChangeAspect="1"/>
+          </p:cNvPicPr>
+          <p:nvPr/>
+        </p:nvPicPr>
+        <p:blipFill>
+          <a:blip r:embed="rId1">
+            <a:clrChange>
+              <a:clrFrom>
+                <a:srgbClr val="FDFDFD">
+                  <a:alpha val="100000"/>
+                </a:srgbClr>
+              </a:clrFrom>
+              <a:clrTo>
+                <a:srgbClr val="FDFDFD">
+                  <a:alpha val="100000"/>
+                  <a:alpha val="0"/>
+                </a:srgbClr>
+              </a:clrTo>
+            </a:clrChange>
+          </a:blip>
+          <a:srcRect b="69220"/>
+          <a:stretch>
+            <a:fillRect/>
+          </a:stretch>
+        </p:blipFill>
+        <p:spPr>
+          <a:xfrm>
+            <a:off x="351790" y="4121785"/>
+            <a:ext cx="3726180" cy="1768475"/>
+          </a:xfrm>
+          <a:prstGeom prst="rect">
+            <a:avLst/>
+          </a:prstGeom>
+        </p:spPr>
+      </p:pic>
+      <p:pic>
+        <p:nvPicPr>
+          <p:cNvPr id="5" name="Picture 4"/>
+          <p:cNvPicPr>
+            <a:picLocks noChangeAspect="1"/>
+          </p:cNvPicPr>
+          <p:nvPr/>
+        </p:nvPicPr>
+        <p:blipFill>
+          <a:blip r:embed="rId1"/>
+          <a:srcRect t="31410" b="46397"/>
+          <a:stretch>
+            <a:fillRect/>
+          </a:stretch>
+        </p:blipFill>
+        <p:spPr>
+          <a:xfrm>
+            <a:off x="4237990" y="4121785"/>
+            <a:ext cx="3726180" cy="1275080"/>
+          </a:xfrm>
+          <a:prstGeom prst="rect">
+            <a:avLst/>
+          </a:prstGeom>
+        </p:spPr>
+      </p:pic>
+      <p:pic>
+        <p:nvPicPr>
+          <p:cNvPr id="6" name="Picture 5"/>
+          <p:cNvPicPr>
+            <a:picLocks noChangeAspect="1"/>
+          </p:cNvPicPr>
+          <p:nvPr/>
+        </p:nvPicPr>
+        <p:blipFill>
+          <a:blip r:embed="rId1"/>
+          <a:srcRect t="52199" b="25928"/>
+          <a:stretch>
+            <a:fillRect/>
+          </a:stretch>
+        </p:blipFill>
+        <p:spPr>
+          <a:xfrm>
+            <a:off x="7950835" y="4131310"/>
+            <a:ext cx="3726180" cy="1256665"/>
+          </a:xfrm>
+          <a:prstGeom prst="rect">
+            <a:avLst/>
+          </a:prstGeom>
+        </p:spPr>
+      </p:pic>
+      <p:pic>
+        <p:nvPicPr>
+          <p:cNvPr id="7" name="Picture 6"/>
+          <p:cNvPicPr>
+            <a:picLocks noChangeAspect="1"/>
+          </p:cNvPicPr>
+          <p:nvPr/>
+        </p:nvPicPr>
+        <p:blipFill>
+          <a:blip r:embed="rId1">
+            <a:clrChange>
+              <a:clrFrom>
+                <a:srgbClr val="FFFFFF">
+                  <a:alpha val="100000"/>
+                </a:srgbClr>
+              </a:clrFrom>
+              <a:clrTo>
+                <a:srgbClr val="FFFFFF">
+                  <a:alpha val="100000"/>
+                  <a:alpha val="0"/>
+                </a:srgbClr>
+              </a:clrTo>
+            </a:clrChange>
+          </a:blip>
+          <a:srcRect t="73939"/>
+          <a:stretch>
+            <a:fillRect/>
+          </a:stretch>
+        </p:blipFill>
+        <p:spPr>
+          <a:xfrm>
+            <a:off x="4655820" y="5281295"/>
+            <a:ext cx="3644900" cy="1464945"/>
+          </a:xfrm>
+          <a:prstGeom prst="rect">
+            <a:avLst/>
+          </a:prstGeom>
+        </p:spPr>
+      </p:pic>
+      <p:sp>
+        <p:nvSpPr>
+          <p:cNvPr id="2" name="Text Box 1"/>
+          <p:cNvSpPr txBox="1"/>
+          <p:nvPr/>
+        </p:nvSpPr>
+        <p:spPr>
+          <a:xfrm>
+            <a:off x="524510" y="6369050"/>
+            <a:ext cx="2540000" cy="275590"/>
+          </a:xfrm>
+          <a:prstGeom prst="rect">
+            <a:avLst/>
+          </a:prstGeom>
+          <a:noFill/>
+        </p:spPr>
+        <p:txBody>
+          <a:bodyPr wrap="square" rtlCol="0" anchor="t">
+            <a:spAutoFit/>
+          </a:bodyPr>
+          <a:p>
+            <a:r>
+              <a:rPr lang="en-US" sz="1200">
+                <a:solidFill>
+                  <a:srgbClr val="0070C0"/>
+                </a:solidFill>
+              </a:rPr>
+              <a:t>https://arxiv.org/pdf/1805.00385.pdf</a:t>
+            </a:r>
+            <a:endParaRPr lang="en-US" sz="1200">
+              <a:solidFill>
+                <a:srgbClr val="0070C0"/>
+              </a:solidFill>
+            </a:endParaRPr>
+          </a:p>
+        </p:txBody>
+      </p:sp>
+    </p:spTree>
+  </p:cSld>
+  <p:clrMapOvr>
+    <a:masterClrMapping/>
+  </p:clrMapOvr>
+</p:sld>
+</file>
+
+<file path=ppt/slides/slide6.xml><?xml version="1.0" encoding="utf-8"?>
+<p:sld xmlns:a="http://schemas.openxmlformats.org/drawingml/2006/main" xmlns:r="http://schemas.openxmlformats.org/officeDocument/2006/relationships" xmlns:p="http://schemas.openxmlformats.org/presentationml/2006/main">
+  <p:cSld>
+    <p:spTree>
+      <p:nvGrpSpPr>
+        <p:cNvPr id="1" name=""/>
+        <p:cNvGrpSpPr/>
+        <p:nvPr/>
+      </p:nvGrpSpPr>
+      <p:grpSpPr>
+        <a:xfrm>
+          <a:off x="0" y="0"/>
+          <a:ext cx="0" cy="0"/>
+          <a:chOff x="0" y="0"/>
+          <a:chExt cx="0" cy="0"/>
+        </a:xfrm>
+      </p:grpSpPr>
+      <p:sp>
+        <p:nvSpPr>
           <p:cNvPr id="3" name="Content Placeholder 2"/>
           <p:cNvSpPr>
             <a:spLocks noGrp="1"/>
@@ -4576,6 +5282,7 @@
               <a:rPr lang="en-IN" altLang="en-US" b="1"/>
               <a:t>Thank you</a:t>
             </a:r>
+            <a:endParaRPr lang="en-IN" altLang="en-US" b="1"/>
           </a:p>
         </p:txBody>
       </p:sp>
@@ -4838,11 +5545,9 @@
       </a:bgFillStyleLst>
     </a:fmtScheme>
   </a:themeElements>
-  <a:objectDefaults/>
-  <a:extraClrSchemeLst/>
   <a:extLst>
     <a:ext uri="{05A4C25C-085E-4340-85A3-A5531E510DB2}">
-      <thm15:themeFamily xmlns:thm15="http://schemas.microsoft.com/office/thememl/2012/main" xmlns="" name="Office Theme" id="{62F939B6-93AF-4DB8-9C6B-D6C7DFDC589F}" vid="{4A3C46E8-61CC-4603-A589-7422A47A8E4A}"/>
+      <thm15:themeFamily xmlns:thm15="http://schemas.microsoft.com/office/thememl/2012/main" name="Office Theme" id="{62F939B6-93AF-4DB8-9C6B-D6C7DFDC589F}" vid="{4A3C46E8-61CC-4603-A589-7422A47A8E4A}"/>
     </a:ext>
   </a:extLst>
 </a:theme>
@@ -5099,11 +5804,9 @@
       </a:bgFillStyleLst>
     </a:fmtScheme>
   </a:themeElements>
-  <a:objectDefaults/>
-  <a:extraClrSchemeLst/>
   <a:extLst>
     <a:ext uri="{05A4C25C-085E-4340-85A3-A5531E510DB2}">
-      <thm15:themeFamily xmlns:thm15="http://schemas.microsoft.com/office/thememl/2012/main" xmlns="" name="Office Theme" id="{62F939B6-93AF-4DB8-9C6B-D6C7DFDC589F}" vid="{4A3C46E8-61CC-4603-A589-7422A47A8E4A}"/>
+      <thm15:themeFamily xmlns:thm15="http://schemas.microsoft.com/office/thememl/2012/main" name="Office Theme" id="{62F939B6-93AF-4DB8-9C6B-D6C7DFDC589F}" vid="{4A3C46E8-61CC-4603-A589-7422A47A8E4A}"/>
     </a:ext>
   </a:extLst>
 </a:theme>

--- a/SSL1.pptx
+++ b/SSL1.pptx
@@ -5194,8 +5194,8 @@
         </p:nvSpPr>
         <p:spPr>
           <a:xfrm>
-            <a:off x="524510" y="6369050"/>
-            <a:ext cx="2540000" cy="275590"/>
+            <a:off x="524510" y="6211570"/>
+            <a:ext cx="2540000" cy="460375"/>
           </a:xfrm>
           <a:prstGeom prst="rect">
             <a:avLst/>
@@ -5214,6 +5214,21 @@
                 </a:solidFill>
               </a:rPr>
               <a:t>https://arxiv.org/pdf/1805.00385.pdf</a:t>
+            </a:r>
+            <a:endParaRPr lang="en-US" sz="1200">
+              <a:solidFill>
+                <a:srgbClr val="0070C0"/>
+              </a:solidFill>
+            </a:endParaRPr>
+          </a:p>
+          <a:p>
+            <a:r>
+              <a:rPr lang="en-US" sz="1200">
+                <a:solidFill>
+                  <a:srgbClr val="0070C0"/>
+                </a:solidFill>
+              </a:rPr>
+              <a:t>https://arxiv.org/abs/2007.04234</a:t>
             </a:r>
             <a:endParaRPr lang="en-US" sz="1200">
               <a:solidFill>

--- a/SSL1.pptx
+++ b/SSL1.pptx
@@ -3340,8 +3340,8 @@
         </p:nvSpPr>
         <p:spPr>
           <a:xfrm>
-            <a:off x="161290" y="194945"/>
-            <a:ext cx="11878945" cy="4431030"/>
+            <a:off x="161290" y="1608455"/>
+            <a:ext cx="11878945" cy="3261360"/>
           </a:xfrm>
           <a:prstGeom prst="rect">
             <a:avLst/>
@@ -3366,37 +3366,6 @@
           </a:p>
           <a:p>
             <a:pPr indent="0"/>
-            <a:endParaRPr lang="en-US" sz="2800" b="0">
-              <a:latin typeface="Georgia" panose="02040502050405020303" charset="0"/>
-              <a:ea typeface="SimSun" panose="02010600030101010101" pitchFamily="2" charset="-122"/>
-              <a:cs typeface="Georgia" panose="02040502050405020303" charset="0"/>
-            </a:endParaRPr>
-          </a:p>
-          <a:p>
-            <a:pPr indent="0"/>
-            <a:endParaRPr lang="en-US" sz="2800" b="0">
-              <a:latin typeface="Georgia" panose="02040502050405020303" charset="0"/>
-              <a:ea typeface="SimSun" panose="02010600030101010101" pitchFamily="2" charset="-122"/>
-              <a:cs typeface="Georgia" panose="02040502050405020303" charset="0"/>
-            </a:endParaRPr>
-          </a:p>
-          <a:p>
-            <a:pPr indent="0"/>
-            <a:r>
-              <a:rPr lang="en-US" sz="2800" b="0">
-                <a:latin typeface="Georgia" panose="02040502050405020303" charset="0"/>
-                <a:ea typeface="SimSun" panose="02010600030101010101" pitchFamily="2" charset="-122"/>
-                <a:cs typeface="Georgia" panose="02040502050405020303" charset="0"/>
-              </a:rPr>
-              <a:t>What are we doing ?</a:t>
-            </a:r>
-            <a:endParaRPr lang="en-US" sz="2800" b="0">
-              <a:latin typeface="Georgia" panose="02040502050405020303" charset="0"/>
-              <a:ea typeface="SimSun" panose="02010600030101010101" pitchFamily="2" charset="-122"/>
-              <a:cs typeface="Georgia" panose="02040502050405020303" charset="0"/>
-            </a:endParaRPr>
-          </a:p>
-          <a:p>
             <a:r>
               <a:rPr lang="en-US" sz="2800" b="0">
                 <a:latin typeface="Georgia" panose="02040502050405020303" charset="0"/>
@@ -3413,14 +3382,14 @@
           </a:p>
           <a:p>
             <a:r>
-              <a:rPr lang="en-US" sz="2000" b="0">
+              <a:rPr lang="en-US" sz="2800" b="0">
                 <a:latin typeface="Georgia" panose="02040502050405020303" charset="0"/>
                 <a:ea typeface="SimSun" panose="02010600030101010101" pitchFamily="2" charset="-122"/>
                 <a:cs typeface="Georgia" panose="02040502050405020303" charset="0"/>
               </a:rPr>
               <a:t>Problem statement </a:t>
             </a:r>
-            <a:endParaRPr lang="en-US" sz="2000" b="0">
+            <a:endParaRPr lang="en-US" sz="2800" b="0">
               <a:latin typeface="Georgia" panose="02040502050405020303" charset="0"/>
               <a:ea typeface="SimSun" panose="02010600030101010101" pitchFamily="2" charset="-122"/>
               <a:cs typeface="Georgia" panose="02040502050405020303" charset="0"/>
